--- a/slides/flowchart_shared.pptx
+++ b/slides/flowchart_shared.pptx
@@ -245,8 +245,11 @@
     </a:lvl9pPr>
   </p:defaultTextStyle>
   <p:extLst>
+    <p:ext uri="{EFAFB233-063F-42B5-8137-9DF3F51BA10A}">
+      <p15:sldGuideLst xmlns:p15="http://schemas.microsoft.com/office/powerpoint/2012/main"/>
+    </p:ext>
     <p:ext uri="GoogleSlidesCustomDataVersion2">
-      <go:slidesCustomData xmlns:go="http://customooxmlschemas.google.com/" xmlns:ahyp="http://schemas.microsoft.com/office/drawing/2018/hyperlinkcolor" xmlns:p15="http://schemas.microsoft.com/office/powerpoint/2012/main" xmlns:p14="http://schemas.microsoft.com/office/powerpoint/2010/main" xmlns:com="http://schemas.openxmlformats.org/drawingml/2006/compatibility" xmlns:pvml="urn:schemas-microsoft-com:office:powerpoint" xmlns:v="urn:schemas-microsoft-com:vml" xmlns:o="urn:schemas-microsoft-com:office:office" xmlns:dgm="http://schemas.openxmlformats.org/drawingml/2006/diagram" xmlns:c="http://schemas.openxmlformats.org/drawingml/2006/chart" xmlns:mv="urn:schemas-microsoft-com:mac:vml" xmlns:mc="http://schemas.openxmlformats.org/markup-compatibility/2006" xmlns="" r:id="rId9" roundtripDataSignature="AMtx7mhG/50C3QARwq4RR3Id8Ll4uDGkNQ=="/>
+      <go:slidesCustomData xmlns="" xmlns:mc="http://schemas.openxmlformats.org/markup-compatibility/2006" xmlns:mv="urn:schemas-microsoft-com:mac:vml" xmlns:c="http://schemas.openxmlformats.org/drawingml/2006/chart" xmlns:dgm="http://schemas.openxmlformats.org/drawingml/2006/diagram" xmlns:o="urn:schemas-microsoft-com:office:office" xmlns:v="urn:schemas-microsoft-com:vml" xmlns:pvml="urn:schemas-microsoft-com:office:powerpoint" xmlns:com="http://schemas.openxmlformats.org/drawingml/2006/compatibility" xmlns:p14="http://schemas.microsoft.com/office/powerpoint/2010/main" xmlns:p15="http://schemas.microsoft.com/office/powerpoint/2012/main" xmlns:ahyp="http://schemas.microsoft.com/office/drawing/2018/hyperlinkcolor" xmlns:go="http://customooxmlschemas.google.com/" r:id="rId9" roundtripDataSignature="AMtx7mhG/50C3QARwq4RR3Id8Ll4uDGkNQ=="/>
     </p:ext>
   </p:extLst>
 </p:presentation>
@@ -27786,308 +27789,6 @@
       </p:grpSpPr>
       <p:sp>
         <p:nvSpPr>
-          <p:cNvPr id="159" name="Google Shape;159;g294a542b77f_2_75"/>
-          <p:cNvSpPr/>
-          <p:nvPr/>
-        </p:nvSpPr>
-        <p:spPr>
-          <a:xfrm>
-            <a:off x="9752400" y="2665276"/>
-            <a:ext cx="1754700" cy="676200"/>
-          </a:xfrm>
-          <a:prstGeom prst="roundRect">
-            <a:avLst>
-              <a:gd name="adj" fmla="val 16667"/>
-            </a:avLst>
-          </a:prstGeom>
-          <a:noFill/>
-          <a:ln w="12700" cap="flat" cmpd="sng">
-            <a:solidFill>
-              <a:srgbClr val="31538F"/>
-            </a:solidFill>
-            <a:prstDash val="solid"/>
-            <a:miter lim="800000"/>
-            <a:headEnd type="none" w="sm" len="sm"/>
-            <a:tailEnd type="none" w="sm" len="sm"/>
-          </a:ln>
-        </p:spPr>
-        <p:txBody>
-          <a:bodyPr spcFirstLastPara="1" wrap="square" lIns="91425" tIns="45700" rIns="91425" bIns="45700" anchor="t" anchorCtr="0">
-            <a:noAutofit/>
-          </a:bodyPr>
-          <a:lstStyle/>
-          <a:p>
-            <a:pPr marL="0" marR="0" lvl="0" indent="0" algn="ctr" rtl="0">
-              <a:lnSpc>
-                <a:spcPct val="100000"/>
-              </a:lnSpc>
-              <a:spcBef>
-                <a:spcPts val="0"/>
-              </a:spcBef>
-              <a:spcAft>
-                <a:spcPts val="0"/>
-              </a:spcAft>
-              <a:buClr>
-                <a:srgbClr val="000000"/>
-              </a:buClr>
-              <a:buSzPts val="1200"/>
-              <a:buFont typeface="Arial"/>
-              <a:buNone/>
-            </a:pPr>
-            <a:r>
-              <a:rPr lang="en-US" sz="1200" b="1" i="0" u="sng" strike="noStrike" cap="none">
-                <a:solidFill>
-                  <a:schemeClr val="dk1"/>
-                </a:solidFill>
-                <a:latin typeface="Calibri"/>
-                <a:ea typeface="Calibri"/>
-                <a:cs typeface="Calibri"/>
-                <a:sym typeface="Calibri"/>
-              </a:rPr>
-              <a:t>LLM</a:t>
-            </a:r>
-            <a:endParaRPr sz="1400" b="1" i="0" u="none" strike="noStrike" cap="none">
-              <a:solidFill>
-                <a:srgbClr val="000000"/>
-              </a:solidFill>
-            </a:endParaRPr>
-          </a:p>
-        </p:txBody>
-      </p:sp>
-      <p:sp>
-        <p:nvSpPr>
-          <p:cNvPr id="160" name="Google Shape;160;g294a542b77f_2_75"/>
-          <p:cNvSpPr/>
-          <p:nvPr/>
-        </p:nvSpPr>
-        <p:spPr>
-          <a:xfrm>
-            <a:off x="7103797" y="155997"/>
-            <a:ext cx="4297500" cy="913500"/>
-          </a:xfrm>
-          <a:prstGeom prst="roundRect">
-            <a:avLst>
-              <a:gd name="adj" fmla="val 16667"/>
-            </a:avLst>
-          </a:prstGeom>
-          <a:noFill/>
-          <a:ln w="12700" cap="flat" cmpd="sng">
-            <a:solidFill>
-              <a:srgbClr val="31538F"/>
-            </a:solidFill>
-            <a:prstDash val="solid"/>
-            <a:miter lim="800000"/>
-            <a:headEnd type="none" w="sm" len="sm"/>
-            <a:tailEnd type="none" w="sm" len="sm"/>
-          </a:ln>
-        </p:spPr>
-        <p:txBody>
-          <a:bodyPr spcFirstLastPara="1" wrap="square" lIns="91425" tIns="45700" rIns="91425" bIns="45700" anchor="t" anchorCtr="0">
-            <a:noAutofit/>
-          </a:bodyPr>
-          <a:lstStyle/>
-          <a:p>
-            <a:pPr marL="0" marR="0" lvl="0" indent="0" algn="ctr" rtl="0">
-              <a:lnSpc>
-                <a:spcPct val="100000"/>
-              </a:lnSpc>
-              <a:spcBef>
-                <a:spcPts val="0"/>
-              </a:spcBef>
-              <a:spcAft>
-                <a:spcPts val="0"/>
-              </a:spcAft>
-              <a:buClr>
-                <a:srgbClr val="000000"/>
-              </a:buClr>
-              <a:buSzPts val="1800"/>
-              <a:buFont typeface="Arial"/>
-              <a:buNone/>
-            </a:pPr>
-            <a:r>
-              <a:rPr lang="en-US" sz="1800" b="0" i="0" u="none" strike="noStrike" cap="none">
-                <a:solidFill>
-                  <a:schemeClr val="dk1"/>
-                </a:solidFill>
-                <a:latin typeface="Calibri"/>
-                <a:ea typeface="Calibri"/>
-                <a:cs typeface="Calibri"/>
-                <a:sym typeface="Calibri"/>
-              </a:rPr>
-              <a:t>End User</a:t>
-            </a:r>
-            <a:endParaRPr sz="1400" b="0" i="0" u="none" strike="noStrike" cap="none">
-              <a:solidFill>
-                <a:srgbClr val="000000"/>
-              </a:solidFill>
-              <a:latin typeface="Arial"/>
-              <a:ea typeface="Arial"/>
-              <a:cs typeface="Arial"/>
-              <a:sym typeface="Arial"/>
-            </a:endParaRPr>
-          </a:p>
-        </p:txBody>
-      </p:sp>
-      <p:sp>
-        <p:nvSpPr>
-          <p:cNvPr id="161" name="Google Shape;161;g294a542b77f_2_75"/>
-          <p:cNvSpPr/>
-          <p:nvPr/>
-        </p:nvSpPr>
-        <p:spPr>
-          <a:xfrm>
-            <a:off x="145587" y="1830640"/>
-            <a:ext cx="11834100" cy="4743300"/>
-          </a:xfrm>
-          <a:prstGeom prst="roundRect">
-            <a:avLst>
-              <a:gd name="adj" fmla="val 16667"/>
-            </a:avLst>
-          </a:prstGeom>
-          <a:noFill/>
-          <a:ln w="12700" cap="flat" cmpd="sng">
-            <a:solidFill>
-              <a:srgbClr val="31538F"/>
-            </a:solidFill>
-            <a:prstDash val="solid"/>
-            <a:miter lim="800000"/>
-            <a:headEnd type="none" w="sm" len="sm"/>
-            <a:tailEnd type="none" w="sm" len="sm"/>
-          </a:ln>
-        </p:spPr>
-        <p:txBody>
-          <a:bodyPr spcFirstLastPara="1" wrap="square" lIns="91425" tIns="45700" rIns="91425" bIns="45700" anchor="t" anchorCtr="0">
-            <a:noAutofit/>
-          </a:bodyPr>
-          <a:lstStyle/>
-          <a:p>
-            <a:pPr marL="0" marR="0" lvl="0" indent="0" algn="ctr" rtl="0">
-              <a:lnSpc>
-                <a:spcPct val="100000"/>
-              </a:lnSpc>
-              <a:spcBef>
-                <a:spcPts val="0"/>
-              </a:spcBef>
-              <a:spcAft>
-                <a:spcPts val="0"/>
-              </a:spcAft>
-              <a:buClr>
-                <a:srgbClr val="000000"/>
-              </a:buClr>
-              <a:buSzPts val="3000"/>
-              <a:buFont typeface="Arial"/>
-              <a:buNone/>
-            </a:pPr>
-            <a:r>
-              <a:rPr lang="en-US" sz="3000" b="0" i="0" u="none" strike="noStrike" cap="none">
-                <a:solidFill>
-                  <a:schemeClr val="dk1"/>
-                </a:solidFill>
-                <a:latin typeface="Calibri"/>
-                <a:ea typeface="Calibri"/>
-                <a:cs typeface="Calibri"/>
-                <a:sym typeface="Calibri"/>
-              </a:rPr>
-              <a:t>Langchain</a:t>
-            </a:r>
-            <a:endParaRPr sz="3000" b="0" i="0" u="none" strike="noStrike" cap="none">
-              <a:solidFill>
-                <a:schemeClr val="dk1"/>
-              </a:solidFill>
-              <a:latin typeface="Calibri"/>
-              <a:ea typeface="Calibri"/>
-              <a:cs typeface="Calibri"/>
-              <a:sym typeface="Calibri"/>
-            </a:endParaRPr>
-          </a:p>
-          <a:p>
-            <a:pPr marL="0" marR="0" lvl="0" indent="0" algn="ctr" rtl="0">
-              <a:lnSpc>
-                <a:spcPct val="100000"/>
-              </a:lnSpc>
-              <a:spcBef>
-                <a:spcPts val="0"/>
-              </a:spcBef>
-              <a:spcAft>
-                <a:spcPts val="0"/>
-              </a:spcAft>
-              <a:buClr>
-                <a:srgbClr val="000000"/>
-              </a:buClr>
-              <a:buSzPts val="1800"/>
-              <a:buFont typeface="Arial"/>
-              <a:buNone/>
-            </a:pPr>
-            <a:endParaRPr sz="1800" b="0" i="0" u="none" strike="noStrike" cap="none">
-              <a:solidFill>
-                <a:schemeClr val="dk1"/>
-              </a:solidFill>
-              <a:latin typeface="Calibri"/>
-              <a:ea typeface="Calibri"/>
-              <a:cs typeface="Calibri"/>
-              <a:sym typeface="Calibri"/>
-            </a:endParaRPr>
-          </a:p>
-          <a:p>
-            <a:pPr marL="0" marR="0" lvl="0" indent="0" algn="r" rtl="0">
-              <a:lnSpc>
-                <a:spcPct val="100000"/>
-              </a:lnSpc>
-              <a:spcBef>
-                <a:spcPts val="0"/>
-              </a:spcBef>
-              <a:spcAft>
-                <a:spcPts val="0"/>
-              </a:spcAft>
-              <a:buClr>
-                <a:srgbClr val="000000"/>
-              </a:buClr>
-              <a:buSzPts val="1800"/>
-              <a:buFont typeface="Arial"/>
-              <a:buNone/>
-            </a:pPr>
-            <a:endParaRPr sz="1800" b="0" i="0" u="none" strike="noStrike" cap="none">
-              <a:solidFill>
-                <a:schemeClr val="dk1"/>
-              </a:solidFill>
-              <a:latin typeface="Calibri"/>
-              <a:ea typeface="Calibri"/>
-              <a:cs typeface="Calibri"/>
-              <a:sym typeface="Calibri"/>
-            </a:endParaRPr>
-          </a:p>
-          <a:p>
-            <a:pPr marL="0" marR="0" lvl="0" indent="0" algn="r" rtl="0">
-              <a:lnSpc>
-                <a:spcPct val="100000"/>
-              </a:lnSpc>
-              <a:spcBef>
-                <a:spcPts val="0"/>
-              </a:spcBef>
-              <a:spcAft>
-                <a:spcPts val="0"/>
-              </a:spcAft>
-              <a:buClr>
-                <a:srgbClr val="000000"/>
-              </a:buClr>
-              <a:buSzPts val="1800"/>
-              <a:buFont typeface="Arial"/>
-              <a:buNone/>
-            </a:pPr>
-            <a:endParaRPr sz="1800" b="0" i="0" u="none" strike="noStrike" cap="none">
-              <a:solidFill>
-                <a:schemeClr val="dk1"/>
-              </a:solidFill>
-              <a:latin typeface="Calibri"/>
-              <a:ea typeface="Calibri"/>
-              <a:cs typeface="Calibri"/>
-              <a:sym typeface="Calibri"/>
-            </a:endParaRPr>
-          </a:p>
-        </p:txBody>
-      </p:sp>
-      <p:sp>
-        <p:nvSpPr>
           <p:cNvPr id="162" name="Google Shape;162;g294a542b77f_2_75"/>
           <p:cNvSpPr/>
           <p:nvPr/>
@@ -28387,14 +28088,16 @@
         <p:nvCxnSpPr>
           <p:cNvPr id="167" name="Google Shape;167;g294a542b77f_2_75"/>
           <p:cNvCxnSpPr>
-            <a:stCxn id="168" idx="3"/>
+            <a:cxnSpLocks/>
+            <a:stCxn id="49" idx="3"/>
+            <a:endCxn id="53" idx="1"/>
           </p:cNvCxnSpPr>
           <p:nvPr/>
         </p:nvCxnSpPr>
         <p:spPr>
           <a:xfrm>
-            <a:off x="1731698" y="4001730"/>
-            <a:ext cx="1563000" cy="0"/>
+            <a:off x="2293058" y="3979885"/>
+            <a:ext cx="1015480" cy="0"/>
           </a:xfrm>
           <a:prstGeom prst="straightConnector1">
             <a:avLst/>
@@ -28414,13 +28117,15 @@
       <p:cxnSp>
         <p:nvCxnSpPr>
           <p:cNvPr id="169" name="Google Shape;169;g294a542b77f_2_75"/>
-          <p:cNvCxnSpPr/>
+          <p:cNvCxnSpPr>
+            <a:cxnSpLocks/>
+          </p:cNvCxnSpPr>
           <p:nvPr/>
         </p:nvCxnSpPr>
         <p:spPr>
           <a:xfrm>
-            <a:off x="7087937" y="5830431"/>
-            <a:ext cx="1324613" cy="0"/>
+            <a:off x="7176215" y="5825481"/>
+            <a:ext cx="1504862" cy="2814"/>
           </a:xfrm>
           <a:prstGeom prst="straightConnector1">
             <a:avLst/>
@@ -28583,14 +28288,15 @@
         <p:nvCxnSpPr>
           <p:cNvPr id="171" name="Google Shape;171;g294a542b77f_2_75"/>
           <p:cNvCxnSpPr>
-            <a:stCxn id="172" idx="2"/>
+            <a:cxnSpLocks/>
+            <a:stCxn id="90" idx="2"/>
           </p:cNvCxnSpPr>
           <p:nvPr/>
         </p:nvCxnSpPr>
         <p:spPr>
           <a:xfrm>
-            <a:off x="7785300" y="889667"/>
-            <a:ext cx="0" cy="1938900"/>
+            <a:off x="7776333" y="871400"/>
+            <a:ext cx="0" cy="2116593"/>
           </a:xfrm>
           <a:prstGeom prst="straightConnector1">
             <a:avLst/>
@@ -28610,13 +28316,15 @@
       <p:cxnSp>
         <p:nvCxnSpPr>
           <p:cNvPr id="173" name="Google Shape;173;g294a542b77f_2_75"/>
-          <p:cNvCxnSpPr/>
+          <p:cNvCxnSpPr>
+            <a:cxnSpLocks/>
+          </p:cNvCxnSpPr>
           <p:nvPr/>
         </p:nvCxnSpPr>
         <p:spPr>
-          <a:xfrm rot="10800000">
-            <a:off x="10138597" y="3331044"/>
-            <a:ext cx="0" cy="1626379"/>
+          <a:xfrm flipV="1">
+            <a:off x="10138597" y="3331045"/>
+            <a:ext cx="0" cy="1626378"/>
           </a:xfrm>
           <a:prstGeom prst="straightConnector1">
             <a:avLst/>
@@ -28635,85 +28343,13 @@
       </p:cxnSp>
       <p:sp>
         <p:nvSpPr>
-          <p:cNvPr id="174" name="Google Shape;174;g294a542b77f_2_75"/>
-          <p:cNvSpPr txBox="1"/>
-          <p:nvPr/>
-        </p:nvSpPr>
-        <p:spPr>
-          <a:xfrm>
-            <a:off x="10485199" y="566675"/>
-            <a:ext cx="713400" cy="276900"/>
-          </a:xfrm>
-          <a:prstGeom prst="rect">
-            <a:avLst/>
-          </a:prstGeom>
-          <a:noFill/>
-          <a:ln w="9525" cap="flat" cmpd="sng">
-            <a:solidFill>
-              <a:schemeClr val="dk1"/>
-            </a:solidFill>
-            <a:prstDash val="solid"/>
-            <a:round/>
-            <a:headEnd type="none" w="sm" len="sm"/>
-            <a:tailEnd type="none" w="sm" len="sm"/>
-          </a:ln>
-        </p:spPr>
-        <p:txBody>
-          <a:bodyPr spcFirstLastPara="1" wrap="square" lIns="91425" tIns="45700" rIns="91425" bIns="45700" anchor="t" anchorCtr="0">
-            <a:spAutoFit/>
-          </a:bodyPr>
-          <a:lstStyle/>
-          <a:p>
-            <a:pPr marL="0" marR="0" lvl="0" indent="0" algn="ctr" rtl="0">
-              <a:lnSpc>
-                <a:spcPct val="100000"/>
-              </a:lnSpc>
-              <a:spcBef>
-                <a:spcPts val="0"/>
-              </a:spcBef>
-              <a:spcAft>
-                <a:spcPts val="0"/>
-              </a:spcAft>
-              <a:buClr>
-                <a:srgbClr val="000000"/>
-              </a:buClr>
-              <a:buSzPts val="1200"/>
-              <a:buFont typeface="Arial"/>
-              <a:buNone/>
-            </a:pPr>
-            <a:r>
-              <a:rPr lang="en-US" sz="1200" b="0" i="0" u="none" strike="noStrike" cap="none" dirty="0">
-                <a:solidFill>
-                  <a:schemeClr val="dk1"/>
-                </a:solidFill>
-                <a:latin typeface="Calibri"/>
-                <a:ea typeface="Calibri"/>
-                <a:cs typeface="Calibri"/>
-                <a:sym typeface="Calibri"/>
-              </a:rPr>
-              <a:t>Answer</a:t>
-            </a:r>
-            <a:endParaRPr sz="1400" b="0" i="0" u="none" strike="noStrike" cap="none" dirty="0">
-              <a:solidFill>
-                <a:srgbClr val="000000"/>
-              </a:solidFill>
-              <a:latin typeface="Arial"/>
-              <a:ea typeface="Arial"/>
-              <a:cs typeface="Arial"/>
-              <a:sym typeface="Arial"/>
-            </a:endParaRPr>
-          </a:p>
-        </p:txBody>
-      </p:sp>
-      <p:sp>
-        <p:nvSpPr>
           <p:cNvPr id="175" name="Google Shape;175;g294a542b77f_2_75"/>
           <p:cNvSpPr txBox="1"/>
           <p:nvPr/>
         </p:nvSpPr>
         <p:spPr>
           <a:xfrm>
-            <a:off x="10183988" y="3853581"/>
+            <a:off x="10177334" y="3892228"/>
             <a:ext cx="1691253" cy="276999"/>
           </a:xfrm>
           <a:prstGeom prst="rect">
@@ -28748,7 +28384,7 @@
               <a:buNone/>
             </a:pPr>
             <a:r>
-              <a:rPr lang="en-US" sz="1200" b="0" i="0" u="none" strike="noStrike" cap="none">
+              <a:rPr lang="en-US" sz="1200" b="0" i="0" u="none" strike="noStrike" cap="none" dirty="0">
                 <a:solidFill>
                   <a:srgbClr val="0070C0"/>
                 </a:solidFill>
@@ -28760,7 +28396,7 @@
               <a:t>3c) </a:t>
             </a:r>
             <a:r>
-              <a:rPr lang="en-US" sz="1200">
+              <a:rPr lang="en-US" sz="1200" dirty="0">
                 <a:solidFill>
                   <a:srgbClr val="0070C0"/>
                 </a:solidFill>
@@ -28772,7 +28408,7 @@
               <a:t>Send</a:t>
             </a:r>
             <a:r>
-              <a:rPr lang="en-US" sz="1200" b="0" i="0" u="none" strike="noStrike" cap="none">
+              <a:rPr lang="en-US" sz="1200" b="0" i="0" u="none" strike="noStrike" cap="none" dirty="0">
                 <a:solidFill>
                   <a:srgbClr val="0070C0"/>
                 </a:solidFill>
@@ -28784,7 +28420,7 @@
               <a:t> top </a:t>
             </a:r>
             <a:r>
-              <a:rPr lang="en-US" sz="1200" b="0" i="1" u="none" strike="noStrike" cap="none">
+              <a:rPr lang="en-US" sz="1200" b="0" i="1" u="none" strike="noStrike" cap="none" dirty="0">
                 <a:solidFill>
                   <a:srgbClr val="0070C0"/>
                 </a:solidFill>
@@ -28796,7 +28432,7 @@
               <a:t>n</a:t>
             </a:r>
             <a:r>
-              <a:rPr lang="en-US" sz="1200" b="0" i="0" u="none" strike="noStrike" cap="none">
+              <a:rPr lang="en-US" sz="1200" b="0" i="0" u="none" strike="noStrike" cap="none" dirty="0">
                 <a:solidFill>
                   <a:srgbClr val="0070C0"/>
                 </a:solidFill>
@@ -28808,7 +28444,7 @@
               <a:t> </a:t>
             </a:r>
             <a:r>
-              <a:rPr lang="en-US" sz="1200">
+              <a:rPr lang="en-US" sz="1200" dirty="0">
                 <a:solidFill>
                   <a:srgbClr val="0070C0"/>
                 </a:solidFill>
@@ -28819,7 +28455,7 @@
               </a:rPr>
               <a:t>results</a:t>
             </a:r>
-            <a:endParaRPr sz="1400" b="0" i="0" u="none" strike="noStrike" cap="none">
+            <a:endParaRPr sz="1400" b="0" i="0" u="none" strike="noStrike" cap="none" dirty="0">
               <a:solidFill>
                 <a:srgbClr val="000000"/>
               </a:solidFill>
@@ -28834,13 +28470,15 @@
       <p:cxnSp>
         <p:nvCxnSpPr>
           <p:cNvPr id="176" name="Google Shape;176;g294a542b77f_2_75"/>
-          <p:cNvCxnSpPr/>
+          <p:cNvCxnSpPr>
+            <a:cxnSpLocks/>
+          </p:cNvCxnSpPr>
           <p:nvPr/>
         </p:nvCxnSpPr>
         <p:spPr>
-          <a:xfrm rot="10800000">
-            <a:off x="10993215" y="909994"/>
-            <a:ext cx="0" cy="1981800"/>
+          <a:xfrm flipV="1">
+            <a:off x="10657330" y="889667"/>
+            <a:ext cx="0" cy="1727613"/>
           </a:xfrm>
           <a:prstGeom prst="straightConnector1">
             <a:avLst/>
@@ -28857,34 +28495,6 @@
           </a:ln>
         </p:spPr>
       </p:cxnSp>
-      <p:cxnSp>
-        <p:nvCxnSpPr>
-          <p:cNvPr id="177" name="Google Shape;177;g294a542b77f_2_75"/>
-          <p:cNvCxnSpPr>
-            <a:stCxn id="163" idx="1"/>
-          </p:cNvCxnSpPr>
-          <p:nvPr/>
-        </p:nvCxnSpPr>
-        <p:spPr>
-          <a:xfrm flipH="1">
-            <a:off x="885715" y="868570"/>
-            <a:ext cx="1011600" cy="2106300"/>
-          </a:xfrm>
-          <a:prstGeom prst="bentConnector2">
-            <a:avLst/>
-          </a:prstGeom>
-          <a:noFill/>
-          <a:ln w="9525" cap="flat" cmpd="sng">
-            <a:solidFill>
-              <a:srgbClr val="FF0000"/>
-            </a:solidFill>
-            <a:prstDash val="solid"/>
-            <a:miter lim="800000"/>
-            <a:headEnd type="none" w="sm" len="sm"/>
-            <a:tailEnd type="triangle" w="med" len="med"/>
-          </a:ln>
-        </p:spPr>
-      </p:cxnSp>
       <p:sp>
         <p:nvSpPr>
           <p:cNvPr id="178" name="Google Shape;178;g294a542b77f_2_75"/>
@@ -28893,7 +28503,7 @@
         </p:nvSpPr>
         <p:spPr>
           <a:xfrm>
-            <a:off x="7476995" y="3828933"/>
+            <a:off x="7461326" y="3892228"/>
             <a:ext cx="1897066" cy="276999"/>
           </a:xfrm>
           <a:prstGeom prst="rect">
@@ -28928,7 +28538,7 @@
               <a:buNone/>
             </a:pPr>
             <a:r>
-              <a:rPr lang="en-US" sz="1200" b="0" i="0" u="none" strike="noStrike" cap="none">
+              <a:rPr lang="en-US" sz="1200" b="0" i="0" u="none" strike="noStrike" cap="none" dirty="0">
                 <a:solidFill>
                   <a:srgbClr val="00B050"/>
                 </a:solidFill>
@@ -28939,79 +28549,7 @@
               </a:rPr>
               <a:t>3b) Cosine Similarity Search</a:t>
             </a:r>
-            <a:endParaRPr sz="1400" b="0" i="0" u="none" strike="noStrike" cap="none">
-              <a:solidFill>
-                <a:srgbClr val="000000"/>
-              </a:solidFill>
-              <a:latin typeface="Arial"/>
-              <a:ea typeface="Arial"/>
-              <a:cs typeface="Arial"/>
-              <a:sym typeface="Arial"/>
-            </a:endParaRPr>
-          </a:p>
-        </p:txBody>
-      </p:sp>
-      <p:sp>
-        <p:nvSpPr>
-          <p:cNvPr id="172" name="Google Shape;172;g294a542b77f_2_75"/>
-          <p:cNvSpPr txBox="1"/>
-          <p:nvPr/>
-        </p:nvSpPr>
-        <p:spPr>
-          <a:xfrm>
-            <a:off x="7350300" y="612767"/>
-            <a:ext cx="870000" cy="276900"/>
-          </a:xfrm>
-          <a:prstGeom prst="rect">
-            <a:avLst/>
-          </a:prstGeom>
-          <a:noFill/>
-          <a:ln w="9525" cap="flat" cmpd="sng">
-            <a:solidFill>
-              <a:schemeClr val="dk1"/>
-            </a:solidFill>
-            <a:prstDash val="solid"/>
-            <a:round/>
-            <a:headEnd type="none" w="sm" len="sm"/>
-            <a:tailEnd type="none" w="sm" len="sm"/>
-          </a:ln>
-        </p:spPr>
-        <p:txBody>
-          <a:bodyPr spcFirstLastPara="1" wrap="square" lIns="91425" tIns="45700" rIns="91425" bIns="45700" anchor="t" anchorCtr="0">
-            <a:spAutoFit/>
-          </a:bodyPr>
-          <a:lstStyle/>
-          <a:p>
-            <a:pPr marL="0" marR="0" lvl="0" indent="0" algn="ctr" rtl="0">
-              <a:lnSpc>
-                <a:spcPct val="100000"/>
-              </a:lnSpc>
-              <a:spcBef>
-                <a:spcPts val="0"/>
-              </a:spcBef>
-              <a:spcAft>
-                <a:spcPts val="0"/>
-              </a:spcAft>
-              <a:buClr>
-                <a:srgbClr val="000000"/>
-              </a:buClr>
-              <a:buSzPts val="1200"/>
-              <a:buFont typeface="Arial"/>
-              <a:buNone/>
-            </a:pPr>
-            <a:r>
-              <a:rPr lang="en-US" sz="1200" b="0" i="0" u="none" strike="noStrike" cap="none">
-                <a:solidFill>
-                  <a:schemeClr val="dk1"/>
-                </a:solidFill>
-                <a:latin typeface="Calibri"/>
-                <a:ea typeface="Calibri"/>
-                <a:cs typeface="Calibri"/>
-                <a:sym typeface="Calibri"/>
-              </a:rPr>
-              <a:t>User query</a:t>
-            </a:r>
-            <a:endParaRPr sz="1400" b="0" i="0" u="none" strike="noStrike" cap="none">
+            <a:endParaRPr sz="1400" b="0" i="0" u="none" strike="noStrike" cap="none" dirty="0">
               <a:solidFill>
                 <a:srgbClr val="000000"/>
               </a:solidFill>
@@ -29031,8 +28569,8 @@
         </p:nvSpPr>
         <p:spPr>
           <a:xfrm>
-            <a:off x="212335" y="2988314"/>
-            <a:ext cx="4966237" cy="1774678"/>
+            <a:off x="490366" y="2988314"/>
+            <a:ext cx="4688206" cy="1774678"/>
           </a:xfrm>
           <a:prstGeom prst="roundRect">
             <a:avLst>
@@ -29100,13 +28638,15 @@
       <p:cxnSp>
         <p:nvCxnSpPr>
           <p:cNvPr id="180" name="Google Shape;180;g294a542b77f_2_75"/>
-          <p:cNvCxnSpPr/>
+          <p:cNvCxnSpPr>
+            <a:cxnSpLocks/>
+          </p:cNvCxnSpPr>
           <p:nvPr/>
         </p:nvCxnSpPr>
         <p:spPr>
           <a:xfrm>
-            <a:off x="9387901" y="3331044"/>
-            <a:ext cx="0" cy="1626379"/>
+            <a:off x="9387901" y="3248540"/>
+            <a:ext cx="0" cy="1708883"/>
           </a:xfrm>
           <a:prstGeom prst="straightConnector1">
             <a:avLst/>
@@ -29126,18 +28666,18 @@
       <p:cxnSp>
         <p:nvCxnSpPr>
           <p:cNvPr id="181" name="Google Shape;181;g294a542b77f_2_75"/>
-          <p:cNvCxnSpPr/>
+          <p:cNvCxnSpPr>
+            <a:cxnSpLocks/>
+          </p:cNvCxnSpPr>
           <p:nvPr/>
         </p:nvCxnSpPr>
         <p:spPr>
-          <a:xfrm>
-            <a:off x="3922685" y="4763483"/>
-            <a:ext cx="1419300" cy="1317300"/>
+          <a:xfrm rot="16200000" flipH="1">
+            <a:off x="4299275" y="4198301"/>
+            <a:ext cx="1244263" cy="2015722"/>
           </a:xfrm>
-          <a:prstGeom prst="bentConnector3">
-            <a:avLst>
-              <a:gd name="adj1" fmla="val 50003"/>
-            </a:avLst>
+          <a:prstGeom prst="bentConnector2">
+            <a:avLst/>
           </a:prstGeom>
           <a:noFill/>
           <a:ln w="9525" cap="flat" cmpd="sng">
@@ -29321,7 +28861,7 @@
         </p:nvSpPr>
         <p:spPr>
           <a:xfrm>
-            <a:off x="6674652" y="1174556"/>
+            <a:off x="7839928" y="1184456"/>
             <a:ext cx="1171200" cy="461700"/>
           </a:xfrm>
           <a:prstGeom prst="rect">
@@ -29387,8 +28927,8 @@
         </p:nvSpPr>
         <p:spPr>
           <a:xfrm>
-            <a:off x="11030145" y="1203935"/>
-            <a:ext cx="1071000" cy="461700"/>
+            <a:off x="10657330" y="1284989"/>
+            <a:ext cx="1391309" cy="267505"/>
           </a:xfrm>
           <a:prstGeom prst="rect">
             <a:avLst/>
@@ -29422,7 +28962,7 @@
               <a:buNone/>
             </a:pPr>
             <a:r>
-              <a:rPr lang="en-US" sz="1200" b="0" i="0" u="none" strike="noStrike" cap="none">
+              <a:rPr lang="en-US" sz="1200" b="0" i="0" u="none" strike="noStrike" cap="none" dirty="0">
                 <a:solidFill>
                   <a:srgbClr val="0070C0"/>
                 </a:solidFill>
@@ -29434,7 +28974,7 @@
               <a:t>3d) </a:t>
             </a:r>
             <a:r>
-              <a:rPr lang="en-US" sz="1200">
+              <a:rPr lang="en-US" sz="1200" dirty="0">
                 <a:solidFill>
                   <a:srgbClr val="0070C0"/>
                 </a:solidFill>
@@ -29446,7 +28986,7 @@
               <a:t>Return</a:t>
             </a:r>
             <a:r>
-              <a:rPr lang="en-US" sz="1200" b="0" i="0" u="none" strike="noStrike" cap="none">
+              <a:rPr lang="en-US" sz="1200" b="0" i="0" u="none" strike="noStrike" cap="none" dirty="0">
                 <a:solidFill>
                   <a:srgbClr val="0070C0"/>
                 </a:solidFill>
@@ -29457,167 +28997,7 @@
               </a:rPr>
               <a:t> Answer</a:t>
             </a:r>
-            <a:endParaRPr sz="1400" b="0" i="0" u="none" strike="noStrike" cap="none">
-              <a:solidFill>
-                <a:srgbClr val="000000"/>
-              </a:solidFill>
-              <a:latin typeface="Arial"/>
-              <a:ea typeface="Arial"/>
-              <a:cs typeface="Arial"/>
-              <a:sym typeface="Arial"/>
-            </a:endParaRPr>
-          </a:p>
-        </p:txBody>
-      </p:sp>
-      <p:sp>
-        <p:nvSpPr>
-          <p:cNvPr id="168" name="Google Shape;168;g294a542b77f_2_75"/>
-          <p:cNvSpPr txBox="1"/>
-          <p:nvPr/>
-        </p:nvSpPr>
-        <p:spPr>
-          <a:xfrm>
-            <a:off x="414465" y="3724731"/>
-            <a:ext cx="1317233" cy="553998"/>
-          </a:xfrm>
-          <a:prstGeom prst="rect">
-            <a:avLst/>
-          </a:prstGeom>
-          <a:noFill/>
-          <a:ln w="9525" cap="flat" cmpd="sng">
-            <a:solidFill>
-              <a:schemeClr val="dk1"/>
-            </a:solidFill>
-            <a:prstDash val="solid"/>
-            <a:round/>
-            <a:headEnd type="none" w="sm" len="sm"/>
-            <a:tailEnd type="none" w="sm" len="sm"/>
-          </a:ln>
-        </p:spPr>
-        <p:txBody>
-          <a:bodyPr spcFirstLastPara="1" wrap="square" lIns="91425" tIns="45700" rIns="91425" bIns="45700" anchor="t" anchorCtr="0">
-            <a:spAutoFit/>
-          </a:bodyPr>
-          <a:lstStyle/>
-          <a:p>
-            <a:pPr marL="0" marR="0" lvl="0" indent="0" algn="ctr" rtl="0">
-              <a:lnSpc>
-                <a:spcPct val="100000"/>
-              </a:lnSpc>
-              <a:spcBef>
-                <a:spcPts val="0"/>
-              </a:spcBef>
-              <a:spcAft>
-                <a:spcPts val="0"/>
-              </a:spcAft>
-              <a:buClr>
-                <a:srgbClr val="000000"/>
-              </a:buClr>
-              <a:buSzPts val="1000"/>
-              <a:buFont typeface="Arial"/>
-              <a:buNone/>
-            </a:pPr>
-            <a:r>
-              <a:rPr lang="en-US" sz="1000" b="0" i="0" u="none" strike="noStrike" cap="none">
-                <a:solidFill>
-                  <a:schemeClr val="dk1"/>
-                </a:solidFill>
-                <a:latin typeface="Calibri"/>
-                <a:ea typeface="Calibri"/>
-                <a:cs typeface="Calibri"/>
-                <a:sym typeface="Calibri"/>
-              </a:rPr>
-              <a:t>Source </a:t>
-            </a:r>
-            <a:r>
-              <a:rPr lang="en-US" sz="1000">
-                <a:solidFill>
-                  <a:schemeClr val="dk1"/>
-                </a:solidFill>
-                <a:latin typeface="Calibri"/>
-                <a:ea typeface="Calibri"/>
-                <a:cs typeface="Calibri"/>
-                <a:sym typeface="Calibri"/>
-              </a:rPr>
-              <a:t>d</a:t>
-            </a:r>
-            <a:r>
-              <a:rPr lang="en-US" sz="1000" b="0" i="0" u="none" strike="noStrike" cap="none">
-                <a:solidFill>
-                  <a:schemeClr val="dk1"/>
-                </a:solidFill>
-                <a:latin typeface="Calibri"/>
-                <a:ea typeface="Calibri"/>
-                <a:cs typeface="Calibri"/>
-                <a:sym typeface="Calibri"/>
-              </a:rPr>
-              <a:t>ocument </a:t>
-            </a:r>
-            <a:r>
-              <a:rPr lang="en-US" sz="1000">
-                <a:solidFill>
-                  <a:schemeClr val="dk1"/>
-                </a:solidFill>
-                <a:latin typeface="Calibri"/>
-                <a:ea typeface="Calibri"/>
-                <a:cs typeface="Calibri"/>
-                <a:sym typeface="Calibri"/>
-              </a:rPr>
-              <a:t>l</a:t>
-            </a:r>
-            <a:r>
-              <a:rPr lang="en-US" sz="1000" b="0" i="0" u="none" strike="noStrike" cap="none">
-                <a:solidFill>
-                  <a:schemeClr val="dk1"/>
-                </a:solidFill>
-                <a:latin typeface="Calibri"/>
-                <a:ea typeface="Calibri"/>
-                <a:cs typeface="Calibri"/>
-                <a:sym typeface="Calibri"/>
-              </a:rPr>
-              <a:t>oaded as a Langchain</a:t>
-            </a:r>
-            <a:endParaRPr sz="1000" b="0" i="0" u="none" strike="noStrike" cap="none">
-              <a:solidFill>
-                <a:schemeClr val="dk1"/>
-              </a:solidFill>
-              <a:latin typeface="Calibri"/>
-              <a:ea typeface="Calibri"/>
-              <a:cs typeface="Calibri"/>
-              <a:sym typeface="Calibri"/>
-            </a:endParaRPr>
-          </a:p>
-          <a:p>
-            <a:pPr marL="0" marR="0" lvl="0" indent="0" algn="ctr" rtl="0">
-              <a:lnSpc>
-                <a:spcPct val="100000"/>
-              </a:lnSpc>
-              <a:spcBef>
-                <a:spcPts val="0"/>
-              </a:spcBef>
-              <a:spcAft>
-                <a:spcPts val="0"/>
-              </a:spcAft>
-              <a:buClr>
-                <a:srgbClr val="000000"/>
-              </a:buClr>
-              <a:buSzPts val="1000"/>
-              <a:buFont typeface="Arial"/>
-              <a:buNone/>
-            </a:pPr>
-            <a:r>
-              <a:rPr lang="en-US" sz="1000" b="0" i="0" u="none" strike="noStrike" cap="none">
-                <a:solidFill>
-                  <a:schemeClr val="dk1"/>
-                </a:solidFill>
-                <a:latin typeface="Calibri"/>
-                <a:ea typeface="Calibri"/>
-                <a:cs typeface="Calibri"/>
-                <a:sym typeface="Calibri"/>
-              </a:rPr>
-              <a:t>Document</a:t>
-            </a:r>
-            <a:endParaRPr sz="1400" b="0" i="0" u="none" strike="noStrike" cap="none">
+            <a:endParaRPr sz="1400" b="0" i="0" u="none" strike="noStrike" cap="none" dirty="0">
               <a:solidFill>
                 <a:srgbClr val="000000"/>
               </a:solidFill>
@@ -29703,733 +29083,13 @@
       </p:sp>
       <p:sp>
         <p:nvSpPr>
-          <p:cNvPr id="186" name="Google Shape;186;g294a542b77f_2_75"/>
-          <p:cNvSpPr txBox="1"/>
-          <p:nvPr/>
-        </p:nvSpPr>
-        <p:spPr>
-          <a:xfrm>
-            <a:off x="7402415" y="2988399"/>
-            <a:ext cx="2155421" cy="246221"/>
-          </a:xfrm>
-          <a:prstGeom prst="rect">
-            <a:avLst/>
-          </a:prstGeom>
-          <a:noFill/>
-          <a:ln w="9525" cap="flat" cmpd="sng">
-            <a:solidFill>
-              <a:schemeClr val="dk1"/>
-            </a:solidFill>
-            <a:prstDash val="solid"/>
-            <a:round/>
-            <a:headEnd type="none" w="sm" len="sm"/>
-            <a:tailEnd type="none" w="sm" len="sm"/>
-          </a:ln>
-        </p:spPr>
-        <p:txBody>
-          <a:bodyPr spcFirstLastPara="1" wrap="square" lIns="91425" tIns="45700" rIns="91425" bIns="45700" anchor="t" anchorCtr="0">
-            <a:spAutoFit/>
-          </a:bodyPr>
-          <a:lstStyle/>
-          <a:p>
-            <a:pPr marL="0" marR="0" lvl="0" indent="0" algn="ctr" rtl="0">
-              <a:lnSpc>
-                <a:spcPct val="100000"/>
-              </a:lnSpc>
-              <a:spcBef>
-                <a:spcPts val="0"/>
-              </a:spcBef>
-              <a:spcAft>
-                <a:spcPts val="0"/>
-              </a:spcAft>
-              <a:buClr>
-                <a:srgbClr val="000000"/>
-              </a:buClr>
-              <a:buSzPts val="1000"/>
-              <a:buFont typeface="Arial"/>
-              <a:buNone/>
-            </a:pPr>
-            <a:r>
-              <a:rPr lang="en-US" sz="1000" b="0" i="0" u="none" strike="noStrike" cap="none">
-                <a:solidFill>
-                  <a:schemeClr val="dk1"/>
-                </a:solidFill>
-                <a:latin typeface="Calibri"/>
-                <a:ea typeface="Calibri"/>
-                <a:cs typeface="Calibri"/>
-                <a:sym typeface="Calibri"/>
-              </a:rPr>
-              <a:t>Vector </a:t>
-            </a:r>
-            <a:r>
-              <a:rPr lang="en-US" sz="1000">
-                <a:solidFill>
-                  <a:schemeClr val="dk1"/>
-                </a:solidFill>
-                <a:latin typeface="Calibri"/>
-                <a:ea typeface="Calibri"/>
-                <a:cs typeface="Calibri"/>
-                <a:sym typeface="Calibri"/>
-              </a:rPr>
-              <a:t>r</a:t>
-            </a:r>
-            <a:r>
-              <a:rPr lang="en-US" sz="1000" b="0" i="0" u="none" strike="noStrike" cap="none">
-                <a:solidFill>
-                  <a:schemeClr val="dk1"/>
-                </a:solidFill>
-                <a:latin typeface="Calibri"/>
-                <a:ea typeface="Calibri"/>
-                <a:cs typeface="Calibri"/>
-                <a:sym typeface="Calibri"/>
-              </a:rPr>
-              <a:t>epresentation of user query</a:t>
-            </a:r>
-            <a:endParaRPr sz="1400" b="0" i="0" u="none" strike="noStrike" cap="none">
-              <a:solidFill>
-                <a:srgbClr val="000000"/>
-              </a:solidFill>
-              <a:latin typeface="Arial"/>
-              <a:ea typeface="Arial"/>
-              <a:cs typeface="Arial"/>
-              <a:sym typeface="Arial"/>
-            </a:endParaRPr>
-          </a:p>
-        </p:txBody>
-      </p:sp>
-      <p:sp>
-        <p:nvSpPr>
-          <p:cNvPr id="187" name="Google Shape;187;g294a542b77f_2_75"/>
-          <p:cNvSpPr txBox="1"/>
-          <p:nvPr/>
-        </p:nvSpPr>
-        <p:spPr>
-          <a:xfrm>
-            <a:off x="9807165" y="2988314"/>
-            <a:ext cx="1645140" cy="246221"/>
-          </a:xfrm>
-          <a:prstGeom prst="rect">
-            <a:avLst/>
-          </a:prstGeom>
-          <a:noFill/>
-          <a:ln w="9525" cap="flat" cmpd="sng">
-            <a:solidFill>
-              <a:schemeClr val="dk1"/>
-            </a:solidFill>
-            <a:prstDash val="solid"/>
-            <a:round/>
-            <a:headEnd type="none" w="sm" len="sm"/>
-            <a:tailEnd type="none" w="sm" len="sm"/>
-          </a:ln>
-        </p:spPr>
-        <p:txBody>
-          <a:bodyPr spcFirstLastPara="1" wrap="square" lIns="91425" tIns="45700" rIns="91425" bIns="45700" anchor="t" anchorCtr="0">
-            <a:spAutoFit/>
-          </a:bodyPr>
-          <a:lstStyle/>
-          <a:p>
-            <a:pPr marL="0" marR="0" lvl="0" indent="0" algn="ctr" rtl="0">
-              <a:lnSpc>
-                <a:spcPct val="100000"/>
-              </a:lnSpc>
-              <a:spcBef>
-                <a:spcPts val="0"/>
-              </a:spcBef>
-              <a:spcAft>
-                <a:spcPts val="0"/>
-              </a:spcAft>
-              <a:buClr>
-                <a:srgbClr val="000000"/>
-              </a:buClr>
-              <a:buSzPts val="1000"/>
-              <a:buFont typeface="Arial"/>
-              <a:buNone/>
-            </a:pPr>
-            <a:r>
-              <a:rPr lang="en-US" sz="1000">
-                <a:solidFill>
-                  <a:schemeClr val="dk1"/>
-                </a:solidFill>
-                <a:latin typeface="Calibri"/>
-                <a:ea typeface="Calibri"/>
-                <a:cs typeface="Calibri"/>
-                <a:sym typeface="Calibri"/>
-              </a:rPr>
-              <a:t>U</a:t>
-            </a:r>
-            <a:r>
-              <a:rPr lang="en-US" sz="1000" b="0" i="0" u="none" strike="noStrike" cap="none">
-                <a:solidFill>
-                  <a:schemeClr val="dk1"/>
-                </a:solidFill>
-                <a:latin typeface="Calibri"/>
-                <a:ea typeface="Calibri"/>
-                <a:cs typeface="Calibri"/>
-                <a:sym typeface="Calibri"/>
-              </a:rPr>
-              <a:t>ser query and top </a:t>
-            </a:r>
-            <a:r>
-              <a:rPr lang="en-US" sz="1000" i="1">
-                <a:solidFill>
-                  <a:schemeClr val="dk1"/>
-                </a:solidFill>
-                <a:latin typeface="Calibri"/>
-                <a:ea typeface="Calibri"/>
-                <a:cs typeface="Calibri"/>
-                <a:sym typeface="Calibri"/>
-              </a:rPr>
-              <a:t>n</a:t>
-            </a:r>
-            <a:r>
-              <a:rPr lang="en-US" sz="1000" b="0" i="0" u="none" strike="noStrike" cap="none">
-                <a:solidFill>
-                  <a:schemeClr val="dk1"/>
-                </a:solidFill>
-                <a:latin typeface="Calibri"/>
-                <a:ea typeface="Calibri"/>
-                <a:cs typeface="Calibri"/>
-                <a:sym typeface="Calibri"/>
-              </a:rPr>
-              <a:t> </a:t>
-            </a:r>
-            <a:r>
-              <a:rPr lang="en-US" sz="1000">
-                <a:solidFill>
-                  <a:schemeClr val="dk1"/>
-                </a:solidFill>
-                <a:latin typeface="Calibri"/>
-                <a:ea typeface="Calibri"/>
-                <a:cs typeface="Calibri"/>
-                <a:sym typeface="Calibri"/>
-              </a:rPr>
-              <a:t>results</a:t>
-            </a:r>
-            <a:endParaRPr sz="1400" b="0" i="0" u="none" strike="noStrike" cap="none">
-              <a:solidFill>
-                <a:srgbClr val="000000"/>
-              </a:solidFill>
-              <a:latin typeface="Arial"/>
-              <a:ea typeface="Arial"/>
-              <a:cs typeface="Arial"/>
-              <a:sym typeface="Arial"/>
-            </a:endParaRPr>
-          </a:p>
-        </p:txBody>
-      </p:sp>
-      <p:sp>
-        <p:nvSpPr>
-          <p:cNvPr id="188" name="Google Shape;188;g294a542b77f_2_75"/>
-          <p:cNvSpPr txBox="1"/>
-          <p:nvPr/>
-        </p:nvSpPr>
-        <p:spPr>
-          <a:xfrm>
-            <a:off x="3294734" y="3839908"/>
-            <a:ext cx="1224974" cy="246221"/>
-          </a:xfrm>
-          <a:prstGeom prst="rect">
-            <a:avLst/>
-          </a:prstGeom>
-          <a:noFill/>
-          <a:ln w="9525" cap="flat" cmpd="sng">
-            <a:solidFill>
-              <a:schemeClr val="dk1"/>
-            </a:solidFill>
-            <a:prstDash val="solid"/>
-            <a:round/>
-            <a:headEnd type="none" w="sm" len="sm"/>
-            <a:tailEnd type="none" w="sm" len="sm"/>
-          </a:ln>
-        </p:spPr>
-        <p:txBody>
-          <a:bodyPr spcFirstLastPara="1" wrap="square" lIns="91425" tIns="45700" rIns="91425" bIns="45700" anchor="t" anchorCtr="0">
-            <a:spAutoFit/>
-          </a:bodyPr>
-          <a:lstStyle/>
-          <a:p>
-            <a:pPr marL="0" marR="0" lvl="0" indent="0" algn="ctr" rtl="0">
-              <a:lnSpc>
-                <a:spcPct val="100000"/>
-              </a:lnSpc>
-              <a:spcBef>
-                <a:spcPts val="0"/>
-              </a:spcBef>
-              <a:spcAft>
-                <a:spcPts val="0"/>
-              </a:spcAft>
-              <a:buClr>
-                <a:srgbClr val="000000"/>
-              </a:buClr>
-              <a:buSzPts val="1000"/>
-              <a:buFont typeface="Arial"/>
-              <a:buNone/>
-            </a:pPr>
-            <a:r>
-              <a:rPr lang="en-US" sz="1000" b="0" i="0" u="none" strike="noStrike" cap="none">
-                <a:solidFill>
-                  <a:schemeClr val="dk1"/>
-                </a:solidFill>
-                <a:latin typeface="Calibri"/>
-                <a:ea typeface="Calibri"/>
-                <a:cs typeface="Calibri"/>
-                <a:sym typeface="Calibri"/>
-              </a:rPr>
-              <a:t>Document: Chunk 2</a:t>
-            </a:r>
-            <a:endParaRPr sz="1400" b="0" i="0" u="none" strike="noStrike" cap="none">
-              <a:solidFill>
-                <a:srgbClr val="000000"/>
-              </a:solidFill>
-              <a:latin typeface="Arial"/>
-              <a:ea typeface="Arial"/>
-              <a:cs typeface="Arial"/>
-              <a:sym typeface="Arial"/>
-            </a:endParaRPr>
-          </a:p>
-        </p:txBody>
-      </p:sp>
-      <p:sp>
-        <p:nvSpPr>
-          <p:cNvPr id="189" name="Google Shape;189;g294a542b77f_2_75"/>
-          <p:cNvSpPr txBox="1"/>
-          <p:nvPr/>
-        </p:nvSpPr>
-        <p:spPr>
-          <a:xfrm>
-            <a:off x="3301641" y="4091589"/>
-            <a:ext cx="1224974" cy="246221"/>
-          </a:xfrm>
-          <a:prstGeom prst="rect">
-            <a:avLst/>
-          </a:prstGeom>
-          <a:noFill/>
-          <a:ln w="9525" cap="flat" cmpd="sng">
-            <a:solidFill>
-              <a:schemeClr val="dk1"/>
-            </a:solidFill>
-            <a:prstDash val="solid"/>
-            <a:round/>
-            <a:headEnd type="none" w="sm" len="sm"/>
-            <a:tailEnd type="none" w="sm" len="sm"/>
-          </a:ln>
-        </p:spPr>
-        <p:txBody>
-          <a:bodyPr spcFirstLastPara="1" wrap="square" lIns="91425" tIns="45700" rIns="91425" bIns="45700" anchor="t" anchorCtr="0">
-            <a:spAutoFit/>
-          </a:bodyPr>
-          <a:lstStyle/>
-          <a:p>
-            <a:pPr marL="0" marR="0" lvl="0" indent="0" algn="ctr" rtl="0">
-              <a:lnSpc>
-                <a:spcPct val="100000"/>
-              </a:lnSpc>
-              <a:spcBef>
-                <a:spcPts val="0"/>
-              </a:spcBef>
-              <a:spcAft>
-                <a:spcPts val="0"/>
-              </a:spcAft>
-              <a:buClr>
-                <a:srgbClr val="000000"/>
-              </a:buClr>
-              <a:buSzPts val="1000"/>
-              <a:buFont typeface="Arial"/>
-              <a:buNone/>
-            </a:pPr>
-            <a:r>
-              <a:rPr lang="en-US" sz="1000" b="0" i="0" u="none" strike="noStrike" cap="none">
-                <a:solidFill>
-                  <a:schemeClr val="dk1"/>
-                </a:solidFill>
-                <a:latin typeface="Calibri"/>
-                <a:ea typeface="Calibri"/>
-                <a:cs typeface="Calibri"/>
-                <a:sym typeface="Calibri"/>
-              </a:rPr>
-              <a:t>Document: Chunk 3</a:t>
-            </a:r>
-            <a:endParaRPr sz="1400" b="0" i="0" u="none" strike="noStrike" cap="none">
-              <a:solidFill>
-                <a:srgbClr val="000000"/>
-              </a:solidFill>
-              <a:latin typeface="Arial"/>
-              <a:ea typeface="Arial"/>
-              <a:cs typeface="Arial"/>
-              <a:sym typeface="Arial"/>
-            </a:endParaRPr>
-          </a:p>
-        </p:txBody>
-      </p:sp>
-      <p:sp>
-        <p:nvSpPr>
-          <p:cNvPr id="190" name="Google Shape;190;g294a542b77f_2_75"/>
-          <p:cNvSpPr txBox="1"/>
-          <p:nvPr/>
-        </p:nvSpPr>
-        <p:spPr>
-          <a:xfrm>
-            <a:off x="3301058" y="4337810"/>
-            <a:ext cx="1224974" cy="246221"/>
-          </a:xfrm>
-          <a:prstGeom prst="rect">
-            <a:avLst/>
-          </a:prstGeom>
-          <a:noFill/>
-          <a:ln w="9525" cap="flat" cmpd="sng">
-            <a:solidFill>
-              <a:schemeClr val="dk1"/>
-            </a:solidFill>
-            <a:prstDash val="solid"/>
-            <a:round/>
-            <a:headEnd type="none" w="sm" len="sm"/>
-            <a:tailEnd type="none" w="sm" len="sm"/>
-          </a:ln>
-        </p:spPr>
-        <p:txBody>
-          <a:bodyPr spcFirstLastPara="1" wrap="square" lIns="91425" tIns="45700" rIns="91425" bIns="45700" anchor="t" anchorCtr="0">
-            <a:spAutoFit/>
-          </a:bodyPr>
-          <a:lstStyle/>
-          <a:p>
-            <a:pPr marL="0" marR="0" lvl="0" indent="0" algn="ctr" rtl="0">
-              <a:lnSpc>
-                <a:spcPct val="100000"/>
-              </a:lnSpc>
-              <a:spcBef>
-                <a:spcPts val="0"/>
-              </a:spcBef>
-              <a:spcAft>
-                <a:spcPts val="0"/>
-              </a:spcAft>
-              <a:buClr>
-                <a:srgbClr val="000000"/>
-              </a:buClr>
-              <a:buSzPts val="1000"/>
-              <a:buFont typeface="Arial"/>
-              <a:buNone/>
-            </a:pPr>
-            <a:r>
-              <a:rPr lang="en-US" sz="1000" b="0" i="0" u="none" strike="noStrike" cap="none">
-                <a:solidFill>
-                  <a:schemeClr val="dk1"/>
-                </a:solidFill>
-                <a:latin typeface="Calibri"/>
-                <a:ea typeface="Calibri"/>
-                <a:cs typeface="Calibri"/>
-                <a:sym typeface="Calibri"/>
-              </a:rPr>
-              <a:t>…</a:t>
-            </a:r>
-            <a:endParaRPr sz="1400" b="0" i="0" u="none" strike="noStrike" cap="none">
-              <a:solidFill>
-                <a:srgbClr val="000000"/>
-              </a:solidFill>
-              <a:latin typeface="Arial"/>
-              <a:ea typeface="Arial"/>
-              <a:cs typeface="Arial"/>
-              <a:sym typeface="Arial"/>
-            </a:endParaRPr>
-          </a:p>
-        </p:txBody>
-      </p:sp>
-      <p:sp>
-        <p:nvSpPr>
-          <p:cNvPr id="191" name="Google Shape;191;g294a542b77f_2_75"/>
-          <p:cNvSpPr txBox="1"/>
-          <p:nvPr/>
-        </p:nvSpPr>
-        <p:spPr>
-          <a:xfrm>
-            <a:off x="5967653" y="5333849"/>
-            <a:ext cx="1016625" cy="246221"/>
-          </a:xfrm>
-          <a:prstGeom prst="rect">
-            <a:avLst/>
-          </a:prstGeom>
-          <a:noFill/>
-          <a:ln w="9525" cap="flat" cmpd="sng">
-            <a:solidFill>
-              <a:schemeClr val="dk1"/>
-            </a:solidFill>
-            <a:prstDash val="solid"/>
-            <a:round/>
-            <a:headEnd type="none" w="sm" len="sm"/>
-            <a:tailEnd type="none" w="sm" len="sm"/>
-          </a:ln>
-        </p:spPr>
-        <p:txBody>
-          <a:bodyPr spcFirstLastPara="1" wrap="square" lIns="91425" tIns="45700" rIns="91425" bIns="45700" anchor="t" anchorCtr="0">
-            <a:spAutoFit/>
-          </a:bodyPr>
-          <a:lstStyle/>
-          <a:p>
-            <a:pPr marL="0" marR="0" lvl="0" indent="0" algn="ctr" rtl="0">
-              <a:lnSpc>
-                <a:spcPct val="100000"/>
-              </a:lnSpc>
-              <a:spcBef>
-                <a:spcPts val="0"/>
-              </a:spcBef>
-              <a:spcAft>
-                <a:spcPts val="0"/>
-              </a:spcAft>
-              <a:buClr>
-                <a:srgbClr val="000000"/>
-              </a:buClr>
-              <a:buSzPts val="1000"/>
-              <a:buFont typeface="Arial"/>
-              <a:buNone/>
-            </a:pPr>
-            <a:r>
-              <a:rPr lang="en-US" sz="1000" b="0" i="0" u="none" strike="noStrike" cap="none">
-                <a:solidFill>
-                  <a:schemeClr val="dk1"/>
-                </a:solidFill>
-                <a:latin typeface="Calibri"/>
-                <a:ea typeface="Calibri"/>
-                <a:cs typeface="Calibri"/>
-                <a:sym typeface="Calibri"/>
-              </a:rPr>
-              <a:t>Vector: Chunk 1</a:t>
-            </a:r>
-            <a:endParaRPr sz="1400" b="0" i="0" u="none" strike="noStrike" cap="none">
-              <a:solidFill>
-                <a:srgbClr val="000000"/>
-              </a:solidFill>
-              <a:latin typeface="Arial"/>
-              <a:ea typeface="Arial"/>
-              <a:cs typeface="Arial"/>
-              <a:sym typeface="Arial"/>
-            </a:endParaRPr>
-          </a:p>
-        </p:txBody>
-      </p:sp>
-      <p:sp>
-        <p:nvSpPr>
-          <p:cNvPr id="192" name="Google Shape;192;g294a542b77f_2_75"/>
-          <p:cNvSpPr txBox="1"/>
-          <p:nvPr/>
-        </p:nvSpPr>
-        <p:spPr>
-          <a:xfrm>
-            <a:off x="5967653" y="5580070"/>
-            <a:ext cx="1016625" cy="246221"/>
-          </a:xfrm>
-          <a:prstGeom prst="rect">
-            <a:avLst/>
-          </a:prstGeom>
-          <a:noFill/>
-          <a:ln w="9525" cap="flat" cmpd="sng">
-            <a:solidFill>
-              <a:schemeClr val="dk1"/>
-            </a:solidFill>
-            <a:prstDash val="solid"/>
-            <a:round/>
-            <a:headEnd type="none" w="sm" len="sm"/>
-            <a:tailEnd type="none" w="sm" len="sm"/>
-          </a:ln>
-        </p:spPr>
-        <p:txBody>
-          <a:bodyPr spcFirstLastPara="1" wrap="square" lIns="91425" tIns="45700" rIns="91425" bIns="45700" anchor="t" anchorCtr="0">
-            <a:spAutoFit/>
-          </a:bodyPr>
-          <a:lstStyle/>
-          <a:p>
-            <a:pPr marL="0" marR="0" lvl="0" indent="0" algn="ctr" rtl="0">
-              <a:lnSpc>
-                <a:spcPct val="100000"/>
-              </a:lnSpc>
-              <a:spcBef>
-                <a:spcPts val="0"/>
-              </a:spcBef>
-              <a:spcAft>
-                <a:spcPts val="0"/>
-              </a:spcAft>
-              <a:buClr>
-                <a:srgbClr val="000000"/>
-              </a:buClr>
-              <a:buSzPts val="1000"/>
-              <a:buFont typeface="Arial"/>
-              <a:buNone/>
-            </a:pPr>
-            <a:r>
-              <a:rPr lang="en-US" sz="1000" b="0" i="0" u="none" strike="noStrike" cap="none">
-                <a:solidFill>
-                  <a:schemeClr val="dk1"/>
-                </a:solidFill>
-                <a:latin typeface="Calibri"/>
-                <a:ea typeface="Calibri"/>
-                <a:cs typeface="Calibri"/>
-                <a:sym typeface="Calibri"/>
-              </a:rPr>
-              <a:t>Vector: Chunk 2</a:t>
-            </a:r>
-            <a:endParaRPr sz="1400" b="0" i="0" u="none" strike="noStrike" cap="none">
-              <a:solidFill>
-                <a:srgbClr val="000000"/>
-              </a:solidFill>
-              <a:latin typeface="Arial"/>
-              <a:ea typeface="Arial"/>
-              <a:cs typeface="Arial"/>
-              <a:sym typeface="Arial"/>
-            </a:endParaRPr>
-          </a:p>
-        </p:txBody>
-      </p:sp>
-      <p:sp>
-        <p:nvSpPr>
-          <p:cNvPr id="193" name="Google Shape;193;g294a542b77f_2_75"/>
-          <p:cNvSpPr txBox="1"/>
-          <p:nvPr/>
-        </p:nvSpPr>
-        <p:spPr>
-          <a:xfrm>
-            <a:off x="5967653" y="5830431"/>
-            <a:ext cx="1016625" cy="246221"/>
-          </a:xfrm>
-          <a:prstGeom prst="rect">
-            <a:avLst/>
-          </a:prstGeom>
-          <a:noFill/>
-          <a:ln w="9525" cap="flat" cmpd="sng">
-            <a:solidFill>
-              <a:schemeClr val="dk1"/>
-            </a:solidFill>
-            <a:prstDash val="solid"/>
-            <a:round/>
-            <a:headEnd type="none" w="sm" len="sm"/>
-            <a:tailEnd type="none" w="sm" len="sm"/>
-          </a:ln>
-        </p:spPr>
-        <p:txBody>
-          <a:bodyPr spcFirstLastPara="1" wrap="square" lIns="91425" tIns="45700" rIns="91425" bIns="45700" anchor="t" anchorCtr="0">
-            <a:spAutoFit/>
-          </a:bodyPr>
-          <a:lstStyle/>
-          <a:p>
-            <a:pPr marL="0" marR="0" lvl="0" indent="0" algn="ctr" rtl="0">
-              <a:lnSpc>
-                <a:spcPct val="100000"/>
-              </a:lnSpc>
-              <a:spcBef>
-                <a:spcPts val="0"/>
-              </a:spcBef>
-              <a:spcAft>
-                <a:spcPts val="0"/>
-              </a:spcAft>
-              <a:buClr>
-                <a:srgbClr val="000000"/>
-              </a:buClr>
-              <a:buSzPts val="1000"/>
-              <a:buFont typeface="Arial"/>
-              <a:buNone/>
-            </a:pPr>
-            <a:r>
-              <a:rPr lang="en-US" sz="1000" b="0" i="0" u="none" strike="noStrike" cap="none">
-                <a:solidFill>
-                  <a:schemeClr val="dk1"/>
-                </a:solidFill>
-                <a:latin typeface="Calibri"/>
-                <a:ea typeface="Calibri"/>
-                <a:cs typeface="Calibri"/>
-                <a:sym typeface="Calibri"/>
-              </a:rPr>
-              <a:t>Vector: Chunk 3</a:t>
-            </a:r>
-            <a:endParaRPr sz="1400" b="0" i="0" u="none" strike="noStrike" cap="none">
-              <a:solidFill>
-                <a:srgbClr val="000000"/>
-              </a:solidFill>
-              <a:latin typeface="Arial"/>
-              <a:ea typeface="Arial"/>
-              <a:cs typeface="Arial"/>
-              <a:sym typeface="Arial"/>
-            </a:endParaRPr>
-          </a:p>
-        </p:txBody>
-      </p:sp>
-      <p:sp>
-        <p:nvSpPr>
-          <p:cNvPr id="194" name="Google Shape;194;g294a542b77f_2_75"/>
-          <p:cNvSpPr txBox="1"/>
-          <p:nvPr/>
-        </p:nvSpPr>
-        <p:spPr>
-          <a:xfrm>
-            <a:off x="5967343" y="6080793"/>
-            <a:ext cx="1016625" cy="246221"/>
-          </a:xfrm>
-          <a:prstGeom prst="rect">
-            <a:avLst/>
-          </a:prstGeom>
-          <a:noFill/>
-          <a:ln w="9525" cap="flat" cmpd="sng">
-            <a:solidFill>
-              <a:schemeClr val="dk1"/>
-            </a:solidFill>
-            <a:prstDash val="solid"/>
-            <a:round/>
-            <a:headEnd type="none" w="sm" len="sm"/>
-            <a:tailEnd type="none" w="sm" len="sm"/>
-          </a:ln>
-        </p:spPr>
-        <p:txBody>
-          <a:bodyPr spcFirstLastPara="1" wrap="square" lIns="91425" tIns="45700" rIns="91425" bIns="45700" anchor="t" anchorCtr="0">
-            <a:spAutoFit/>
-          </a:bodyPr>
-          <a:lstStyle/>
-          <a:p>
-            <a:pPr marL="0" marR="0" lvl="0" indent="0" algn="ctr" rtl="0">
-              <a:lnSpc>
-                <a:spcPct val="100000"/>
-              </a:lnSpc>
-              <a:spcBef>
-                <a:spcPts val="0"/>
-              </a:spcBef>
-              <a:spcAft>
-                <a:spcPts val="0"/>
-              </a:spcAft>
-              <a:buClr>
-                <a:srgbClr val="000000"/>
-              </a:buClr>
-              <a:buSzPts val="1000"/>
-              <a:buFont typeface="Arial"/>
-              <a:buNone/>
-            </a:pPr>
-            <a:r>
-              <a:rPr lang="en-US" sz="1000" b="0" i="0" u="none" strike="noStrike" cap="none">
-                <a:solidFill>
-                  <a:schemeClr val="dk1"/>
-                </a:solidFill>
-                <a:latin typeface="Calibri"/>
-                <a:ea typeface="Calibri"/>
-                <a:cs typeface="Calibri"/>
-                <a:sym typeface="Calibri"/>
-              </a:rPr>
-              <a:t>...</a:t>
-            </a:r>
-            <a:endParaRPr sz="1400" b="0" i="0" u="none" strike="noStrike" cap="none">
-              <a:solidFill>
-                <a:srgbClr val="000000"/>
-              </a:solidFill>
-              <a:latin typeface="Arial"/>
-              <a:ea typeface="Arial"/>
-              <a:cs typeface="Arial"/>
-              <a:sym typeface="Arial"/>
-            </a:endParaRPr>
-          </a:p>
-        </p:txBody>
-      </p:sp>
-      <p:sp>
-        <p:nvSpPr>
           <p:cNvPr id="195" name="Google Shape;195;g294a542b77f_2_75"/>
           <p:cNvSpPr txBox="1"/>
           <p:nvPr/>
         </p:nvSpPr>
         <p:spPr>
           <a:xfrm>
-            <a:off x="8839681" y="5363606"/>
+            <a:off x="8816650" y="5405041"/>
             <a:ext cx="790601" cy="246221"/>
           </a:xfrm>
           <a:prstGeom prst="rect">
@@ -30781,6 +29441,1291 @@
           </a:p>
         </p:txBody>
       </p:sp>
+      <p:sp>
+        <p:nvSpPr>
+          <p:cNvPr id="49" name="Google Shape;289;p2">
+            <a:extLst>
+              <a:ext uri="{FF2B5EF4-FFF2-40B4-BE49-F238E27FC236}">
+                <a16:creationId xmlns:a16="http://schemas.microsoft.com/office/drawing/2014/main" id="{11845228-D43D-294D-8199-44069F140068}"/>
+              </a:ext>
+            </a:extLst>
+          </p:cNvPr>
+          <p:cNvSpPr/>
+          <p:nvPr/>
+        </p:nvSpPr>
+        <p:spPr>
+          <a:xfrm>
+            <a:off x="799781" y="3708302"/>
+            <a:ext cx="1493277" cy="543166"/>
+          </a:xfrm>
+          <a:prstGeom prst="roundRect">
+            <a:avLst>
+              <a:gd name="adj" fmla="val 16667"/>
+            </a:avLst>
+          </a:prstGeom>
+          <a:noFill/>
+          <a:ln w="12700" cap="flat" cmpd="sng">
+            <a:solidFill>
+              <a:srgbClr val="31538F"/>
+            </a:solidFill>
+            <a:prstDash val="solid"/>
+            <a:miter lim="800000"/>
+            <a:headEnd type="none" w="sm" len="sm"/>
+            <a:tailEnd type="none" w="sm" len="sm"/>
+          </a:ln>
+        </p:spPr>
+        <p:txBody>
+          <a:bodyPr spcFirstLastPara="1" wrap="square" lIns="91425" tIns="45700" rIns="91425" bIns="45700" anchor="t" anchorCtr="0">
+            <a:noAutofit/>
+          </a:bodyPr>
+          <a:lstStyle/>
+          <a:p>
+            <a:pPr lvl="0" algn="ctr">
+              <a:buSzPts val="1000"/>
+            </a:pPr>
+            <a:r>
+              <a:rPr lang="en-US" sz="1000" dirty="0">
+                <a:solidFill>
+                  <a:schemeClr val="dk1"/>
+                </a:solidFill>
+                <a:latin typeface="Calibri"/>
+                <a:ea typeface="Calibri"/>
+                <a:cs typeface="Calibri"/>
+                <a:sym typeface="Calibri"/>
+              </a:rPr>
+              <a:t>Source document loaded as a </a:t>
+            </a:r>
+            <a:r>
+              <a:rPr lang="en-US" sz="1000" dirty="0" err="1">
+                <a:solidFill>
+                  <a:schemeClr val="dk1"/>
+                </a:solidFill>
+                <a:latin typeface="Calibri"/>
+                <a:ea typeface="Calibri"/>
+                <a:cs typeface="Calibri"/>
+                <a:sym typeface="Calibri"/>
+              </a:rPr>
+              <a:t>Langchain</a:t>
+            </a:r>
+            <a:endParaRPr lang="en-US" sz="1000" dirty="0">
+              <a:solidFill>
+                <a:schemeClr val="dk1"/>
+              </a:solidFill>
+              <a:latin typeface="Calibri"/>
+              <a:ea typeface="Calibri"/>
+              <a:cs typeface="Calibri"/>
+              <a:sym typeface="Calibri"/>
+            </a:endParaRPr>
+          </a:p>
+          <a:p>
+            <a:pPr lvl="0" algn="ctr">
+              <a:buSzPts val="1000"/>
+            </a:pPr>
+            <a:r>
+              <a:rPr lang="en-US" sz="1000" dirty="0">
+                <a:solidFill>
+                  <a:schemeClr val="dk1"/>
+                </a:solidFill>
+                <a:latin typeface="Calibri"/>
+                <a:ea typeface="Calibri"/>
+                <a:cs typeface="Calibri"/>
+                <a:sym typeface="Calibri"/>
+              </a:rPr>
+              <a:t>Document</a:t>
+            </a:r>
+            <a:endParaRPr lang="en-US" dirty="0"/>
+          </a:p>
+        </p:txBody>
+      </p:sp>
+      <p:sp>
+        <p:nvSpPr>
+          <p:cNvPr id="53" name="Google Shape;185;g294a542b77f_2_75">
+            <a:extLst>
+              <a:ext uri="{FF2B5EF4-FFF2-40B4-BE49-F238E27FC236}">
+                <a16:creationId xmlns:a16="http://schemas.microsoft.com/office/drawing/2014/main" id="{45B3FDF5-C5CD-234E-9AE1-D3D20E5FAE05}"/>
+              </a:ext>
+            </a:extLst>
+          </p:cNvPr>
+          <p:cNvSpPr txBox="1"/>
+          <p:nvPr/>
+        </p:nvSpPr>
+        <p:spPr>
+          <a:xfrm>
+            <a:off x="3308538" y="3856774"/>
+            <a:ext cx="1215397" cy="246221"/>
+          </a:xfrm>
+          <a:prstGeom prst="rect">
+            <a:avLst/>
+          </a:prstGeom>
+          <a:noFill/>
+          <a:ln w="9525" cap="flat" cmpd="sng">
+            <a:solidFill>
+              <a:schemeClr val="dk1"/>
+            </a:solidFill>
+            <a:prstDash val="solid"/>
+            <a:round/>
+            <a:headEnd type="none" w="sm" len="sm"/>
+            <a:tailEnd type="none" w="sm" len="sm"/>
+          </a:ln>
+        </p:spPr>
+        <p:txBody>
+          <a:bodyPr spcFirstLastPara="1" wrap="square" lIns="91425" tIns="45700" rIns="91425" bIns="45700" anchor="t" anchorCtr="0">
+            <a:spAutoFit/>
+          </a:bodyPr>
+          <a:lstStyle/>
+          <a:p>
+            <a:pPr marL="0" marR="0" lvl="0" indent="0" algn="ctr" rtl="0">
+              <a:lnSpc>
+                <a:spcPct val="100000"/>
+              </a:lnSpc>
+              <a:spcBef>
+                <a:spcPts val="0"/>
+              </a:spcBef>
+              <a:spcAft>
+                <a:spcPts val="0"/>
+              </a:spcAft>
+              <a:buClr>
+                <a:srgbClr val="000000"/>
+              </a:buClr>
+              <a:buSzPts val="1000"/>
+              <a:buFont typeface="Arial"/>
+              <a:buNone/>
+            </a:pPr>
+            <a:r>
+              <a:rPr lang="en-US" sz="1000" b="0" i="0" u="none" strike="noStrike" cap="none" dirty="0">
+                <a:solidFill>
+                  <a:schemeClr val="dk1"/>
+                </a:solidFill>
+                <a:latin typeface="Calibri"/>
+                <a:ea typeface="Calibri"/>
+                <a:cs typeface="Calibri"/>
+                <a:sym typeface="Calibri"/>
+              </a:rPr>
+              <a:t>Document: Chunk 2</a:t>
+            </a:r>
+            <a:endParaRPr sz="1400" b="0" i="0" u="none" strike="noStrike" cap="none" dirty="0">
+              <a:solidFill>
+                <a:srgbClr val="000000"/>
+              </a:solidFill>
+              <a:latin typeface="Arial"/>
+              <a:ea typeface="Arial"/>
+              <a:cs typeface="Arial"/>
+              <a:sym typeface="Arial"/>
+            </a:endParaRPr>
+          </a:p>
+        </p:txBody>
+      </p:sp>
+      <p:sp>
+        <p:nvSpPr>
+          <p:cNvPr id="55" name="Google Shape;185;g294a542b77f_2_75">
+            <a:extLst>
+              <a:ext uri="{FF2B5EF4-FFF2-40B4-BE49-F238E27FC236}">
+                <a16:creationId xmlns:a16="http://schemas.microsoft.com/office/drawing/2014/main" id="{CD50B189-AC1A-1C4D-8E4E-43CFE0271480}"/>
+              </a:ext>
+            </a:extLst>
+          </p:cNvPr>
+          <p:cNvSpPr txBox="1"/>
+          <p:nvPr/>
+        </p:nvSpPr>
+        <p:spPr>
+          <a:xfrm>
+            <a:off x="3305863" y="4102402"/>
+            <a:ext cx="1215397" cy="246221"/>
+          </a:xfrm>
+          <a:prstGeom prst="rect">
+            <a:avLst/>
+          </a:prstGeom>
+          <a:noFill/>
+          <a:ln w="9525" cap="flat" cmpd="sng">
+            <a:solidFill>
+              <a:schemeClr val="dk1"/>
+            </a:solidFill>
+            <a:prstDash val="solid"/>
+            <a:round/>
+            <a:headEnd type="none" w="sm" len="sm"/>
+            <a:tailEnd type="none" w="sm" len="sm"/>
+          </a:ln>
+        </p:spPr>
+        <p:txBody>
+          <a:bodyPr spcFirstLastPara="1" wrap="square" lIns="91425" tIns="45700" rIns="91425" bIns="45700" anchor="t" anchorCtr="0">
+            <a:spAutoFit/>
+          </a:bodyPr>
+          <a:lstStyle/>
+          <a:p>
+            <a:pPr marL="0" marR="0" lvl="0" indent="0" algn="ctr" rtl="0">
+              <a:lnSpc>
+                <a:spcPct val="100000"/>
+              </a:lnSpc>
+              <a:spcBef>
+                <a:spcPts val="0"/>
+              </a:spcBef>
+              <a:spcAft>
+                <a:spcPts val="0"/>
+              </a:spcAft>
+              <a:buClr>
+                <a:srgbClr val="000000"/>
+              </a:buClr>
+              <a:buSzPts val="1000"/>
+              <a:buFont typeface="Arial"/>
+              <a:buNone/>
+            </a:pPr>
+            <a:r>
+              <a:rPr lang="en-US" sz="1000" b="0" i="0" u="none" strike="noStrike" cap="none" dirty="0">
+                <a:solidFill>
+                  <a:schemeClr val="dk1"/>
+                </a:solidFill>
+                <a:latin typeface="Calibri"/>
+                <a:ea typeface="Calibri"/>
+                <a:cs typeface="Calibri"/>
+                <a:sym typeface="Calibri"/>
+              </a:rPr>
+              <a:t>Document: Chunk 3</a:t>
+            </a:r>
+            <a:endParaRPr sz="1400" b="0" i="0" u="none" strike="noStrike" cap="none" dirty="0">
+              <a:solidFill>
+                <a:srgbClr val="000000"/>
+              </a:solidFill>
+              <a:latin typeface="Arial"/>
+              <a:ea typeface="Arial"/>
+              <a:cs typeface="Arial"/>
+              <a:sym typeface="Arial"/>
+            </a:endParaRPr>
+          </a:p>
+        </p:txBody>
+      </p:sp>
+      <p:sp>
+        <p:nvSpPr>
+          <p:cNvPr id="56" name="Google Shape;185;g294a542b77f_2_75">
+            <a:extLst>
+              <a:ext uri="{FF2B5EF4-FFF2-40B4-BE49-F238E27FC236}">
+                <a16:creationId xmlns:a16="http://schemas.microsoft.com/office/drawing/2014/main" id="{3CC04AF0-9EDD-2A4E-A76B-24E14D566168}"/>
+              </a:ext>
+            </a:extLst>
+          </p:cNvPr>
+          <p:cNvSpPr txBox="1"/>
+          <p:nvPr/>
+        </p:nvSpPr>
+        <p:spPr>
+          <a:xfrm>
+            <a:off x="3304310" y="4347640"/>
+            <a:ext cx="1215397" cy="246221"/>
+          </a:xfrm>
+          <a:prstGeom prst="rect">
+            <a:avLst/>
+          </a:prstGeom>
+          <a:noFill/>
+          <a:ln w="9525" cap="flat" cmpd="sng">
+            <a:solidFill>
+              <a:schemeClr val="dk1"/>
+            </a:solidFill>
+            <a:prstDash val="solid"/>
+            <a:round/>
+            <a:headEnd type="none" w="sm" len="sm"/>
+            <a:tailEnd type="none" w="sm" len="sm"/>
+          </a:ln>
+        </p:spPr>
+        <p:txBody>
+          <a:bodyPr spcFirstLastPara="1" wrap="square" lIns="91425" tIns="45700" rIns="91425" bIns="45700" anchor="t" anchorCtr="0">
+            <a:spAutoFit/>
+          </a:bodyPr>
+          <a:lstStyle/>
+          <a:p>
+            <a:pPr marL="0" marR="0" lvl="0" indent="0" algn="ctr" rtl="0">
+              <a:lnSpc>
+                <a:spcPct val="100000"/>
+              </a:lnSpc>
+              <a:spcBef>
+                <a:spcPts val="0"/>
+              </a:spcBef>
+              <a:spcAft>
+                <a:spcPts val="0"/>
+              </a:spcAft>
+              <a:buClr>
+                <a:srgbClr val="000000"/>
+              </a:buClr>
+              <a:buSzPts val="1000"/>
+              <a:buFont typeface="Arial"/>
+              <a:buNone/>
+            </a:pPr>
+            <a:r>
+              <a:rPr lang="en-US" sz="1000" b="0" i="0" u="none" strike="noStrike" cap="none" dirty="0">
+                <a:solidFill>
+                  <a:schemeClr val="dk1"/>
+                </a:solidFill>
+                <a:latin typeface="Calibri"/>
+                <a:ea typeface="Calibri"/>
+                <a:cs typeface="Calibri"/>
+                <a:sym typeface="Calibri"/>
+              </a:rPr>
+              <a:t>…</a:t>
+            </a:r>
+            <a:endParaRPr sz="1400" b="0" i="0" u="none" strike="noStrike" cap="none" dirty="0">
+              <a:solidFill>
+                <a:srgbClr val="000000"/>
+              </a:solidFill>
+              <a:latin typeface="Arial"/>
+              <a:ea typeface="Arial"/>
+              <a:cs typeface="Arial"/>
+              <a:sym typeface="Arial"/>
+            </a:endParaRPr>
+          </a:p>
+        </p:txBody>
+      </p:sp>
+      <p:sp>
+        <p:nvSpPr>
+          <p:cNvPr id="65" name="Google Shape;185;g294a542b77f_2_75">
+            <a:extLst>
+              <a:ext uri="{FF2B5EF4-FFF2-40B4-BE49-F238E27FC236}">
+                <a16:creationId xmlns:a16="http://schemas.microsoft.com/office/drawing/2014/main" id="{7BE36AD9-8430-4245-9B5A-C77879BBACD5}"/>
+              </a:ext>
+            </a:extLst>
+          </p:cNvPr>
+          <p:cNvSpPr txBox="1"/>
+          <p:nvPr/>
+        </p:nvSpPr>
+        <p:spPr>
+          <a:xfrm>
+            <a:off x="5922911" y="5325683"/>
+            <a:ext cx="1215397" cy="246221"/>
+          </a:xfrm>
+          <a:prstGeom prst="rect">
+            <a:avLst/>
+          </a:prstGeom>
+          <a:noFill/>
+          <a:ln w="9525" cap="flat" cmpd="sng">
+            <a:solidFill>
+              <a:schemeClr val="dk1"/>
+            </a:solidFill>
+            <a:prstDash val="solid"/>
+            <a:round/>
+            <a:headEnd type="none" w="sm" len="sm"/>
+            <a:tailEnd type="none" w="sm" len="sm"/>
+          </a:ln>
+        </p:spPr>
+        <p:txBody>
+          <a:bodyPr spcFirstLastPara="1" wrap="square" lIns="91425" tIns="45700" rIns="91425" bIns="45700" anchor="t" anchorCtr="0">
+            <a:spAutoFit/>
+          </a:bodyPr>
+          <a:lstStyle/>
+          <a:p>
+            <a:pPr marL="0" marR="0" lvl="0" indent="0" algn="ctr" rtl="0">
+              <a:lnSpc>
+                <a:spcPct val="100000"/>
+              </a:lnSpc>
+              <a:spcBef>
+                <a:spcPts val="0"/>
+              </a:spcBef>
+              <a:spcAft>
+                <a:spcPts val="0"/>
+              </a:spcAft>
+              <a:buClr>
+                <a:srgbClr val="000000"/>
+              </a:buClr>
+              <a:buSzPts val="1000"/>
+              <a:buFont typeface="Arial"/>
+              <a:buNone/>
+            </a:pPr>
+            <a:r>
+              <a:rPr lang="en-US" sz="1000" b="0" i="0" u="none" strike="noStrike" cap="none" dirty="0">
+                <a:solidFill>
+                  <a:schemeClr val="dk1"/>
+                </a:solidFill>
+                <a:latin typeface="Calibri"/>
+                <a:ea typeface="Calibri"/>
+                <a:cs typeface="Calibri"/>
+                <a:sym typeface="Calibri"/>
+              </a:rPr>
+              <a:t>Vector: Chunk 1</a:t>
+            </a:r>
+            <a:endParaRPr sz="1400" b="0" i="0" u="none" strike="noStrike" cap="none" dirty="0">
+              <a:solidFill>
+                <a:srgbClr val="000000"/>
+              </a:solidFill>
+              <a:latin typeface="Arial"/>
+              <a:ea typeface="Arial"/>
+              <a:cs typeface="Arial"/>
+              <a:sym typeface="Arial"/>
+            </a:endParaRPr>
+          </a:p>
+        </p:txBody>
+      </p:sp>
+      <p:sp>
+        <p:nvSpPr>
+          <p:cNvPr id="70" name="Google Shape;185;g294a542b77f_2_75">
+            <a:extLst>
+              <a:ext uri="{FF2B5EF4-FFF2-40B4-BE49-F238E27FC236}">
+                <a16:creationId xmlns:a16="http://schemas.microsoft.com/office/drawing/2014/main" id="{8B86B84F-62EA-AB4D-B230-FC434B8FC4AE}"/>
+              </a:ext>
+            </a:extLst>
+          </p:cNvPr>
+          <p:cNvSpPr txBox="1"/>
+          <p:nvPr/>
+        </p:nvSpPr>
+        <p:spPr>
+          <a:xfrm>
+            <a:off x="5921808" y="5569091"/>
+            <a:ext cx="1215397" cy="246221"/>
+          </a:xfrm>
+          <a:prstGeom prst="rect">
+            <a:avLst/>
+          </a:prstGeom>
+          <a:noFill/>
+          <a:ln w="9525" cap="flat" cmpd="sng">
+            <a:solidFill>
+              <a:schemeClr val="dk1"/>
+            </a:solidFill>
+            <a:prstDash val="solid"/>
+            <a:round/>
+            <a:headEnd type="none" w="sm" len="sm"/>
+            <a:tailEnd type="none" w="sm" len="sm"/>
+          </a:ln>
+        </p:spPr>
+        <p:txBody>
+          <a:bodyPr spcFirstLastPara="1" wrap="square" lIns="91425" tIns="45700" rIns="91425" bIns="45700" anchor="t" anchorCtr="0">
+            <a:spAutoFit/>
+          </a:bodyPr>
+          <a:lstStyle/>
+          <a:p>
+            <a:pPr marL="0" marR="0" lvl="0" indent="0" algn="ctr" rtl="0">
+              <a:lnSpc>
+                <a:spcPct val="100000"/>
+              </a:lnSpc>
+              <a:spcBef>
+                <a:spcPts val="0"/>
+              </a:spcBef>
+              <a:spcAft>
+                <a:spcPts val="0"/>
+              </a:spcAft>
+              <a:buClr>
+                <a:srgbClr val="000000"/>
+              </a:buClr>
+              <a:buSzPts val="1000"/>
+              <a:buFont typeface="Arial"/>
+              <a:buNone/>
+            </a:pPr>
+            <a:r>
+              <a:rPr lang="en-US" sz="1000" b="0" i="0" u="none" strike="noStrike" cap="none" dirty="0">
+                <a:solidFill>
+                  <a:schemeClr val="dk1"/>
+                </a:solidFill>
+                <a:latin typeface="Calibri"/>
+                <a:ea typeface="Calibri"/>
+                <a:cs typeface="Calibri"/>
+                <a:sym typeface="Calibri"/>
+              </a:rPr>
+              <a:t>Vector: Chunk 2</a:t>
+            </a:r>
+            <a:endParaRPr sz="1400" b="0" i="0" u="none" strike="noStrike" cap="none" dirty="0">
+              <a:solidFill>
+                <a:srgbClr val="000000"/>
+              </a:solidFill>
+              <a:latin typeface="Arial"/>
+              <a:ea typeface="Arial"/>
+              <a:cs typeface="Arial"/>
+              <a:sym typeface="Arial"/>
+            </a:endParaRPr>
+          </a:p>
+        </p:txBody>
+      </p:sp>
+      <p:sp>
+        <p:nvSpPr>
+          <p:cNvPr id="71" name="Google Shape;185;g294a542b77f_2_75">
+            <a:extLst>
+              <a:ext uri="{FF2B5EF4-FFF2-40B4-BE49-F238E27FC236}">
+                <a16:creationId xmlns:a16="http://schemas.microsoft.com/office/drawing/2014/main" id="{3B54C3E0-8DED-7A4B-8B96-0DF5A8616288}"/>
+              </a:ext>
+            </a:extLst>
+          </p:cNvPr>
+          <p:cNvSpPr txBox="1"/>
+          <p:nvPr/>
+        </p:nvSpPr>
+        <p:spPr>
+          <a:xfrm>
+            <a:off x="5920705" y="5815312"/>
+            <a:ext cx="1215397" cy="246221"/>
+          </a:xfrm>
+          <a:prstGeom prst="rect">
+            <a:avLst/>
+          </a:prstGeom>
+          <a:noFill/>
+          <a:ln w="9525" cap="flat" cmpd="sng">
+            <a:solidFill>
+              <a:schemeClr val="dk1"/>
+            </a:solidFill>
+            <a:prstDash val="solid"/>
+            <a:round/>
+            <a:headEnd type="none" w="sm" len="sm"/>
+            <a:tailEnd type="none" w="sm" len="sm"/>
+          </a:ln>
+        </p:spPr>
+        <p:txBody>
+          <a:bodyPr spcFirstLastPara="1" wrap="square" lIns="91425" tIns="45700" rIns="91425" bIns="45700" anchor="t" anchorCtr="0">
+            <a:spAutoFit/>
+          </a:bodyPr>
+          <a:lstStyle/>
+          <a:p>
+            <a:pPr marL="0" marR="0" lvl="0" indent="0" algn="ctr" rtl="0">
+              <a:lnSpc>
+                <a:spcPct val="100000"/>
+              </a:lnSpc>
+              <a:spcBef>
+                <a:spcPts val="0"/>
+              </a:spcBef>
+              <a:spcAft>
+                <a:spcPts val="0"/>
+              </a:spcAft>
+              <a:buClr>
+                <a:srgbClr val="000000"/>
+              </a:buClr>
+              <a:buSzPts val="1000"/>
+              <a:buFont typeface="Arial"/>
+              <a:buNone/>
+            </a:pPr>
+            <a:r>
+              <a:rPr lang="en-US" sz="1000" b="0" i="0" u="none" strike="noStrike" cap="none" dirty="0">
+                <a:solidFill>
+                  <a:schemeClr val="dk1"/>
+                </a:solidFill>
+                <a:latin typeface="Calibri"/>
+                <a:ea typeface="Calibri"/>
+                <a:cs typeface="Calibri"/>
+                <a:sym typeface="Calibri"/>
+              </a:rPr>
+              <a:t>Vector: Chunk 3</a:t>
+            </a:r>
+            <a:endParaRPr sz="1400" b="0" i="0" u="none" strike="noStrike" cap="none" dirty="0">
+              <a:solidFill>
+                <a:srgbClr val="000000"/>
+              </a:solidFill>
+              <a:latin typeface="Arial"/>
+              <a:ea typeface="Arial"/>
+              <a:cs typeface="Arial"/>
+              <a:sym typeface="Arial"/>
+            </a:endParaRPr>
+          </a:p>
+        </p:txBody>
+      </p:sp>
+      <p:sp>
+        <p:nvSpPr>
+          <p:cNvPr id="76" name="Google Shape;185;g294a542b77f_2_75">
+            <a:extLst>
+              <a:ext uri="{FF2B5EF4-FFF2-40B4-BE49-F238E27FC236}">
+                <a16:creationId xmlns:a16="http://schemas.microsoft.com/office/drawing/2014/main" id="{FE7F644B-9981-7442-9D39-88480AE9D96A}"/>
+              </a:ext>
+            </a:extLst>
+          </p:cNvPr>
+          <p:cNvSpPr txBox="1"/>
+          <p:nvPr/>
+        </p:nvSpPr>
+        <p:spPr>
+          <a:xfrm>
+            <a:off x="5920705" y="6059119"/>
+            <a:ext cx="1215397" cy="246181"/>
+          </a:xfrm>
+          <a:prstGeom prst="rect">
+            <a:avLst/>
+          </a:prstGeom>
+          <a:noFill/>
+          <a:ln w="9525" cap="flat" cmpd="sng">
+            <a:solidFill>
+              <a:schemeClr val="dk1"/>
+            </a:solidFill>
+            <a:prstDash val="solid"/>
+            <a:round/>
+            <a:headEnd type="none" w="sm" len="sm"/>
+            <a:tailEnd type="none" w="sm" len="sm"/>
+          </a:ln>
+        </p:spPr>
+        <p:txBody>
+          <a:bodyPr spcFirstLastPara="1" wrap="square" lIns="91425" tIns="45700" rIns="91425" bIns="45700" anchor="t" anchorCtr="0">
+            <a:spAutoFit/>
+          </a:bodyPr>
+          <a:lstStyle/>
+          <a:p>
+            <a:pPr marL="0" marR="0" lvl="0" indent="0" algn="ctr" rtl="0">
+              <a:lnSpc>
+                <a:spcPct val="100000"/>
+              </a:lnSpc>
+              <a:spcBef>
+                <a:spcPts val="0"/>
+              </a:spcBef>
+              <a:spcAft>
+                <a:spcPts val="0"/>
+              </a:spcAft>
+              <a:buClr>
+                <a:srgbClr val="000000"/>
+              </a:buClr>
+              <a:buSzPts val="1000"/>
+              <a:buFont typeface="Arial"/>
+              <a:buNone/>
+            </a:pPr>
+            <a:r>
+              <a:rPr lang="en-US" sz="1000" b="0" i="0" u="none" strike="noStrike" cap="none" dirty="0">
+                <a:solidFill>
+                  <a:schemeClr val="dk1"/>
+                </a:solidFill>
+                <a:latin typeface="Calibri"/>
+                <a:ea typeface="Calibri"/>
+                <a:cs typeface="Calibri"/>
+                <a:sym typeface="Calibri"/>
+              </a:rPr>
+              <a:t>…</a:t>
+            </a:r>
+            <a:endParaRPr sz="1400" b="0" i="0" u="none" strike="noStrike" cap="none" dirty="0">
+              <a:solidFill>
+                <a:srgbClr val="000000"/>
+              </a:solidFill>
+              <a:latin typeface="Arial"/>
+              <a:ea typeface="Arial"/>
+              <a:cs typeface="Arial"/>
+              <a:sym typeface="Arial"/>
+            </a:endParaRPr>
+          </a:p>
+        </p:txBody>
+      </p:sp>
+      <p:sp>
+        <p:nvSpPr>
+          <p:cNvPr id="80" name="Google Shape;289;p2">
+            <a:extLst>
+              <a:ext uri="{FF2B5EF4-FFF2-40B4-BE49-F238E27FC236}">
+                <a16:creationId xmlns:a16="http://schemas.microsoft.com/office/drawing/2014/main" id="{6B0B9B0D-7C05-1549-85E7-77D365A440D4}"/>
+              </a:ext>
+            </a:extLst>
+          </p:cNvPr>
+          <p:cNvSpPr/>
+          <p:nvPr/>
+        </p:nvSpPr>
+        <p:spPr>
+          <a:xfrm>
+            <a:off x="7397441" y="2990804"/>
+            <a:ext cx="2076906" cy="260547"/>
+          </a:xfrm>
+          <a:prstGeom prst="roundRect">
+            <a:avLst>
+              <a:gd name="adj" fmla="val 16667"/>
+            </a:avLst>
+          </a:prstGeom>
+          <a:noFill/>
+          <a:ln w="12700" cap="flat" cmpd="sng">
+            <a:solidFill>
+              <a:srgbClr val="31538F"/>
+            </a:solidFill>
+            <a:prstDash val="solid"/>
+            <a:miter lim="800000"/>
+            <a:headEnd type="none" w="sm" len="sm"/>
+            <a:tailEnd type="none" w="sm" len="sm"/>
+          </a:ln>
+        </p:spPr>
+        <p:txBody>
+          <a:bodyPr spcFirstLastPara="1" wrap="square" lIns="91425" tIns="45700" rIns="91425" bIns="45700" anchor="t" anchorCtr="0">
+            <a:noAutofit/>
+          </a:bodyPr>
+          <a:lstStyle/>
+          <a:p>
+            <a:pPr lvl="0" algn="ctr">
+              <a:buSzPts val="1000"/>
+            </a:pPr>
+            <a:r>
+              <a:rPr lang="en-US" sz="1000" dirty="0">
+                <a:solidFill>
+                  <a:schemeClr val="dk1"/>
+                </a:solidFill>
+                <a:latin typeface="Calibri"/>
+                <a:ea typeface="Calibri"/>
+                <a:cs typeface="Calibri"/>
+                <a:sym typeface="Calibri"/>
+              </a:rPr>
+              <a:t>Vector representation of user query</a:t>
+            </a:r>
+            <a:endParaRPr lang="en-US" dirty="0"/>
+          </a:p>
+        </p:txBody>
+      </p:sp>
+      <p:sp>
+        <p:nvSpPr>
+          <p:cNvPr id="81" name="Google Shape;289;p2">
+            <a:extLst>
+              <a:ext uri="{FF2B5EF4-FFF2-40B4-BE49-F238E27FC236}">
+                <a16:creationId xmlns:a16="http://schemas.microsoft.com/office/drawing/2014/main" id="{C4A5B1AE-AA6A-854A-8B3A-1BC5E842F0B8}"/>
+              </a:ext>
+            </a:extLst>
+          </p:cNvPr>
+          <p:cNvSpPr/>
+          <p:nvPr/>
+        </p:nvSpPr>
+        <p:spPr>
+          <a:xfrm>
+            <a:off x="9816866" y="2987993"/>
+            <a:ext cx="1680928" cy="260547"/>
+          </a:xfrm>
+          <a:prstGeom prst="roundRect">
+            <a:avLst>
+              <a:gd name="adj" fmla="val 16667"/>
+            </a:avLst>
+          </a:prstGeom>
+          <a:noFill/>
+          <a:ln w="12700" cap="flat" cmpd="sng">
+            <a:solidFill>
+              <a:srgbClr val="31538F"/>
+            </a:solidFill>
+            <a:prstDash val="solid"/>
+            <a:miter lim="800000"/>
+            <a:headEnd type="none" w="sm" len="sm"/>
+            <a:tailEnd type="none" w="sm" len="sm"/>
+          </a:ln>
+        </p:spPr>
+        <p:txBody>
+          <a:bodyPr spcFirstLastPara="1" wrap="square" lIns="91425" tIns="45700" rIns="91425" bIns="45700" anchor="t" anchorCtr="0">
+            <a:noAutofit/>
+          </a:bodyPr>
+          <a:lstStyle/>
+          <a:p>
+            <a:pPr lvl="0" algn="ctr">
+              <a:buSzPts val="1000"/>
+            </a:pPr>
+            <a:r>
+              <a:rPr lang="en-US" sz="1000" dirty="0">
+                <a:solidFill>
+                  <a:schemeClr val="dk1"/>
+                </a:solidFill>
+                <a:latin typeface="Calibri"/>
+                <a:ea typeface="Calibri"/>
+                <a:cs typeface="Calibri"/>
+                <a:sym typeface="Calibri"/>
+              </a:rPr>
+              <a:t>User query and top </a:t>
+            </a:r>
+            <a:r>
+              <a:rPr lang="en-US" sz="1000" i="1" dirty="0">
+                <a:solidFill>
+                  <a:schemeClr val="dk1"/>
+                </a:solidFill>
+                <a:latin typeface="Calibri"/>
+                <a:ea typeface="Calibri"/>
+                <a:cs typeface="Calibri"/>
+                <a:sym typeface="Calibri"/>
+              </a:rPr>
+              <a:t>n</a:t>
+            </a:r>
+            <a:r>
+              <a:rPr lang="en-US" sz="1000" dirty="0">
+                <a:solidFill>
+                  <a:schemeClr val="dk1"/>
+                </a:solidFill>
+                <a:latin typeface="Calibri"/>
+                <a:ea typeface="Calibri"/>
+                <a:cs typeface="Calibri"/>
+                <a:sym typeface="Calibri"/>
+              </a:rPr>
+              <a:t> results</a:t>
+            </a:r>
+            <a:endParaRPr lang="en-US" dirty="0"/>
+          </a:p>
+        </p:txBody>
+      </p:sp>
+      <p:sp>
+        <p:nvSpPr>
+          <p:cNvPr id="82" name="Google Shape;159;g294a542b77f_2_75">
+            <a:extLst>
+              <a:ext uri="{FF2B5EF4-FFF2-40B4-BE49-F238E27FC236}">
+                <a16:creationId xmlns:a16="http://schemas.microsoft.com/office/drawing/2014/main" id="{BFD94B1F-BD3A-CD48-9A3C-6AC564BF2373}"/>
+              </a:ext>
+            </a:extLst>
+          </p:cNvPr>
+          <p:cNvSpPr/>
+          <p:nvPr/>
+        </p:nvSpPr>
+        <p:spPr>
+          <a:xfrm>
+            <a:off x="9743093" y="2637607"/>
+            <a:ext cx="1846145" cy="676200"/>
+          </a:xfrm>
+          <a:prstGeom prst="roundRect">
+            <a:avLst>
+              <a:gd name="adj" fmla="val 16667"/>
+            </a:avLst>
+          </a:prstGeom>
+          <a:noFill/>
+          <a:ln w="12700" cap="flat" cmpd="sng">
+            <a:solidFill>
+              <a:srgbClr val="31538F"/>
+            </a:solidFill>
+            <a:prstDash val="solid"/>
+            <a:miter lim="800000"/>
+            <a:headEnd type="none" w="sm" len="sm"/>
+            <a:tailEnd type="none" w="sm" len="sm"/>
+          </a:ln>
+        </p:spPr>
+        <p:txBody>
+          <a:bodyPr spcFirstLastPara="1" wrap="square" lIns="91425" tIns="45700" rIns="91425" bIns="45700" anchor="t" anchorCtr="0">
+            <a:noAutofit/>
+          </a:bodyPr>
+          <a:lstStyle/>
+          <a:p>
+            <a:pPr marL="0" marR="0" lvl="0" indent="0" algn="ctr" rtl="0">
+              <a:lnSpc>
+                <a:spcPct val="100000"/>
+              </a:lnSpc>
+              <a:spcBef>
+                <a:spcPts val="0"/>
+              </a:spcBef>
+              <a:spcAft>
+                <a:spcPts val="0"/>
+              </a:spcAft>
+              <a:buClr>
+                <a:srgbClr val="000000"/>
+              </a:buClr>
+              <a:buSzPts val="1200"/>
+              <a:buFont typeface="Arial"/>
+              <a:buNone/>
+            </a:pPr>
+            <a:r>
+              <a:rPr lang="en-US" sz="1200" b="1" i="0" u="sng" strike="noStrike" cap="none">
+                <a:solidFill>
+                  <a:schemeClr val="dk1"/>
+                </a:solidFill>
+                <a:latin typeface="Calibri"/>
+                <a:ea typeface="Calibri"/>
+                <a:cs typeface="Calibri"/>
+                <a:sym typeface="Calibri"/>
+              </a:rPr>
+              <a:t>LLM</a:t>
+            </a:r>
+            <a:endParaRPr sz="1400" b="1" i="0" u="none" strike="noStrike" cap="none">
+              <a:solidFill>
+                <a:srgbClr val="000000"/>
+              </a:solidFill>
+            </a:endParaRPr>
+          </a:p>
+        </p:txBody>
+      </p:sp>
+      <p:sp>
+        <p:nvSpPr>
+          <p:cNvPr id="83" name="Google Shape;161;g294a542b77f_2_75">
+            <a:extLst>
+              <a:ext uri="{FF2B5EF4-FFF2-40B4-BE49-F238E27FC236}">
+                <a16:creationId xmlns:a16="http://schemas.microsoft.com/office/drawing/2014/main" id="{A537EA5D-D731-ED42-926E-6FC3A9F4B212}"/>
+              </a:ext>
+            </a:extLst>
+          </p:cNvPr>
+          <p:cNvSpPr/>
+          <p:nvPr/>
+        </p:nvSpPr>
+        <p:spPr>
+          <a:xfrm>
+            <a:off x="145587" y="1830640"/>
+            <a:ext cx="11834100" cy="4743300"/>
+          </a:xfrm>
+          <a:prstGeom prst="roundRect">
+            <a:avLst>
+              <a:gd name="adj" fmla="val 16667"/>
+            </a:avLst>
+          </a:prstGeom>
+          <a:noFill/>
+          <a:ln w="12700" cap="flat" cmpd="sng">
+            <a:solidFill>
+              <a:srgbClr val="31538F"/>
+            </a:solidFill>
+            <a:prstDash val="solid"/>
+            <a:miter lim="800000"/>
+            <a:headEnd type="none" w="sm" len="sm"/>
+            <a:tailEnd type="none" w="sm" len="sm"/>
+          </a:ln>
+        </p:spPr>
+        <p:txBody>
+          <a:bodyPr spcFirstLastPara="1" wrap="square" lIns="91425" tIns="45700" rIns="91425" bIns="45700" anchor="t" anchorCtr="0">
+            <a:noAutofit/>
+          </a:bodyPr>
+          <a:lstStyle/>
+          <a:p>
+            <a:pPr marL="0" marR="0" lvl="0" indent="0" algn="ctr" rtl="0">
+              <a:lnSpc>
+                <a:spcPct val="100000"/>
+              </a:lnSpc>
+              <a:spcBef>
+                <a:spcPts val="0"/>
+              </a:spcBef>
+              <a:spcAft>
+                <a:spcPts val="0"/>
+              </a:spcAft>
+              <a:buClr>
+                <a:srgbClr val="000000"/>
+              </a:buClr>
+              <a:buSzPts val="3000"/>
+              <a:buFont typeface="Arial"/>
+              <a:buNone/>
+            </a:pPr>
+            <a:r>
+              <a:rPr lang="en-US" sz="3000" b="0" i="0" u="none" strike="noStrike" cap="none" dirty="0" err="1">
+                <a:solidFill>
+                  <a:schemeClr val="dk1"/>
+                </a:solidFill>
+                <a:latin typeface="Calibri"/>
+                <a:ea typeface="Calibri"/>
+                <a:cs typeface="Calibri"/>
+                <a:sym typeface="Calibri"/>
+              </a:rPr>
+              <a:t>Langchain</a:t>
+            </a:r>
+            <a:endParaRPr sz="1800" b="0" i="0" u="none" strike="noStrike" cap="none" dirty="0">
+              <a:solidFill>
+                <a:schemeClr val="dk1"/>
+              </a:solidFill>
+              <a:latin typeface="Calibri"/>
+              <a:ea typeface="Calibri"/>
+              <a:cs typeface="Calibri"/>
+              <a:sym typeface="Calibri"/>
+            </a:endParaRPr>
+          </a:p>
+          <a:p>
+            <a:pPr marL="0" marR="0" lvl="0" indent="0" algn="r" rtl="0">
+              <a:lnSpc>
+                <a:spcPct val="100000"/>
+              </a:lnSpc>
+              <a:spcBef>
+                <a:spcPts val="0"/>
+              </a:spcBef>
+              <a:spcAft>
+                <a:spcPts val="0"/>
+              </a:spcAft>
+              <a:buClr>
+                <a:srgbClr val="000000"/>
+              </a:buClr>
+              <a:buSzPts val="1800"/>
+              <a:buFont typeface="Arial"/>
+              <a:buNone/>
+            </a:pPr>
+            <a:endParaRPr sz="1800" b="0" i="0" u="none" strike="noStrike" cap="none" dirty="0">
+              <a:solidFill>
+                <a:schemeClr val="dk1"/>
+              </a:solidFill>
+              <a:latin typeface="Calibri"/>
+              <a:ea typeface="Calibri"/>
+              <a:cs typeface="Calibri"/>
+              <a:sym typeface="Calibri"/>
+            </a:endParaRPr>
+          </a:p>
+          <a:p>
+            <a:pPr marL="0" marR="0" lvl="0" indent="0" algn="r" rtl="0">
+              <a:lnSpc>
+                <a:spcPct val="100000"/>
+              </a:lnSpc>
+              <a:spcBef>
+                <a:spcPts val="0"/>
+              </a:spcBef>
+              <a:spcAft>
+                <a:spcPts val="0"/>
+              </a:spcAft>
+              <a:buClr>
+                <a:srgbClr val="000000"/>
+              </a:buClr>
+              <a:buSzPts val="1800"/>
+              <a:buFont typeface="Arial"/>
+              <a:buNone/>
+            </a:pPr>
+            <a:endParaRPr sz="1800" b="0" i="0" u="none" strike="noStrike" cap="none" dirty="0">
+              <a:solidFill>
+                <a:schemeClr val="dk1"/>
+              </a:solidFill>
+              <a:latin typeface="Calibri"/>
+              <a:ea typeface="Calibri"/>
+              <a:cs typeface="Calibri"/>
+              <a:sym typeface="Calibri"/>
+            </a:endParaRPr>
+          </a:p>
+        </p:txBody>
+      </p:sp>
+      <p:sp>
+        <p:nvSpPr>
+          <p:cNvPr id="88" name="Google Shape;242;p2">
+            <a:extLst>
+              <a:ext uri="{FF2B5EF4-FFF2-40B4-BE49-F238E27FC236}">
+                <a16:creationId xmlns:a16="http://schemas.microsoft.com/office/drawing/2014/main" id="{55A0D8EC-4031-DF49-895F-C49FB3A60576}"/>
+              </a:ext>
+            </a:extLst>
+          </p:cNvPr>
+          <p:cNvSpPr/>
+          <p:nvPr/>
+        </p:nvSpPr>
+        <p:spPr>
+          <a:xfrm>
+            <a:off x="7008647" y="281754"/>
+            <a:ext cx="4297608" cy="754905"/>
+          </a:xfrm>
+          <a:prstGeom prst="roundRect">
+            <a:avLst>
+              <a:gd name="adj" fmla="val 16667"/>
+            </a:avLst>
+          </a:prstGeom>
+          <a:noFill/>
+          <a:ln w="12700" cap="flat" cmpd="sng">
+            <a:solidFill>
+              <a:srgbClr val="31538F"/>
+            </a:solidFill>
+            <a:prstDash val="solid"/>
+            <a:miter lim="800000"/>
+            <a:headEnd type="none" w="sm" len="sm"/>
+            <a:tailEnd type="none" w="sm" len="sm"/>
+          </a:ln>
+        </p:spPr>
+        <p:txBody>
+          <a:bodyPr spcFirstLastPara="1" wrap="square" lIns="91425" tIns="45700" rIns="91425" bIns="45700" anchor="t" anchorCtr="0">
+            <a:noAutofit/>
+          </a:bodyPr>
+          <a:lstStyle/>
+          <a:p>
+            <a:pPr marL="0" marR="0" lvl="0" indent="0" algn="ctr" rtl="0">
+              <a:lnSpc>
+                <a:spcPct val="100000"/>
+              </a:lnSpc>
+              <a:spcBef>
+                <a:spcPts val="0"/>
+              </a:spcBef>
+              <a:spcAft>
+                <a:spcPts val="0"/>
+              </a:spcAft>
+              <a:buClr>
+                <a:srgbClr val="000000"/>
+              </a:buClr>
+              <a:buSzPts val="1800"/>
+              <a:buFont typeface="Arial"/>
+              <a:buNone/>
+            </a:pPr>
+            <a:r>
+              <a:rPr lang="en-US" sz="1800" b="0" i="0" u="none" strike="noStrike" cap="none">
+                <a:solidFill>
+                  <a:schemeClr val="dk1"/>
+                </a:solidFill>
+                <a:latin typeface="Calibri"/>
+                <a:ea typeface="Calibri"/>
+                <a:cs typeface="Calibri"/>
+                <a:sym typeface="Calibri"/>
+              </a:rPr>
+              <a:t>End User</a:t>
+            </a:r>
+            <a:endParaRPr sz="1400" b="0" i="0" u="none" strike="noStrike" cap="none">
+              <a:solidFill>
+                <a:srgbClr val="000000"/>
+              </a:solidFill>
+              <a:latin typeface="Arial"/>
+              <a:ea typeface="Arial"/>
+              <a:cs typeface="Arial"/>
+              <a:sym typeface="Arial"/>
+            </a:endParaRPr>
+          </a:p>
+        </p:txBody>
+      </p:sp>
+      <p:sp>
+        <p:nvSpPr>
+          <p:cNvPr id="89" name="Google Shape;289;p2">
+            <a:extLst>
+              <a:ext uri="{FF2B5EF4-FFF2-40B4-BE49-F238E27FC236}">
+                <a16:creationId xmlns:a16="http://schemas.microsoft.com/office/drawing/2014/main" id="{FBA122DF-88B9-684D-AE9E-ABD07A507710}"/>
+              </a:ext>
+            </a:extLst>
+          </p:cNvPr>
+          <p:cNvSpPr/>
+          <p:nvPr/>
+        </p:nvSpPr>
+        <p:spPr>
+          <a:xfrm>
+            <a:off x="10177334" y="593601"/>
+            <a:ext cx="723469" cy="274968"/>
+          </a:xfrm>
+          <a:prstGeom prst="roundRect">
+            <a:avLst>
+              <a:gd name="adj" fmla="val 16667"/>
+            </a:avLst>
+          </a:prstGeom>
+          <a:noFill/>
+          <a:ln w="12700" cap="flat" cmpd="sng">
+            <a:solidFill>
+              <a:srgbClr val="31538F"/>
+            </a:solidFill>
+            <a:prstDash val="solid"/>
+            <a:miter lim="800000"/>
+            <a:headEnd type="none" w="sm" len="sm"/>
+            <a:tailEnd type="none" w="sm" len="sm"/>
+          </a:ln>
+        </p:spPr>
+        <p:txBody>
+          <a:bodyPr spcFirstLastPara="1" wrap="square" lIns="91425" tIns="45700" rIns="91425" bIns="45700" anchor="t" anchorCtr="0">
+            <a:noAutofit/>
+          </a:bodyPr>
+          <a:lstStyle/>
+          <a:p>
+            <a:pPr lvl="0" algn="ctr">
+              <a:buSzPts val="1200"/>
+            </a:pPr>
+            <a:r>
+              <a:rPr lang="en-US" sz="1200" dirty="0">
+                <a:solidFill>
+                  <a:schemeClr val="dk1"/>
+                </a:solidFill>
+                <a:latin typeface="Calibri"/>
+                <a:ea typeface="Calibri"/>
+                <a:cs typeface="Calibri"/>
+                <a:sym typeface="Calibri"/>
+              </a:rPr>
+              <a:t>Answer</a:t>
+            </a:r>
+            <a:endParaRPr lang="en-US" sz="1200" dirty="0"/>
+          </a:p>
+        </p:txBody>
+      </p:sp>
+      <p:sp>
+        <p:nvSpPr>
+          <p:cNvPr id="90" name="Google Shape;289;p2">
+            <a:extLst>
+              <a:ext uri="{FF2B5EF4-FFF2-40B4-BE49-F238E27FC236}">
+                <a16:creationId xmlns:a16="http://schemas.microsoft.com/office/drawing/2014/main" id="{C9439A7F-88AC-3044-AF04-9BBE8D0D3BB2}"/>
+              </a:ext>
+            </a:extLst>
+          </p:cNvPr>
+          <p:cNvSpPr/>
+          <p:nvPr/>
+        </p:nvSpPr>
+        <p:spPr>
+          <a:xfrm>
+            <a:off x="7325957" y="593601"/>
+            <a:ext cx="900751" cy="277799"/>
+          </a:xfrm>
+          <a:prstGeom prst="roundRect">
+            <a:avLst>
+              <a:gd name="adj" fmla="val 16667"/>
+            </a:avLst>
+          </a:prstGeom>
+          <a:noFill/>
+          <a:ln w="12700" cap="flat" cmpd="sng">
+            <a:solidFill>
+              <a:srgbClr val="31538F"/>
+            </a:solidFill>
+            <a:prstDash val="solid"/>
+            <a:miter lim="800000"/>
+            <a:headEnd type="none" w="sm" len="sm"/>
+            <a:tailEnd type="none" w="sm" len="sm"/>
+          </a:ln>
+        </p:spPr>
+        <p:txBody>
+          <a:bodyPr spcFirstLastPara="1" wrap="square" lIns="91425" tIns="45700" rIns="91425" bIns="45700" anchor="t" anchorCtr="0">
+            <a:noAutofit/>
+          </a:bodyPr>
+          <a:lstStyle/>
+          <a:p>
+            <a:pPr algn="ctr">
+              <a:buSzPts val="1200"/>
+            </a:pPr>
+            <a:r>
+              <a:rPr lang="en-US" sz="1200" dirty="0">
+                <a:solidFill>
+                  <a:schemeClr val="dk1"/>
+                </a:solidFill>
+                <a:latin typeface="Calibri"/>
+                <a:ea typeface="Calibri"/>
+                <a:cs typeface="Calibri"/>
+                <a:sym typeface="Calibri"/>
+              </a:rPr>
+              <a:t>User query</a:t>
+            </a:r>
+            <a:endParaRPr lang="en-US" dirty="0"/>
+          </a:p>
+          <a:p>
+            <a:pPr lvl="0" algn="ctr">
+              <a:buSzPts val="1200"/>
+            </a:pPr>
+            <a:endParaRPr lang="en-US" sz="1200" dirty="0"/>
+          </a:p>
+        </p:txBody>
+      </p:sp>
+      <p:cxnSp>
+        <p:nvCxnSpPr>
+          <p:cNvPr id="23" name="Elbow Connector 22">
+            <a:extLst>
+              <a:ext uri="{FF2B5EF4-FFF2-40B4-BE49-F238E27FC236}">
+                <a16:creationId xmlns:a16="http://schemas.microsoft.com/office/drawing/2014/main" id="{274FC4B8-DADB-C342-8E7F-BABA8059E8A2}"/>
+              </a:ext>
+            </a:extLst>
+          </p:cNvPr>
+          <p:cNvCxnSpPr>
+            <a:cxnSpLocks/>
+            <a:stCxn id="163" idx="1"/>
+          </p:cNvCxnSpPr>
+          <p:nvPr/>
+        </p:nvCxnSpPr>
+        <p:spPr>
+          <a:xfrm rot="10800000" flipV="1">
+            <a:off x="323417" y="868570"/>
+            <a:ext cx="1573899" cy="3111312"/>
+          </a:xfrm>
+          <a:prstGeom prst="bentConnector2">
+            <a:avLst/>
+          </a:prstGeom>
+          <a:ln>
+            <a:solidFill>
+              <a:srgbClr val="FF0000"/>
+            </a:solidFill>
+          </a:ln>
+        </p:spPr>
+        <p:style>
+          <a:lnRef idx="1">
+            <a:schemeClr val="accent1"/>
+          </a:lnRef>
+          <a:fillRef idx="0">
+            <a:schemeClr val="accent1"/>
+          </a:fillRef>
+          <a:effectRef idx="0">
+            <a:schemeClr val="accent1"/>
+          </a:effectRef>
+          <a:fontRef idx="minor">
+            <a:schemeClr val="tx1"/>
+          </a:fontRef>
+        </p:style>
+      </p:cxnSp>
+      <p:cxnSp>
+        <p:nvCxnSpPr>
+          <p:cNvPr id="28" name="Straight Arrow Connector 27">
+            <a:extLst>
+              <a:ext uri="{FF2B5EF4-FFF2-40B4-BE49-F238E27FC236}">
+                <a16:creationId xmlns:a16="http://schemas.microsoft.com/office/drawing/2014/main" id="{B2924CFF-00FB-3246-97D7-6EC99A7DF39D}"/>
+              </a:ext>
+            </a:extLst>
+          </p:cNvPr>
+          <p:cNvCxnSpPr>
+            <a:cxnSpLocks/>
+            <a:endCxn id="49" idx="1"/>
+          </p:cNvCxnSpPr>
+          <p:nvPr/>
+        </p:nvCxnSpPr>
+        <p:spPr>
+          <a:xfrm>
+            <a:off x="323416" y="3979882"/>
+            <a:ext cx="476365" cy="3"/>
+          </a:xfrm>
+          <a:prstGeom prst="straightConnector1">
+            <a:avLst/>
+          </a:prstGeom>
+          <a:ln>
+            <a:solidFill>
+              <a:srgbClr val="FF0000"/>
+            </a:solidFill>
+            <a:tailEnd type="triangle"/>
+          </a:ln>
+        </p:spPr>
+        <p:style>
+          <a:lnRef idx="1">
+            <a:schemeClr val="accent1"/>
+          </a:lnRef>
+          <a:fillRef idx="0">
+            <a:schemeClr val="accent1"/>
+          </a:fillRef>
+          <a:effectRef idx="0">
+            <a:schemeClr val="accent1"/>
+          </a:effectRef>
+          <a:fontRef idx="minor">
+            <a:schemeClr val="tx1"/>
+          </a:fontRef>
+        </p:style>
+      </p:cxnSp>
     </p:spTree>
   </p:cSld>
   <p:clrMapOvr>
@@ -30814,8 +30759,8 @@
         </p:nvSpPr>
         <p:spPr>
           <a:xfrm>
-            <a:off x="7054922" y="186097"/>
-            <a:ext cx="4297608" cy="913541"/>
+            <a:off x="7054922" y="286782"/>
+            <a:ext cx="4297608" cy="886684"/>
           </a:xfrm>
           <a:prstGeom prst="roundRect">
             <a:avLst>
@@ -30931,7 +30876,7 @@
               <a:buNone/>
             </a:pPr>
             <a:r>
-              <a:rPr lang="en-US" sz="3000" b="0" i="0" u="none" strike="noStrike" cap="none">
+              <a:rPr lang="en-US" sz="3000" b="0" i="0" u="none" strike="noStrike" cap="none" dirty="0" err="1">
                 <a:solidFill>
                   <a:schemeClr val="dk1"/>
                 </a:solidFill>
@@ -30942,7 +30887,7 @@
               </a:rPr>
               <a:t>Langchain</a:t>
             </a:r>
-            <a:endParaRPr sz="3000" b="0" i="0" u="none" strike="noStrike" cap="none">
+            <a:endParaRPr sz="3000" b="0" i="0" u="none" strike="noStrike" cap="none" dirty="0">
               <a:solidFill>
                 <a:schemeClr val="dk1"/>
               </a:solidFill>
@@ -30970,7 +30915,7 @@
               <a:buFont typeface="Arial"/>
               <a:buNone/>
             </a:pPr>
-            <a:endParaRPr sz="1800" b="0" i="0" u="none" strike="noStrike" cap="none">
+            <a:endParaRPr sz="1800" b="0" i="0" u="none" strike="noStrike" cap="none" dirty="0">
               <a:solidFill>
                 <a:schemeClr val="dk1"/>
               </a:solidFill>
@@ -30998,7 +30943,7 @@
               <a:buFont typeface="Arial"/>
               <a:buNone/>
             </a:pPr>
-            <a:endParaRPr sz="1800" b="0" i="0" u="none" strike="noStrike" cap="none">
+            <a:endParaRPr sz="1800" b="0" i="0" u="none" strike="noStrike" cap="none" dirty="0">
               <a:solidFill>
                 <a:schemeClr val="dk1"/>
               </a:solidFill>
@@ -31026,7 +30971,7 @@
               <a:buFont typeface="Arial"/>
               <a:buNone/>
             </a:pPr>
-            <a:endParaRPr sz="1800" b="0" i="0" u="none" strike="noStrike" cap="none">
+            <a:endParaRPr sz="1800" b="0" i="0" u="none" strike="noStrike" cap="none" dirty="0">
               <a:solidFill>
                 <a:schemeClr val="dk1"/>
               </a:solidFill>
@@ -31046,8 +30991,8 @@
         </p:nvSpPr>
         <p:spPr>
           <a:xfrm>
-            <a:off x="212335" y="2681984"/>
-            <a:ext cx="4966237" cy="2182022"/>
+            <a:off x="491024" y="2700721"/>
+            <a:ext cx="4741538" cy="2182022"/>
           </a:xfrm>
           <a:prstGeom prst="roundRect">
             <a:avLst>
@@ -31189,8 +31134,8 @@
         </p:nvSpPr>
         <p:spPr>
           <a:xfrm>
-            <a:off x="7054922" y="1965578"/>
-            <a:ext cx="4646712" cy="2320218"/>
+            <a:off x="7054922" y="1969539"/>
+            <a:ext cx="4646712" cy="2262262"/>
           </a:xfrm>
           <a:prstGeom prst="roundRect">
             <a:avLst>
@@ -31550,8 +31495,8 @@
         </p:nvSpPr>
         <p:spPr>
           <a:xfrm>
-            <a:off x="308637" y="3174411"/>
-            <a:ext cx="1614707" cy="1589071"/>
+            <a:off x="700762" y="3174105"/>
+            <a:ext cx="1614707" cy="1657837"/>
           </a:xfrm>
           <a:prstGeom prst="roundRect">
             <a:avLst>
@@ -31593,7 +31538,7 @@
               <a:buNone/>
             </a:pPr>
             <a:r>
-              <a:rPr lang="en-US" sz="1200" b="1" i="0" u="sng" strike="noStrike" cap="none">
+              <a:rPr lang="en-US" sz="1200" b="1" i="0" u="sng" strike="noStrike" cap="none" dirty="0">
                 <a:solidFill>
                   <a:schemeClr val="dk1"/>
                 </a:solidFill>
@@ -31604,7 +31549,7 @@
               </a:rPr>
               <a:t>Document Loader</a:t>
             </a:r>
-            <a:endParaRPr sz="1200" b="1" i="0" u="none" strike="noStrike" cap="none">
+            <a:endParaRPr sz="1200" b="1" i="0" u="none" strike="noStrike" cap="none" dirty="0">
               <a:solidFill>
                 <a:schemeClr val="dk1"/>
               </a:solidFill>
@@ -31632,7 +31577,7 @@
               <a:buFont typeface="Arial"/>
               <a:buNone/>
             </a:pPr>
-            <a:endParaRPr sz="1200" b="0" i="0" u="sng" strike="noStrike" cap="none">
+            <a:endParaRPr sz="1200" b="0" i="0" u="sng" strike="noStrike" cap="none" dirty="0">
               <a:solidFill>
                 <a:schemeClr val="dk1"/>
               </a:solidFill>
@@ -31661,7 +31606,7 @@
               <a:buNone/>
             </a:pPr>
             <a:r>
-              <a:rPr lang="en-US" sz="1200" b="0" i="0" u="none" strike="noStrike" cap="none">
+              <a:rPr lang="en-US" sz="1200" b="0" i="0" u="none" strike="noStrike" cap="none" dirty="0" err="1">
                 <a:solidFill>
                   <a:schemeClr val="dk1"/>
                 </a:solidFill>
@@ -31672,7 +31617,7 @@
               </a:rPr>
               <a:t>PyPDFLoader</a:t>
             </a:r>
-            <a:endParaRPr sz="1200" b="0" i="0" u="none" strike="noStrike" cap="none">
+            <a:endParaRPr sz="1200" b="0" i="0" u="none" strike="noStrike" cap="none" dirty="0">
               <a:solidFill>
                 <a:schemeClr val="dk1"/>
               </a:solidFill>
@@ -31701,7 +31646,7 @@
               <a:buNone/>
             </a:pPr>
             <a:r>
-              <a:rPr lang="en-US" sz="1200" b="0" i="0" u="none" strike="noStrike" cap="none">
+              <a:rPr lang="en-US" sz="1200" b="0" i="0" u="none" strike="noStrike" cap="none" dirty="0" err="1">
                 <a:solidFill>
                   <a:schemeClr val="dk1"/>
                 </a:solidFill>
@@ -31712,7 +31657,7 @@
               </a:rPr>
               <a:t>BSHTMLLoader</a:t>
             </a:r>
-            <a:endParaRPr sz="1200" b="0" i="0" u="none" strike="noStrike" cap="none">
+            <a:endParaRPr sz="1200" b="0" i="0" u="none" strike="noStrike" cap="none" dirty="0">
               <a:solidFill>
                 <a:schemeClr val="dk1"/>
               </a:solidFill>
@@ -31741,7 +31686,7 @@
               <a:buNone/>
             </a:pPr>
             <a:r>
-              <a:rPr lang="en-US" sz="1200" b="0" i="0" u="none" strike="noStrike" cap="none">
+              <a:rPr lang="en-US" sz="1200" b="0" i="0" u="none" strike="noStrike" cap="none" dirty="0" err="1">
                 <a:solidFill>
                   <a:schemeClr val="dk1"/>
                 </a:solidFill>
@@ -31752,7 +31697,7 @@
               </a:rPr>
               <a:t>TextLoader</a:t>
             </a:r>
-            <a:endParaRPr sz="1200" b="0" i="0" u="none" strike="noStrike" cap="none">
+            <a:endParaRPr sz="1200" b="0" i="0" u="none" strike="noStrike" cap="none" dirty="0">
               <a:solidFill>
                 <a:schemeClr val="dk1"/>
               </a:solidFill>
@@ -31781,7 +31726,7 @@
               <a:buNone/>
             </a:pPr>
             <a:r>
-              <a:rPr lang="en-US" sz="1200" b="0" i="0" u="none" strike="noStrike" cap="none">
+              <a:rPr lang="en-US" sz="1200" b="0" i="0" u="none" strike="noStrike" cap="none" dirty="0">
                 <a:solidFill>
                   <a:schemeClr val="dk1"/>
                 </a:solidFill>
@@ -31792,7 +31737,7 @@
               </a:rPr>
               <a:t>…</a:t>
             </a:r>
-            <a:endParaRPr sz="1400" b="0" i="0" u="none" strike="noStrike" cap="none">
+            <a:endParaRPr sz="1400" b="0" i="0" u="none" strike="noStrike" cap="none" dirty="0">
               <a:solidFill>
                 <a:srgbClr val="000000"/>
               </a:solidFill>
@@ -31807,13 +31752,16 @@
       <p:cxnSp>
         <p:nvCxnSpPr>
           <p:cNvPr id="214" name="Google Shape;214;p1"/>
-          <p:cNvCxnSpPr/>
+          <p:cNvCxnSpPr>
+            <a:cxnSpLocks/>
+            <a:endCxn id="61" idx="1"/>
+          </p:cNvCxnSpPr>
           <p:nvPr/>
         </p:nvCxnSpPr>
         <p:spPr>
           <a:xfrm>
-            <a:off x="1413267" y="4568568"/>
-            <a:ext cx="1818358" cy="25294"/>
+            <a:off x="1759585" y="4600248"/>
+            <a:ext cx="1585004" cy="1811"/>
           </a:xfrm>
           <a:prstGeom prst="straightConnector1">
             <a:avLst/>
@@ -31838,8 +31786,8 @@
         </p:nvSpPr>
         <p:spPr>
           <a:xfrm>
-            <a:off x="2809285" y="3174411"/>
-            <a:ext cx="2226800" cy="1589072"/>
+            <a:off x="2687189" y="3174106"/>
+            <a:ext cx="2348205" cy="1657838"/>
           </a:xfrm>
           <a:prstGeom prst="roundRect">
             <a:avLst>
@@ -32100,8 +32048,8 @@
         </p:nvSpPr>
         <p:spPr>
           <a:xfrm>
-            <a:off x="5468669" y="4948821"/>
-            <a:ext cx="2220312" cy="1378194"/>
+            <a:off x="5629386" y="4963466"/>
+            <a:ext cx="2458629" cy="1378194"/>
           </a:xfrm>
           <a:prstGeom prst="roundRect">
             <a:avLst>
@@ -32143,7 +32091,7 @@
               <a:buNone/>
             </a:pPr>
             <a:r>
-              <a:rPr lang="en-US" sz="1200" b="1" i="0" u="sng" strike="noStrike" cap="none">
+              <a:rPr lang="en-US" sz="1200" b="1" i="0" u="sng" strike="noStrike" cap="none" dirty="0">
                 <a:solidFill>
                   <a:schemeClr val="dk1"/>
                 </a:solidFill>
@@ -32154,7 +32102,7 @@
               </a:rPr>
               <a:t>Vector Embeddings</a:t>
             </a:r>
-            <a:endParaRPr sz="1200" b="1" i="0" u="none" strike="noStrike" cap="none">
+            <a:endParaRPr sz="1200" b="1" i="0" u="none" strike="noStrike" cap="none" dirty="0">
               <a:solidFill>
                 <a:schemeClr val="dk1"/>
               </a:solidFill>
@@ -32182,7 +32130,7 @@
               <a:buFont typeface="Arial"/>
               <a:buNone/>
             </a:pPr>
-            <a:endParaRPr sz="1200" b="0" i="0" u="sng" strike="noStrike" cap="none">
+            <a:endParaRPr sz="1200" b="0" i="0" u="sng" strike="noStrike" cap="none" dirty="0">
               <a:solidFill>
                 <a:schemeClr val="dk1"/>
               </a:solidFill>
@@ -32211,7 +32159,7 @@
               <a:buNone/>
             </a:pPr>
             <a:r>
-              <a:rPr lang="en-US" sz="1200" b="0" i="0" u="none" strike="noStrike" cap="none">
+              <a:rPr lang="en-US" sz="1200" b="0" i="0" u="none" strike="noStrike" cap="none" dirty="0" err="1">
                 <a:solidFill>
                   <a:schemeClr val="dk1"/>
                 </a:solidFill>
@@ -32222,7 +32170,7 @@
               </a:rPr>
               <a:t>OpenAI</a:t>
             </a:r>
-            <a:endParaRPr sz="1200" b="0" i="0" u="none" strike="noStrike" cap="none">
+            <a:endParaRPr sz="1200" b="0" i="0" u="none" strike="noStrike" cap="none" dirty="0">
               <a:solidFill>
                 <a:schemeClr val="dk1"/>
               </a:solidFill>
@@ -32251,7 +32199,7 @@
               <a:buNone/>
             </a:pPr>
             <a:r>
-              <a:rPr lang="en-US" sz="1200" b="0" i="0" u="none" strike="noStrike" cap="none">
+              <a:rPr lang="en-US" sz="1200" b="0" i="0" u="none" strike="noStrike" cap="none" dirty="0" err="1">
                 <a:solidFill>
                   <a:schemeClr val="dk1"/>
                 </a:solidFill>
@@ -32262,7 +32210,7 @@
               </a:rPr>
               <a:t>HuggingFace</a:t>
             </a:r>
-            <a:endParaRPr sz="1200" b="0" i="0" u="none" strike="noStrike" cap="none">
+            <a:endParaRPr sz="1200" b="0" i="0" u="none" strike="noStrike" cap="none" dirty="0">
               <a:solidFill>
                 <a:schemeClr val="dk1"/>
               </a:solidFill>
@@ -32291,7 +32239,7 @@
               <a:buNone/>
             </a:pPr>
             <a:r>
-              <a:rPr lang="en-US" sz="1200" b="0" i="0" u="none" strike="noStrike" cap="none">
+              <a:rPr lang="en-US" sz="1200" b="0" i="0" u="none" strike="noStrike" cap="none" dirty="0">
                 <a:solidFill>
                   <a:schemeClr val="dk1"/>
                 </a:solidFill>
@@ -32302,7 +32250,7 @@
               </a:rPr>
               <a:t>…</a:t>
             </a:r>
-            <a:endParaRPr sz="1400" b="0" i="0" u="none" strike="noStrike" cap="none">
+            <a:endParaRPr sz="1400" b="0" i="0" u="none" strike="noStrike" cap="none" dirty="0">
               <a:solidFill>
                 <a:srgbClr val="000000"/>
               </a:solidFill>
@@ -32317,13 +32265,16 @@
       <p:cxnSp>
         <p:nvCxnSpPr>
           <p:cNvPr id="217" name="Google Shape;217;p1"/>
-          <p:cNvCxnSpPr/>
+          <p:cNvCxnSpPr>
+            <a:cxnSpLocks/>
+            <a:stCxn id="46" idx="3"/>
+          </p:cNvCxnSpPr>
           <p:nvPr/>
         </p:nvCxnSpPr>
         <p:spPr>
           <a:xfrm>
-            <a:off x="7555585" y="6096202"/>
-            <a:ext cx="1324613" cy="0"/>
+            <a:off x="7786484" y="6146150"/>
+            <a:ext cx="804466" cy="0"/>
           </a:xfrm>
           <a:prstGeom prst="straightConnector1">
             <a:avLst/>
@@ -32348,8 +32299,8 @@
         </p:nvSpPr>
         <p:spPr>
           <a:xfrm>
-            <a:off x="8590950" y="4928375"/>
-            <a:ext cx="2310300" cy="1376700"/>
+            <a:off x="8590950" y="4963465"/>
+            <a:ext cx="2310300" cy="1378193"/>
           </a:xfrm>
           <a:prstGeom prst="roundRect">
             <a:avLst>
@@ -32603,14 +32554,14 @@
           <p:cNvPr id="219" name="Google Shape;219;p1"/>
           <p:cNvCxnSpPr>
             <a:cxnSpLocks/>
-            <a:stCxn id="220" idx="2"/>
+            <a:stCxn id="47" idx="2"/>
           </p:cNvCxnSpPr>
           <p:nvPr/>
         </p:nvCxnSpPr>
         <p:spPr>
           <a:xfrm>
-            <a:off x="7736384" y="919866"/>
-            <a:ext cx="13791" cy="2853129"/>
+            <a:off x="7747549" y="1007468"/>
+            <a:ext cx="0" cy="1559581"/>
           </a:xfrm>
           <a:prstGeom prst="straightConnector1">
             <a:avLst/>
@@ -32630,13 +32581,15 @@
       <p:cxnSp>
         <p:nvCxnSpPr>
           <p:cNvPr id="221" name="Google Shape;221;p1"/>
-          <p:cNvCxnSpPr/>
+          <p:cNvCxnSpPr>
+            <a:cxnSpLocks/>
+          </p:cNvCxnSpPr>
           <p:nvPr/>
         </p:nvCxnSpPr>
         <p:spPr>
-          <a:xfrm rot="10800000">
-            <a:off x="10138597" y="4203230"/>
-            <a:ext cx="0" cy="628713"/>
+          <a:xfrm flipV="1">
+            <a:off x="10138597" y="4174299"/>
+            <a:ext cx="0" cy="789166"/>
           </a:xfrm>
           <a:prstGeom prst="straightConnector1">
             <a:avLst/>
@@ -32655,85 +32608,13 @@
       </p:cxnSp>
       <p:sp>
         <p:nvSpPr>
-          <p:cNvPr id="222" name="Google Shape;222;p1"/>
-          <p:cNvSpPr txBox="1"/>
-          <p:nvPr/>
-        </p:nvSpPr>
-        <p:spPr>
-          <a:xfrm>
-            <a:off x="10436337" y="596774"/>
-            <a:ext cx="869918" cy="276999"/>
-          </a:xfrm>
-          <a:prstGeom prst="rect">
-            <a:avLst/>
-          </a:prstGeom>
-          <a:noFill/>
-          <a:ln w="9525" cap="flat" cmpd="sng">
-            <a:solidFill>
-              <a:schemeClr val="dk1"/>
-            </a:solidFill>
-            <a:prstDash val="solid"/>
-            <a:round/>
-            <a:headEnd type="none" w="sm" len="sm"/>
-            <a:tailEnd type="none" w="sm" len="sm"/>
-          </a:ln>
-        </p:spPr>
-        <p:txBody>
-          <a:bodyPr spcFirstLastPara="1" wrap="square" lIns="91425" tIns="45700" rIns="91425" bIns="45700" anchor="t" anchorCtr="0">
-            <a:spAutoFit/>
-          </a:bodyPr>
-          <a:lstStyle/>
-          <a:p>
-            <a:pPr marL="0" marR="0" lvl="0" indent="0" algn="ctr" rtl="0">
-              <a:lnSpc>
-                <a:spcPct val="100000"/>
-              </a:lnSpc>
-              <a:spcBef>
-                <a:spcPts val="0"/>
-              </a:spcBef>
-              <a:spcAft>
-                <a:spcPts val="0"/>
-              </a:spcAft>
-              <a:buClr>
-                <a:srgbClr val="000000"/>
-              </a:buClr>
-              <a:buSzPts val="1200"/>
-              <a:buFont typeface="Arial"/>
-              <a:buNone/>
-            </a:pPr>
-            <a:r>
-              <a:rPr lang="en-US" sz="1200" b="0" i="0" u="none" strike="noStrike" cap="none">
-                <a:solidFill>
-                  <a:schemeClr val="dk1"/>
-                </a:solidFill>
-                <a:latin typeface="Calibri"/>
-                <a:ea typeface="Calibri"/>
-                <a:cs typeface="Calibri"/>
-                <a:sym typeface="Calibri"/>
-              </a:rPr>
-              <a:t>Answer</a:t>
-            </a:r>
-            <a:endParaRPr sz="1400" b="0" i="0" u="none" strike="noStrike" cap="none">
-              <a:solidFill>
-                <a:srgbClr val="000000"/>
-              </a:solidFill>
-              <a:latin typeface="Arial"/>
-              <a:ea typeface="Arial"/>
-              <a:cs typeface="Arial"/>
-              <a:sym typeface="Arial"/>
-            </a:endParaRPr>
-          </a:p>
-        </p:txBody>
-      </p:sp>
-      <p:sp>
-        <p:nvSpPr>
           <p:cNvPr id="223" name="Google Shape;223;p1"/>
           <p:cNvSpPr txBox="1"/>
           <p:nvPr/>
         </p:nvSpPr>
         <p:spPr>
           <a:xfrm>
-            <a:off x="10183989" y="4323983"/>
+            <a:off x="10192643" y="4281894"/>
             <a:ext cx="1691253" cy="276999"/>
           </a:xfrm>
           <a:prstGeom prst="rect">
@@ -32859,8 +32740,8 @@
         </p:nvSpPr>
         <p:spPr>
           <a:xfrm>
-            <a:off x="9762249" y="2567050"/>
-            <a:ext cx="1826679" cy="1608966"/>
+            <a:off x="9762249" y="2567049"/>
+            <a:ext cx="1878817" cy="1602513"/>
           </a:xfrm>
           <a:prstGeom prst="roundRect">
             <a:avLst>
@@ -33116,13 +32997,16 @@
       <p:cxnSp>
         <p:nvCxnSpPr>
           <p:cNvPr id="225" name="Google Shape;225;p1"/>
-          <p:cNvCxnSpPr/>
+          <p:cNvCxnSpPr>
+            <a:cxnSpLocks/>
+            <a:endCxn id="48" idx="2"/>
+          </p:cNvCxnSpPr>
           <p:nvPr/>
         </p:nvCxnSpPr>
         <p:spPr>
-          <a:xfrm rot="10800000">
-            <a:off x="11029615" y="868570"/>
-            <a:ext cx="0" cy="2904425"/>
+          <a:xfrm flipV="1">
+            <a:off x="10603410" y="1018689"/>
+            <a:ext cx="1" cy="1548361"/>
           </a:xfrm>
           <a:prstGeom prst="straightConnector1">
             <a:avLst/>
@@ -33131,34 +33015,6 @@
           <a:ln w="9525" cap="flat" cmpd="sng">
             <a:solidFill>
               <a:srgbClr val="0070C0"/>
-            </a:solidFill>
-            <a:prstDash val="solid"/>
-            <a:miter lim="800000"/>
-            <a:headEnd type="none" w="sm" len="sm"/>
-            <a:tailEnd type="triangle" w="med" len="med"/>
-          </a:ln>
-        </p:spPr>
-      </p:cxnSp>
-      <p:cxnSp>
-        <p:nvCxnSpPr>
-          <p:cNvPr id="226" name="Google Shape;226;p1"/>
-          <p:cNvCxnSpPr>
-            <a:stCxn id="209" idx="1"/>
-          </p:cNvCxnSpPr>
-          <p:nvPr/>
-        </p:nvCxnSpPr>
-        <p:spPr>
-          <a:xfrm flipH="1">
-            <a:off x="885715" y="868570"/>
-            <a:ext cx="1011600" cy="1774800"/>
-          </a:xfrm>
-          <a:prstGeom prst="bentConnector2">
-            <a:avLst/>
-          </a:prstGeom>
-          <a:noFill/>
-          <a:ln w="9525" cap="flat" cmpd="sng">
-            <a:solidFill>
-              <a:srgbClr val="FF0000"/>
             </a:solidFill>
             <a:prstDash val="solid"/>
             <a:miter lim="800000"/>
@@ -33233,88 +33089,18 @@
           </a:p>
         </p:txBody>
       </p:sp>
-      <p:sp>
-        <p:nvSpPr>
-          <p:cNvPr id="220" name="Google Shape;220;p1"/>
-          <p:cNvSpPr txBox="1"/>
-          <p:nvPr/>
-        </p:nvSpPr>
-        <p:spPr>
-          <a:xfrm>
-            <a:off x="7301425" y="642867"/>
-            <a:ext cx="869918" cy="276999"/>
-          </a:xfrm>
-          <a:prstGeom prst="rect">
-            <a:avLst/>
-          </a:prstGeom>
-          <a:noFill/>
-          <a:ln w="9525" cap="flat" cmpd="sng">
-            <a:solidFill>
-              <a:schemeClr val="dk1"/>
-            </a:solidFill>
-            <a:prstDash val="solid"/>
-            <a:round/>
-            <a:headEnd type="none" w="sm" len="sm"/>
-            <a:tailEnd type="none" w="sm" len="sm"/>
-          </a:ln>
-        </p:spPr>
-        <p:txBody>
-          <a:bodyPr spcFirstLastPara="1" wrap="square" lIns="91425" tIns="45700" rIns="91425" bIns="45700" anchor="t" anchorCtr="0">
-            <a:spAutoFit/>
-          </a:bodyPr>
-          <a:lstStyle/>
-          <a:p>
-            <a:pPr marL="0" marR="0" lvl="0" indent="0" algn="ctr" rtl="0">
-              <a:lnSpc>
-                <a:spcPct val="100000"/>
-              </a:lnSpc>
-              <a:spcBef>
-                <a:spcPts val="0"/>
-              </a:spcBef>
-              <a:spcAft>
-                <a:spcPts val="0"/>
-              </a:spcAft>
-              <a:buClr>
-                <a:srgbClr val="000000"/>
-              </a:buClr>
-              <a:buSzPts val="1200"/>
-              <a:buFont typeface="Arial"/>
-              <a:buNone/>
-            </a:pPr>
-            <a:r>
-              <a:rPr lang="en-US" sz="1200" b="0" i="0" u="none" strike="noStrike" cap="none">
-                <a:solidFill>
-                  <a:schemeClr val="dk1"/>
-                </a:solidFill>
-                <a:latin typeface="Calibri"/>
-                <a:ea typeface="Calibri"/>
-                <a:cs typeface="Calibri"/>
-                <a:sym typeface="Calibri"/>
-              </a:rPr>
-              <a:t>User query</a:t>
-            </a:r>
-            <a:endParaRPr sz="1400" b="0" i="0" u="none" strike="noStrike" cap="none">
-              <a:solidFill>
-                <a:srgbClr val="000000"/>
-              </a:solidFill>
-              <a:latin typeface="Arial"/>
-              <a:ea typeface="Arial"/>
-              <a:cs typeface="Arial"/>
-              <a:sym typeface="Arial"/>
-            </a:endParaRPr>
-          </a:p>
-        </p:txBody>
-      </p:sp>
       <p:cxnSp>
         <p:nvCxnSpPr>
           <p:cNvPr id="228" name="Google Shape;228;p1"/>
-          <p:cNvCxnSpPr/>
+          <p:cNvCxnSpPr>
+            <a:cxnSpLocks/>
+          </p:cNvCxnSpPr>
           <p:nvPr/>
         </p:nvCxnSpPr>
         <p:spPr>
           <a:xfrm>
-            <a:off x="9347994" y="4086129"/>
-            <a:ext cx="26067" cy="677354"/>
+            <a:off x="9347995" y="4174299"/>
+            <a:ext cx="1" cy="789166"/>
           </a:xfrm>
           <a:prstGeom prst="straightConnector1">
             <a:avLst/>
@@ -33339,8 +33125,8 @@
         </p:nvSpPr>
         <p:spPr>
           <a:xfrm>
-            <a:off x="7397910" y="2643248"/>
-            <a:ext cx="2220312" cy="1532768"/>
+            <a:off x="7297173" y="2571786"/>
+            <a:ext cx="2388928" cy="1602513"/>
           </a:xfrm>
           <a:prstGeom prst="roundRect">
             <a:avLst>
@@ -33382,7 +33168,7 @@
               <a:buNone/>
             </a:pPr>
             <a:r>
-              <a:rPr lang="en-US" sz="1200" b="1" i="0" u="sng" strike="noStrike" cap="none">
+              <a:rPr lang="en-US" sz="1200" b="1" i="0" u="sng" strike="noStrike" cap="none" dirty="0">
                 <a:solidFill>
                   <a:schemeClr val="dk1"/>
                 </a:solidFill>
@@ -33393,7 +33179,7 @@
               </a:rPr>
               <a:t>Vector Embeddings</a:t>
             </a:r>
-            <a:endParaRPr sz="1200" b="1" i="0" u="none" strike="noStrike" cap="none">
+            <a:endParaRPr sz="1200" b="1" i="0" u="none" strike="noStrike" cap="none" dirty="0">
               <a:solidFill>
                 <a:schemeClr val="dk1"/>
               </a:solidFill>
@@ -33421,7 +33207,7 @@
               <a:buFont typeface="Arial"/>
               <a:buNone/>
             </a:pPr>
-            <a:endParaRPr sz="1200" b="0" i="0" u="none" strike="noStrike" cap="none">
+            <a:endParaRPr sz="1200" b="0" i="0" u="none" strike="noStrike" cap="none" dirty="0">
               <a:solidFill>
                 <a:schemeClr val="dk1"/>
               </a:solidFill>
@@ -33450,7 +33236,7 @@
               <a:buNone/>
             </a:pPr>
             <a:r>
-              <a:rPr lang="en-US" sz="1200" b="0" i="0" u="none" strike="noStrike" cap="none">
+              <a:rPr lang="en-US" sz="1200" b="0" i="0" u="none" strike="noStrike" cap="none" dirty="0" err="1">
                 <a:solidFill>
                   <a:schemeClr val="dk1"/>
                 </a:solidFill>
@@ -33461,7 +33247,7 @@
               </a:rPr>
               <a:t>OpenAI</a:t>
             </a:r>
-            <a:endParaRPr sz="1200" b="0" i="0" u="none" strike="noStrike" cap="none">
+            <a:endParaRPr sz="1200" b="0" i="0" u="none" strike="noStrike" cap="none" dirty="0">
               <a:solidFill>
                 <a:schemeClr val="dk1"/>
               </a:solidFill>
@@ -33490,7 +33276,7 @@
               <a:buNone/>
             </a:pPr>
             <a:r>
-              <a:rPr lang="en-US" sz="1200" b="0" i="0" u="none" strike="noStrike" cap="none">
+              <a:rPr lang="en-US" sz="1200" b="0" i="0" u="none" strike="noStrike" cap="none" dirty="0" err="1">
                 <a:solidFill>
                   <a:schemeClr val="dk1"/>
                 </a:solidFill>
@@ -33501,7 +33287,7 @@
               </a:rPr>
               <a:t>HuggingFace</a:t>
             </a:r>
-            <a:endParaRPr sz="1200" b="0" i="0" u="none" strike="noStrike" cap="none">
+            <a:endParaRPr sz="1200" b="0" i="0" u="none" strike="noStrike" cap="none" dirty="0">
               <a:solidFill>
                 <a:schemeClr val="dk1"/>
               </a:solidFill>
@@ -33530,7 +33316,7 @@
               <a:buNone/>
             </a:pPr>
             <a:r>
-              <a:rPr lang="en-US" sz="1200" b="0" i="0" u="none" strike="noStrike" cap="none">
+              <a:rPr lang="en-US" sz="1200" b="0" i="0" u="none" strike="noStrike" cap="none" dirty="0">
                 <a:solidFill>
                   <a:schemeClr val="dk1"/>
                 </a:solidFill>
@@ -33541,7 +33327,7 @@
               </a:rPr>
               <a:t>…</a:t>
             </a:r>
-            <a:endParaRPr sz="1400" b="0" i="0" u="none" strike="noStrike" cap="none">
+            <a:endParaRPr sz="1400" b="0" i="0" u="none" strike="noStrike" cap="none" dirty="0">
               <a:solidFill>
                 <a:srgbClr val="000000"/>
               </a:solidFill>
@@ -33569,7 +33355,7 @@
               <a:buFont typeface="Arial"/>
               <a:buNone/>
             </a:pPr>
-            <a:endParaRPr sz="1200" b="0" i="0" u="sng" strike="noStrike" cap="none">
+            <a:endParaRPr sz="1200" b="0" i="0" u="sng" strike="noStrike" cap="none" dirty="0">
               <a:solidFill>
                 <a:schemeClr val="dk1"/>
               </a:solidFill>
@@ -33585,15 +33371,16 @@
         <p:nvCxnSpPr>
           <p:cNvPr id="230" name="Google Shape;230;p1"/>
           <p:cNvCxnSpPr>
-            <a:stCxn id="215" idx="2"/>
-            <a:endCxn id="231" idx="1"/>
+            <a:cxnSpLocks/>
+            <a:stCxn id="61" idx="2"/>
+            <a:endCxn id="46" idx="1"/>
           </p:cNvCxnSpPr>
           <p:nvPr/>
         </p:nvCxnSpPr>
         <p:spPr>
-          <a:xfrm rot="-5400000" flipH="1">
-            <a:off x="4080635" y="4605533"/>
-            <a:ext cx="1356600" cy="1672500"/>
+          <a:xfrm rot="16200000" flipH="1">
+            <a:off x="4127075" y="4432468"/>
+            <a:ext cx="1411774" cy="2015589"/>
           </a:xfrm>
           <a:prstGeom prst="bentConnector2">
             <a:avLst/>
@@ -33618,8 +33405,8 @@
         </p:nvSpPr>
         <p:spPr>
           <a:xfrm>
-            <a:off x="6625777" y="1204656"/>
-            <a:ext cx="1171318" cy="461665"/>
+            <a:off x="7757802" y="1269025"/>
+            <a:ext cx="1364750" cy="461624"/>
           </a:xfrm>
           <a:prstGeom prst="rect">
             <a:avLst/>
@@ -33653,7 +33440,7 @@
               <a:buNone/>
             </a:pPr>
             <a:r>
-              <a:rPr lang="en-US" sz="1200" b="0" i="0" u="none" strike="noStrike" cap="none">
+              <a:rPr lang="en-US" sz="1200" b="0" i="0" u="none" strike="noStrike" cap="none" dirty="0">
                 <a:solidFill>
                   <a:srgbClr val="00B050"/>
                 </a:solidFill>
@@ -33664,7 +33451,7 @@
               </a:rPr>
               <a:t>3a) Convert query to vector</a:t>
             </a:r>
-            <a:endParaRPr sz="1400" b="0" i="0" u="none" strike="noStrike" cap="none">
+            <a:endParaRPr sz="1400" b="0" i="0" u="none" strike="noStrike" cap="none" dirty="0">
               <a:solidFill>
                 <a:srgbClr val="000000"/>
               </a:solidFill>
@@ -33684,8 +33471,8 @@
         </p:nvSpPr>
         <p:spPr>
           <a:xfrm>
-            <a:off x="10981270" y="1234035"/>
-            <a:ext cx="1071108" cy="461665"/>
+            <a:off x="10613664" y="1359245"/>
+            <a:ext cx="1364749" cy="276959"/>
           </a:xfrm>
           <a:prstGeom prst="rect">
             <a:avLst/>
@@ -33719,7 +33506,7 @@
               <a:buNone/>
             </a:pPr>
             <a:r>
-              <a:rPr lang="en-US" sz="1200" b="0" i="0" u="none" strike="noStrike" cap="none">
+              <a:rPr lang="en-US" sz="1200" b="0" i="0" u="none" strike="noStrike" cap="none" dirty="0">
                 <a:solidFill>
                   <a:srgbClr val="0070C0"/>
                 </a:solidFill>
@@ -33731,7 +33518,7 @@
               <a:t>3d) </a:t>
             </a:r>
             <a:r>
-              <a:rPr lang="en-US" sz="1200">
+              <a:rPr lang="en-US" sz="1200" dirty="0">
                 <a:solidFill>
                   <a:srgbClr val="0070C0"/>
                 </a:solidFill>
@@ -33743,7 +33530,7 @@
               <a:t>Return</a:t>
             </a:r>
             <a:r>
-              <a:rPr lang="en-US" sz="1200" b="0" i="0" u="none" strike="noStrike" cap="none">
+              <a:rPr lang="en-US" sz="1200" b="0" i="0" u="none" strike="noStrike" cap="none" dirty="0">
                 <a:solidFill>
                   <a:srgbClr val="0070C0"/>
                 </a:solidFill>
@@ -33754,7 +33541,271 @@
               </a:rPr>
               <a:t> Answer</a:t>
             </a:r>
-            <a:endParaRPr sz="1400" b="0" i="0" u="none" strike="noStrike" cap="none">
+            <a:endParaRPr sz="1400" b="0" i="0" u="none" strike="noStrike" cap="none" dirty="0">
+              <a:solidFill>
+                <a:srgbClr val="000000"/>
+              </a:solidFill>
+              <a:latin typeface="Arial"/>
+              <a:ea typeface="Arial"/>
+              <a:cs typeface="Arial"/>
+              <a:sym typeface="Arial"/>
+            </a:endParaRPr>
+          </a:p>
+        </p:txBody>
+      </p:sp>
+      <p:cxnSp>
+        <p:nvCxnSpPr>
+          <p:cNvPr id="6" name="Elbow Connector 5">
+            <a:extLst>
+              <a:ext uri="{FF2B5EF4-FFF2-40B4-BE49-F238E27FC236}">
+                <a16:creationId xmlns:a16="http://schemas.microsoft.com/office/drawing/2014/main" id="{2CBF2BE3-BB12-B24B-B2BF-55392C19D7AE}"/>
+              </a:ext>
+            </a:extLst>
+          </p:cNvPr>
+          <p:cNvCxnSpPr>
+            <a:cxnSpLocks/>
+            <a:stCxn id="209" idx="1"/>
+          </p:cNvCxnSpPr>
+          <p:nvPr/>
+        </p:nvCxnSpPr>
+        <p:spPr>
+          <a:xfrm rot="10800000" flipV="1">
+            <a:off x="308105" y="868569"/>
+            <a:ext cx="1589210" cy="3725291"/>
+          </a:xfrm>
+          <a:prstGeom prst="bentConnector2">
+            <a:avLst/>
+          </a:prstGeom>
+          <a:ln>
+            <a:solidFill>
+              <a:srgbClr val="FF0000"/>
+            </a:solidFill>
+          </a:ln>
+        </p:spPr>
+        <p:style>
+          <a:lnRef idx="1">
+            <a:schemeClr val="accent1"/>
+          </a:lnRef>
+          <a:fillRef idx="0">
+            <a:schemeClr val="accent1"/>
+          </a:fillRef>
+          <a:effectRef idx="0">
+            <a:schemeClr val="accent1"/>
+          </a:effectRef>
+          <a:fontRef idx="minor">
+            <a:schemeClr val="tx1"/>
+          </a:fontRef>
+        </p:style>
+      </p:cxnSp>
+      <p:sp>
+        <p:nvSpPr>
+          <p:cNvPr id="44" name="Google Shape;289;p2">
+            <a:extLst>
+              <a:ext uri="{FF2B5EF4-FFF2-40B4-BE49-F238E27FC236}">
+                <a16:creationId xmlns:a16="http://schemas.microsoft.com/office/drawing/2014/main" id="{C284D277-2BED-CB40-BCC5-106B71E0A648}"/>
+              </a:ext>
+            </a:extLst>
+          </p:cNvPr>
+          <p:cNvSpPr/>
+          <p:nvPr/>
+        </p:nvSpPr>
+        <p:spPr>
+          <a:xfrm>
+            <a:off x="7451657" y="3829740"/>
+            <a:ext cx="2076906" cy="260547"/>
+          </a:xfrm>
+          <a:prstGeom prst="roundRect">
+            <a:avLst>
+              <a:gd name="adj" fmla="val 16667"/>
+            </a:avLst>
+          </a:prstGeom>
+          <a:noFill/>
+          <a:ln w="12700" cap="flat" cmpd="sng">
+            <a:solidFill>
+              <a:srgbClr val="31538F"/>
+            </a:solidFill>
+            <a:prstDash val="solid"/>
+            <a:miter lim="800000"/>
+            <a:headEnd type="none" w="sm" len="sm"/>
+            <a:tailEnd type="none" w="sm" len="sm"/>
+          </a:ln>
+        </p:spPr>
+        <p:txBody>
+          <a:bodyPr spcFirstLastPara="1" wrap="square" lIns="91425" tIns="45700" rIns="91425" bIns="45700" anchor="t" anchorCtr="0">
+            <a:noAutofit/>
+          </a:bodyPr>
+          <a:lstStyle/>
+          <a:p>
+            <a:pPr lvl="0" algn="ctr">
+              <a:buSzPts val="1000"/>
+            </a:pPr>
+            <a:r>
+              <a:rPr lang="en-US" sz="1000" dirty="0">
+                <a:solidFill>
+                  <a:schemeClr val="dk1"/>
+                </a:solidFill>
+                <a:latin typeface="Calibri"/>
+                <a:ea typeface="Calibri"/>
+                <a:cs typeface="Calibri"/>
+                <a:sym typeface="Calibri"/>
+              </a:rPr>
+              <a:t>Vector representation of user query</a:t>
+            </a:r>
+            <a:endParaRPr lang="en-US" dirty="0"/>
+          </a:p>
+        </p:txBody>
+      </p:sp>
+      <p:sp>
+        <p:nvSpPr>
+          <p:cNvPr id="45" name="Google Shape;289;p2">
+            <a:extLst>
+              <a:ext uri="{FF2B5EF4-FFF2-40B4-BE49-F238E27FC236}">
+                <a16:creationId xmlns:a16="http://schemas.microsoft.com/office/drawing/2014/main" id="{0A0295DA-63FA-9940-A53C-03B634337CD1}"/>
+              </a:ext>
+            </a:extLst>
+          </p:cNvPr>
+          <p:cNvSpPr/>
+          <p:nvPr/>
+        </p:nvSpPr>
+        <p:spPr>
+          <a:xfrm>
+            <a:off x="9862334" y="3832121"/>
+            <a:ext cx="1680928" cy="260547"/>
+          </a:xfrm>
+          <a:prstGeom prst="roundRect">
+            <a:avLst>
+              <a:gd name="adj" fmla="val 16667"/>
+            </a:avLst>
+          </a:prstGeom>
+          <a:noFill/>
+          <a:ln w="12700" cap="flat" cmpd="sng">
+            <a:solidFill>
+              <a:srgbClr val="31538F"/>
+            </a:solidFill>
+            <a:prstDash val="solid"/>
+            <a:miter lim="800000"/>
+            <a:headEnd type="none" w="sm" len="sm"/>
+            <a:tailEnd type="none" w="sm" len="sm"/>
+          </a:ln>
+        </p:spPr>
+        <p:txBody>
+          <a:bodyPr spcFirstLastPara="1" wrap="square" lIns="91425" tIns="45700" rIns="91425" bIns="45700" anchor="t" anchorCtr="0">
+            <a:noAutofit/>
+          </a:bodyPr>
+          <a:lstStyle/>
+          <a:p>
+            <a:pPr lvl="0" algn="ctr">
+              <a:buSzPts val="1000"/>
+            </a:pPr>
+            <a:r>
+              <a:rPr lang="en-US" sz="1000" dirty="0">
+                <a:solidFill>
+                  <a:schemeClr val="dk1"/>
+                </a:solidFill>
+                <a:latin typeface="Calibri"/>
+                <a:ea typeface="Calibri"/>
+                <a:cs typeface="Calibri"/>
+                <a:sym typeface="Calibri"/>
+              </a:rPr>
+              <a:t>User query and top </a:t>
+            </a:r>
+            <a:r>
+              <a:rPr lang="en-US" sz="1000" i="1" dirty="0">
+                <a:solidFill>
+                  <a:schemeClr val="dk1"/>
+                </a:solidFill>
+                <a:latin typeface="Calibri"/>
+                <a:ea typeface="Calibri"/>
+                <a:cs typeface="Calibri"/>
+                <a:sym typeface="Calibri"/>
+              </a:rPr>
+              <a:t>n</a:t>
+            </a:r>
+            <a:r>
+              <a:rPr lang="en-US" sz="1000" dirty="0">
+                <a:solidFill>
+                  <a:schemeClr val="dk1"/>
+                </a:solidFill>
+                <a:latin typeface="Calibri"/>
+                <a:ea typeface="Calibri"/>
+                <a:cs typeface="Calibri"/>
+                <a:sym typeface="Calibri"/>
+              </a:rPr>
+              <a:t> results</a:t>
+            </a:r>
+            <a:endParaRPr lang="en-US" dirty="0"/>
+          </a:p>
+        </p:txBody>
+      </p:sp>
+      <p:sp>
+        <p:nvSpPr>
+          <p:cNvPr id="46" name="Google Shape;272;p2">
+            <a:extLst>
+              <a:ext uri="{FF2B5EF4-FFF2-40B4-BE49-F238E27FC236}">
+                <a16:creationId xmlns:a16="http://schemas.microsoft.com/office/drawing/2014/main" id="{C2C34691-EBCE-EB4D-8C09-CAF2D7290EC4}"/>
+              </a:ext>
+            </a:extLst>
+          </p:cNvPr>
+          <p:cNvSpPr/>
+          <p:nvPr/>
+        </p:nvSpPr>
+        <p:spPr>
+          <a:xfrm>
+            <a:off x="5840757" y="6020521"/>
+            <a:ext cx="1945727" cy="251258"/>
+          </a:xfrm>
+          <a:prstGeom prst="roundRect">
+            <a:avLst>
+              <a:gd name="adj" fmla="val 16667"/>
+            </a:avLst>
+          </a:prstGeom>
+          <a:noFill/>
+          <a:ln w="12700" cap="flat" cmpd="sng">
+            <a:solidFill>
+              <a:srgbClr val="31538F"/>
+            </a:solidFill>
+            <a:prstDash val="solid"/>
+            <a:miter lim="800000"/>
+            <a:headEnd type="none" w="sm" len="sm"/>
+            <a:tailEnd type="none" w="sm" len="sm"/>
+          </a:ln>
+        </p:spPr>
+        <p:txBody>
+          <a:bodyPr spcFirstLastPara="1" wrap="square" lIns="91425" tIns="45700" rIns="91425" bIns="45700" anchor="t" anchorCtr="0">
+            <a:noAutofit/>
+          </a:bodyPr>
+          <a:lstStyle/>
+          <a:p>
+            <a:pPr marL="0" marR="0" lvl="0" indent="0" algn="ctr" rtl="0">
+              <a:lnSpc>
+                <a:spcPct val="100000"/>
+              </a:lnSpc>
+              <a:spcBef>
+                <a:spcPts val="0"/>
+              </a:spcBef>
+              <a:spcAft>
+                <a:spcPts val="0"/>
+              </a:spcAft>
+              <a:buClr>
+                <a:srgbClr val="000000"/>
+              </a:buClr>
+              <a:buSzPts val="1000"/>
+              <a:buFont typeface="Arial"/>
+              <a:buNone/>
+            </a:pPr>
+            <a:r>
+              <a:rPr lang="en-US" sz="1000" b="0" i="0" u="none" strike="noStrike" cap="none" dirty="0">
+                <a:solidFill>
+                  <a:schemeClr val="dk1"/>
+                </a:solidFill>
+                <a:latin typeface="Calibri"/>
+                <a:ea typeface="Calibri"/>
+                <a:cs typeface="Calibri"/>
+                <a:sym typeface="Calibri"/>
+              </a:rPr>
+              <a:t>Vector representations of chunks</a:t>
+            </a:r>
+            <a:endParaRPr sz="1400" b="0" i="0" u="none" strike="noStrike" cap="none" dirty="0">
               <a:solidFill>
                 <a:srgbClr val="000000"/>
               </a:solidFill>
@@ -33768,54 +33819,48 @@
       </p:sp>
       <p:sp>
         <p:nvSpPr>
-          <p:cNvPr id="234" name="Google Shape;234;p1"/>
-          <p:cNvSpPr txBox="1"/>
+          <p:cNvPr id="47" name="Google Shape;289;p2">
+            <a:extLst>
+              <a:ext uri="{FF2B5EF4-FFF2-40B4-BE49-F238E27FC236}">
+                <a16:creationId xmlns:a16="http://schemas.microsoft.com/office/drawing/2014/main" id="{8F189E33-DF65-0246-8970-4C4AF7E58085}"/>
+              </a:ext>
+            </a:extLst>
+          </p:cNvPr>
+          <p:cNvSpPr/>
           <p:nvPr/>
         </p:nvSpPr>
         <p:spPr>
           <a:xfrm>
-            <a:off x="896789" y="4480566"/>
-            <a:ext cx="434734" cy="246221"/>
+            <a:off x="7297173" y="729669"/>
+            <a:ext cx="900751" cy="277799"/>
           </a:xfrm>
-          <a:prstGeom prst="rect">
-            <a:avLst/>
+          <a:prstGeom prst="roundRect">
+            <a:avLst>
+              <a:gd name="adj" fmla="val 16667"/>
+            </a:avLst>
           </a:prstGeom>
           <a:noFill/>
-          <a:ln w="9525" cap="flat" cmpd="sng">
+          <a:ln w="12700" cap="flat" cmpd="sng">
             <a:solidFill>
-              <a:schemeClr val="dk1"/>
+              <a:srgbClr val="31538F"/>
             </a:solidFill>
             <a:prstDash val="solid"/>
-            <a:round/>
+            <a:miter lim="800000"/>
             <a:headEnd type="none" w="sm" len="sm"/>
             <a:tailEnd type="none" w="sm" len="sm"/>
           </a:ln>
         </p:spPr>
         <p:txBody>
           <a:bodyPr spcFirstLastPara="1" wrap="square" lIns="91425" tIns="45700" rIns="91425" bIns="45700" anchor="t" anchorCtr="0">
-            <a:spAutoFit/>
+            <a:noAutofit/>
           </a:bodyPr>
           <a:lstStyle/>
           <a:p>
-            <a:pPr marL="0" marR="0" lvl="0" indent="0" algn="ctr" rtl="0">
-              <a:lnSpc>
-                <a:spcPct val="100000"/>
-              </a:lnSpc>
-              <a:spcBef>
-                <a:spcPts val="0"/>
-              </a:spcBef>
-              <a:spcAft>
-                <a:spcPts val="0"/>
-              </a:spcAft>
-              <a:buClr>
-                <a:srgbClr val="000000"/>
-              </a:buClr>
-              <a:buSzPts val="1000"/>
-              <a:buFont typeface="Arial"/>
-              <a:buNone/>
+            <a:pPr algn="ctr">
+              <a:buSzPts val="1200"/>
             </a:pPr>
             <a:r>
-              <a:rPr lang="en-US" sz="1000" b="0" i="0" u="none" strike="noStrike" cap="none">
+              <a:rPr lang="en-US" sz="1200" dirty="0">
                 <a:solidFill>
                   <a:schemeClr val="dk1"/>
                 </a:solidFill>
@@ -33824,70 +33869,62 @@
                 <a:cs typeface="Calibri"/>
                 <a:sym typeface="Calibri"/>
               </a:rPr>
-              <a:t>Docs</a:t>
+              <a:t>User query</a:t>
             </a:r>
-            <a:endParaRPr sz="1400" b="0" i="0" u="none" strike="noStrike" cap="none">
-              <a:solidFill>
-                <a:srgbClr val="000000"/>
-              </a:solidFill>
-              <a:latin typeface="Arial"/>
-              <a:ea typeface="Arial"/>
-              <a:cs typeface="Arial"/>
-              <a:sym typeface="Arial"/>
-            </a:endParaRPr>
+            <a:endParaRPr lang="en-US" dirty="0"/>
+          </a:p>
+          <a:p>
+            <a:pPr lvl="0" algn="ctr">
+              <a:buSzPts val="1200"/>
+            </a:pPr>
+            <a:endParaRPr lang="en-US" sz="1200" dirty="0"/>
           </a:p>
         </p:txBody>
       </p:sp>
       <p:sp>
         <p:nvSpPr>
-          <p:cNvPr id="235" name="Google Shape;235;p1"/>
-          <p:cNvSpPr txBox="1"/>
+          <p:cNvPr id="48" name="Google Shape;289;p2">
+            <a:extLst>
+              <a:ext uri="{FF2B5EF4-FFF2-40B4-BE49-F238E27FC236}">
+                <a16:creationId xmlns:a16="http://schemas.microsoft.com/office/drawing/2014/main" id="{04F2D799-E769-4B48-AF2D-F8E4430F5560}"/>
+              </a:ext>
+            </a:extLst>
+          </p:cNvPr>
+          <p:cNvSpPr/>
           <p:nvPr/>
         </p:nvSpPr>
         <p:spPr>
           <a:xfrm>
-            <a:off x="3463553" y="4450635"/>
-            <a:ext cx="923651" cy="246221"/>
+            <a:off x="10241676" y="743721"/>
+            <a:ext cx="723469" cy="274968"/>
           </a:xfrm>
-          <a:prstGeom prst="rect">
-            <a:avLst/>
+          <a:prstGeom prst="roundRect">
+            <a:avLst>
+              <a:gd name="adj" fmla="val 16667"/>
+            </a:avLst>
           </a:prstGeom>
           <a:noFill/>
-          <a:ln w="9525" cap="flat" cmpd="sng">
+          <a:ln w="12700" cap="flat" cmpd="sng">
             <a:solidFill>
-              <a:schemeClr val="dk1"/>
+              <a:srgbClr val="31538F"/>
             </a:solidFill>
             <a:prstDash val="solid"/>
-            <a:round/>
+            <a:miter lim="800000"/>
             <a:headEnd type="none" w="sm" len="sm"/>
             <a:tailEnd type="none" w="sm" len="sm"/>
           </a:ln>
         </p:spPr>
         <p:txBody>
           <a:bodyPr spcFirstLastPara="1" wrap="square" lIns="91425" tIns="45700" rIns="91425" bIns="45700" anchor="t" anchorCtr="0">
-            <a:spAutoFit/>
+            <a:noAutofit/>
           </a:bodyPr>
           <a:lstStyle/>
           <a:p>
-            <a:pPr marL="0" marR="0" lvl="0" indent="0" algn="ctr" rtl="0">
-              <a:lnSpc>
-                <a:spcPct val="100000"/>
-              </a:lnSpc>
-              <a:spcBef>
-                <a:spcPts val="0"/>
-              </a:spcBef>
-              <a:spcAft>
-                <a:spcPts val="0"/>
-              </a:spcAft>
-              <a:buClr>
-                <a:srgbClr val="000000"/>
-              </a:buClr>
-              <a:buSzPts val="1000"/>
-              <a:buFont typeface="Arial"/>
-              <a:buNone/>
+            <a:pPr lvl="0" algn="ctr">
+              <a:buSzPts val="1200"/>
             </a:pPr>
             <a:r>
-              <a:rPr lang="en-US" sz="1000" b="0" i="0" u="none" strike="noStrike" cap="none">
+              <a:rPr lang="en-US" sz="1200" dirty="0">
                 <a:solidFill>
                   <a:schemeClr val="dk1"/>
                 </a:solidFill>
@@ -33896,70 +33933,98 @@
                 <a:cs typeface="Calibri"/>
                 <a:sym typeface="Calibri"/>
               </a:rPr>
-              <a:t>Chunked Docs</a:t>
+              <a:t>Answer</a:t>
             </a:r>
-            <a:endParaRPr sz="1400" b="0" i="0" u="none" strike="noStrike" cap="none">
-              <a:solidFill>
-                <a:srgbClr val="000000"/>
-              </a:solidFill>
-              <a:latin typeface="Arial"/>
-              <a:ea typeface="Arial"/>
-              <a:cs typeface="Arial"/>
-              <a:sym typeface="Arial"/>
-            </a:endParaRPr>
+            <a:endParaRPr lang="en-US" sz="1200" dirty="0"/>
           </a:p>
         </p:txBody>
       </p:sp>
+      <p:cxnSp>
+        <p:nvCxnSpPr>
+          <p:cNvPr id="17" name="Straight Arrow Connector 16">
+            <a:extLst>
+              <a:ext uri="{FF2B5EF4-FFF2-40B4-BE49-F238E27FC236}">
+                <a16:creationId xmlns:a16="http://schemas.microsoft.com/office/drawing/2014/main" id="{C66AB981-17E7-1F4E-996E-39B603D1E8D6}"/>
+              </a:ext>
+            </a:extLst>
+          </p:cNvPr>
+          <p:cNvCxnSpPr>
+            <a:cxnSpLocks/>
+          </p:cNvCxnSpPr>
+          <p:nvPr/>
+        </p:nvCxnSpPr>
+        <p:spPr>
+          <a:xfrm flipV="1">
+            <a:off x="307472" y="4599515"/>
+            <a:ext cx="964201" cy="1467"/>
+          </a:xfrm>
+          <a:prstGeom prst="straightConnector1">
+            <a:avLst/>
+          </a:prstGeom>
+          <a:ln>
+            <a:solidFill>
+              <a:srgbClr val="FF0000"/>
+            </a:solidFill>
+            <a:tailEnd type="triangle"/>
+          </a:ln>
+        </p:spPr>
+        <p:style>
+          <a:lnRef idx="1">
+            <a:schemeClr val="accent1"/>
+          </a:lnRef>
+          <a:fillRef idx="0">
+            <a:schemeClr val="accent1"/>
+          </a:fillRef>
+          <a:effectRef idx="0">
+            <a:schemeClr val="accent1"/>
+          </a:effectRef>
+          <a:fontRef idx="minor">
+            <a:schemeClr val="tx1"/>
+          </a:fontRef>
+        </p:style>
+      </p:cxnSp>
       <p:sp>
         <p:nvSpPr>
-          <p:cNvPr id="231" name="Google Shape;231;p1"/>
-          <p:cNvSpPr txBox="1"/>
+          <p:cNvPr id="61" name="Google Shape;289;p2">
+            <a:extLst>
+              <a:ext uri="{FF2B5EF4-FFF2-40B4-BE49-F238E27FC236}">
+                <a16:creationId xmlns:a16="http://schemas.microsoft.com/office/drawing/2014/main" id="{65C32C44-F571-0847-A508-C7ECF26F8C6A}"/>
+              </a:ext>
+            </a:extLst>
+          </p:cNvPr>
+          <p:cNvSpPr/>
           <p:nvPr/>
         </p:nvSpPr>
         <p:spPr>
           <a:xfrm>
-            <a:off x="5595118" y="5996874"/>
-            <a:ext cx="1967415" cy="246221"/>
+            <a:off x="3344589" y="4469742"/>
+            <a:ext cx="961157" cy="264634"/>
           </a:xfrm>
-          <a:prstGeom prst="rect">
-            <a:avLst/>
+          <a:prstGeom prst="roundRect">
+            <a:avLst>
+              <a:gd name="adj" fmla="val 16667"/>
+            </a:avLst>
           </a:prstGeom>
           <a:noFill/>
-          <a:ln w="9525" cap="flat" cmpd="sng">
+          <a:ln w="12700" cap="flat" cmpd="sng">
             <a:solidFill>
-              <a:schemeClr val="dk1"/>
+              <a:srgbClr val="31538F"/>
             </a:solidFill>
             <a:prstDash val="solid"/>
-            <a:round/>
+            <a:miter lim="800000"/>
             <a:headEnd type="none" w="sm" len="sm"/>
             <a:tailEnd type="none" w="sm" len="sm"/>
           </a:ln>
         </p:spPr>
         <p:txBody>
           <a:bodyPr spcFirstLastPara="1" wrap="square" lIns="91425" tIns="45700" rIns="91425" bIns="45700" anchor="t" anchorCtr="0">
-            <a:spAutoFit/>
+            <a:noAutofit/>
           </a:bodyPr>
           <a:lstStyle/>
           <a:p>
-            <a:pPr marL="0" marR="0" lvl="0" indent="0" algn="ctr" rtl="0">
-              <a:lnSpc>
-                <a:spcPct val="100000"/>
-              </a:lnSpc>
-              <a:spcBef>
-                <a:spcPts val="0"/>
-              </a:spcBef>
-              <a:spcAft>
-                <a:spcPts val="0"/>
-              </a:spcAft>
-              <a:buClr>
-                <a:srgbClr val="000000"/>
-              </a:buClr>
-              <a:buSzPts val="1000"/>
-              <a:buFont typeface="Arial"/>
-              <a:buNone/>
-            </a:pPr>
+            <a:pPr algn="ctr"/>
             <a:r>
-              <a:rPr lang="en-US" sz="1000" b="0" i="0" u="none" strike="noStrike" cap="none">
+              <a:rPr lang="en-US" sz="1000" dirty="0">
                 <a:solidFill>
                   <a:schemeClr val="dk1"/>
                 </a:solidFill>
@@ -33968,128 +34033,52 @@
                 <a:cs typeface="Calibri"/>
                 <a:sym typeface="Calibri"/>
               </a:rPr>
-              <a:t>Vector </a:t>
+              <a:t>Chunked Docs</a:t>
             </a:r>
-            <a:r>
-              <a:rPr lang="en-US" sz="1000">
-                <a:solidFill>
-                  <a:schemeClr val="dk1"/>
-                </a:solidFill>
-                <a:latin typeface="Calibri"/>
-                <a:ea typeface="Calibri"/>
-                <a:cs typeface="Calibri"/>
-                <a:sym typeface="Calibri"/>
-              </a:rPr>
-              <a:t>r</a:t>
-            </a:r>
-            <a:r>
-              <a:rPr lang="en-US" sz="1000" b="0" i="0" u="none" strike="noStrike" cap="none">
-                <a:solidFill>
-                  <a:schemeClr val="dk1"/>
-                </a:solidFill>
-                <a:latin typeface="Calibri"/>
-                <a:ea typeface="Calibri"/>
-                <a:cs typeface="Calibri"/>
-                <a:sym typeface="Calibri"/>
-              </a:rPr>
-              <a:t>epresentations of </a:t>
-            </a:r>
-            <a:r>
-              <a:rPr lang="en-US" sz="1000">
-                <a:solidFill>
-                  <a:schemeClr val="dk1"/>
-                </a:solidFill>
-                <a:latin typeface="Calibri"/>
-                <a:ea typeface="Calibri"/>
-                <a:cs typeface="Calibri"/>
-                <a:sym typeface="Calibri"/>
-              </a:rPr>
-              <a:t>c</a:t>
-            </a:r>
-            <a:r>
-              <a:rPr lang="en-US" sz="1000" b="0" i="0" u="none" strike="noStrike" cap="none">
-                <a:solidFill>
-                  <a:schemeClr val="dk1"/>
-                </a:solidFill>
-                <a:latin typeface="Calibri"/>
-                <a:ea typeface="Calibri"/>
-                <a:cs typeface="Calibri"/>
-                <a:sym typeface="Calibri"/>
-              </a:rPr>
-              <a:t>hunks</a:t>
-            </a:r>
-            <a:endParaRPr sz="1400" b="0" i="0" u="none" strike="noStrike" cap="none">
-              <a:solidFill>
-                <a:srgbClr val="000000"/>
-              </a:solidFill>
-              <a:latin typeface="Arial"/>
-              <a:ea typeface="Arial"/>
-              <a:cs typeface="Arial"/>
-              <a:sym typeface="Arial"/>
-            </a:endParaRPr>
+            <a:endParaRPr lang="en-US" sz="1000" dirty="0"/>
           </a:p>
         </p:txBody>
       </p:sp>
       <p:sp>
         <p:nvSpPr>
-          <p:cNvPr id="236" name="Google Shape;236;p1"/>
-          <p:cNvSpPr txBox="1"/>
+          <p:cNvPr id="62" name="Google Shape;289;p2">
+            <a:extLst>
+              <a:ext uri="{FF2B5EF4-FFF2-40B4-BE49-F238E27FC236}">
+                <a16:creationId xmlns:a16="http://schemas.microsoft.com/office/drawing/2014/main" id="{FA6DCD5F-5549-5546-8B74-84C79ED9388D}"/>
+              </a:ext>
+            </a:extLst>
+          </p:cNvPr>
+          <p:cNvSpPr/>
           <p:nvPr/>
         </p:nvSpPr>
         <p:spPr>
           <a:xfrm>
-            <a:off x="7481145" y="3791732"/>
-            <a:ext cx="2053842" cy="246181"/>
+            <a:off x="1272680" y="4462482"/>
+            <a:ext cx="459383" cy="264634"/>
           </a:xfrm>
-          <a:prstGeom prst="rect">
-            <a:avLst/>
+          <a:prstGeom prst="roundRect">
+            <a:avLst>
+              <a:gd name="adj" fmla="val 16667"/>
+            </a:avLst>
           </a:prstGeom>
           <a:noFill/>
-          <a:ln w="9525" cap="flat" cmpd="sng">
+          <a:ln w="12700" cap="flat" cmpd="sng">
             <a:solidFill>
-              <a:schemeClr val="dk1"/>
+              <a:srgbClr val="31538F"/>
             </a:solidFill>
             <a:prstDash val="solid"/>
-            <a:round/>
+            <a:miter lim="800000"/>
             <a:headEnd type="none" w="sm" len="sm"/>
             <a:tailEnd type="none" w="sm" len="sm"/>
           </a:ln>
         </p:spPr>
         <p:txBody>
           <a:bodyPr spcFirstLastPara="1" wrap="square" lIns="91425" tIns="45700" rIns="91425" bIns="45700" anchor="t" anchorCtr="0">
-            <a:spAutoFit/>
+            <a:noAutofit/>
           </a:bodyPr>
           <a:lstStyle/>
           <a:p>
-            <a:pPr marL="0" marR="0" lvl="0" indent="0" algn="ctr" rtl="0">
-              <a:lnSpc>
-                <a:spcPct val="100000"/>
-              </a:lnSpc>
-              <a:spcBef>
-                <a:spcPts val="0"/>
-              </a:spcBef>
-              <a:spcAft>
-                <a:spcPts val="0"/>
-              </a:spcAft>
-              <a:buClr>
-                <a:srgbClr val="000000"/>
-              </a:buClr>
-              <a:buSzPts val="1000"/>
-              <a:buFont typeface="Arial"/>
-              <a:buNone/>
-            </a:pPr>
-            <a:r>
-              <a:rPr lang="en-US" sz="1000" b="0" i="0" u="none" strike="noStrike" cap="none" dirty="0">
-                <a:solidFill>
-                  <a:schemeClr val="dk1"/>
-                </a:solidFill>
-                <a:latin typeface="Calibri"/>
-                <a:ea typeface="Calibri"/>
-                <a:cs typeface="Calibri"/>
-                <a:sym typeface="Calibri"/>
-              </a:rPr>
-              <a:t>Vector </a:t>
-            </a:r>
+            <a:pPr algn="ctr"/>
             <a:r>
               <a:rPr lang="en-US" sz="1000" dirty="0">
                 <a:solidFill>
@@ -34100,149 +34089,9 @@
                 <a:cs typeface="Calibri"/>
                 <a:sym typeface="Calibri"/>
               </a:rPr>
-              <a:t>r</a:t>
+              <a:t>Docs</a:t>
             </a:r>
-            <a:r>
-              <a:rPr lang="en-US" sz="1000" b="0" i="0" u="none" strike="noStrike" cap="none" dirty="0">
-                <a:solidFill>
-                  <a:schemeClr val="dk1"/>
-                </a:solidFill>
-                <a:latin typeface="Calibri"/>
-                <a:ea typeface="Calibri"/>
-                <a:cs typeface="Calibri"/>
-                <a:sym typeface="Calibri"/>
-              </a:rPr>
-              <a:t>epresentation of user query</a:t>
-            </a:r>
-            <a:endParaRPr sz="1400" b="0" i="0" u="none" strike="noStrike" cap="none" dirty="0">
-              <a:solidFill>
-                <a:srgbClr val="000000"/>
-              </a:solidFill>
-              <a:latin typeface="Arial"/>
-              <a:ea typeface="Arial"/>
-              <a:cs typeface="Arial"/>
-              <a:sym typeface="Arial"/>
-            </a:endParaRPr>
-          </a:p>
-        </p:txBody>
-      </p:sp>
-      <p:sp>
-        <p:nvSpPr>
-          <p:cNvPr id="237" name="Google Shape;237;p1"/>
-          <p:cNvSpPr txBox="1"/>
-          <p:nvPr/>
-        </p:nvSpPr>
-        <p:spPr>
-          <a:xfrm>
-            <a:off x="9829271" y="3801319"/>
-            <a:ext cx="1665299" cy="246181"/>
-          </a:xfrm>
-          <a:prstGeom prst="rect">
-            <a:avLst/>
-          </a:prstGeom>
-          <a:noFill/>
-          <a:ln w="9525" cap="flat" cmpd="sng">
-            <a:solidFill>
-              <a:schemeClr val="dk1"/>
-            </a:solidFill>
-            <a:prstDash val="solid"/>
-            <a:round/>
-            <a:headEnd type="none" w="sm" len="sm"/>
-            <a:tailEnd type="none" w="sm" len="sm"/>
-          </a:ln>
-        </p:spPr>
-        <p:txBody>
-          <a:bodyPr spcFirstLastPara="1" wrap="square" lIns="91425" tIns="45700" rIns="91425" bIns="45700" anchor="t" anchorCtr="0">
-            <a:spAutoFit/>
-          </a:bodyPr>
-          <a:lstStyle/>
-          <a:p>
-            <a:pPr marL="0" marR="0" lvl="0" indent="0" algn="ctr" rtl="0">
-              <a:lnSpc>
-                <a:spcPct val="100000"/>
-              </a:lnSpc>
-              <a:spcBef>
-                <a:spcPts val="0"/>
-              </a:spcBef>
-              <a:spcAft>
-                <a:spcPts val="0"/>
-              </a:spcAft>
-              <a:buClr>
-                <a:srgbClr val="000000"/>
-              </a:buClr>
-              <a:buSzPts val="1000"/>
-              <a:buFont typeface="Arial"/>
-              <a:buNone/>
-            </a:pPr>
-            <a:r>
-              <a:rPr lang="en-US" sz="1000" dirty="0">
-                <a:solidFill>
-                  <a:schemeClr val="dk1"/>
-                </a:solidFill>
-                <a:latin typeface="Calibri"/>
-                <a:ea typeface="Calibri"/>
-                <a:cs typeface="Calibri"/>
-                <a:sym typeface="Calibri"/>
-              </a:rPr>
-              <a:t>U</a:t>
-            </a:r>
-            <a:r>
-              <a:rPr lang="en-US" sz="1000" b="0" i="0" u="none" strike="noStrike" cap="none" dirty="0">
-                <a:solidFill>
-                  <a:schemeClr val="dk1"/>
-                </a:solidFill>
-                <a:latin typeface="Calibri"/>
-                <a:ea typeface="Calibri"/>
-                <a:cs typeface="Calibri"/>
-                <a:sym typeface="Calibri"/>
-              </a:rPr>
-              <a:t>ser query and top </a:t>
-            </a:r>
-            <a:r>
-              <a:rPr lang="en-US" sz="1000" i="1" dirty="0">
-                <a:solidFill>
-                  <a:schemeClr val="dk1"/>
-                </a:solidFill>
-                <a:latin typeface="Calibri"/>
-                <a:ea typeface="Calibri"/>
-                <a:cs typeface="Calibri"/>
-                <a:sym typeface="Calibri"/>
-              </a:rPr>
-              <a:t>n</a:t>
-            </a:r>
-            <a:r>
-              <a:rPr lang="en-US" sz="1000" b="0" i="0" u="none" strike="noStrike" cap="none" dirty="0">
-                <a:solidFill>
-                  <a:schemeClr val="dk1"/>
-                </a:solidFill>
-                <a:latin typeface="Calibri"/>
-                <a:ea typeface="Calibri"/>
-                <a:cs typeface="Calibri"/>
-                <a:sym typeface="Calibri"/>
-              </a:rPr>
-              <a:t> </a:t>
-            </a:r>
-            <a:r>
-              <a:rPr lang="en-US" sz="1000" dirty="0">
-                <a:solidFill>
-                  <a:schemeClr val="dk1"/>
-                </a:solidFill>
-                <a:latin typeface="Calibri"/>
-                <a:ea typeface="Calibri"/>
-                <a:cs typeface="Calibri"/>
-                <a:sym typeface="Calibri"/>
-              </a:rPr>
-              <a:t>results</a:t>
-            </a:r>
-            <a:endParaRPr sz="1400" b="0" i="0" u="none" strike="noStrike" cap="none" dirty="0">
-              <a:solidFill>
-                <a:srgbClr val="000000"/>
-              </a:solidFill>
-              <a:latin typeface="Arial"/>
-              <a:ea typeface="Arial"/>
-              <a:cs typeface="Arial"/>
-              <a:sym typeface="Arial"/>
-            </a:endParaRPr>
+            <a:endParaRPr lang="en-US" sz="1000" dirty="0"/>
           </a:p>
         </p:txBody>
       </p:sp>
@@ -34279,8 +34128,8 @@
         </p:nvSpPr>
         <p:spPr>
           <a:xfrm>
-            <a:off x="61254" y="1868579"/>
-            <a:ext cx="11983037" cy="4948315"/>
+            <a:off x="61254" y="1959952"/>
+            <a:ext cx="11983037" cy="4856942"/>
           </a:xfrm>
           <a:prstGeom prst="roundRect">
             <a:avLst>
@@ -34437,8 +34286,8 @@
         </p:nvSpPr>
         <p:spPr>
           <a:xfrm>
-            <a:off x="7054922" y="186097"/>
-            <a:ext cx="4297608" cy="913541"/>
+            <a:off x="7080039" y="443287"/>
+            <a:ext cx="4297608" cy="708719"/>
           </a:xfrm>
           <a:prstGeom prst="roundRect">
             <a:avLst>
@@ -34724,7 +34573,7 @@
               <a:buNone/>
             </a:pPr>
             <a:r>
-              <a:rPr lang="en-US" sz="1200" b="0" i="0" u="none" strike="noStrike" cap="none">
+              <a:rPr lang="en-US" sz="1200" b="0" i="0" u="none" strike="noStrike" cap="none" dirty="0">
                 <a:solidFill>
                   <a:srgbClr val="FF0000"/>
                 </a:solidFill>
@@ -34736,7 +34585,7 @@
               <a:t>3) Convert </a:t>
             </a:r>
             <a:r>
-              <a:rPr lang="en-US" sz="1200" b="1" i="0" u="none" strike="noStrike" cap="none">
+              <a:rPr lang="en-US" sz="1200" b="1" i="0" u="none" strike="noStrike" cap="none" dirty="0">
                 <a:solidFill>
                   <a:srgbClr val="FF0000"/>
                 </a:solidFill>
@@ -34748,7 +34597,7 @@
               <a:t>new</a:t>
             </a:r>
             <a:r>
-              <a:rPr lang="en-US" sz="1200" b="0" i="0" u="none" strike="noStrike" cap="none">
+              <a:rPr lang="en-US" sz="1200" b="0" i="0" u="none" strike="noStrike" cap="none" dirty="0">
                 <a:solidFill>
                   <a:srgbClr val="FF0000"/>
                 </a:solidFill>
@@ -34759,7 +34608,7 @@
               </a:rPr>
               <a:t> docs into vector representations and store them</a:t>
             </a:r>
-            <a:endParaRPr sz="1400" b="0" i="0" u="none" strike="noStrike" cap="none">
+            <a:endParaRPr sz="1400" b="0" i="0" u="none" strike="noStrike" cap="none" dirty="0">
               <a:solidFill>
                 <a:srgbClr val="000000"/>
               </a:solidFill>
@@ -34779,8 +34628,8 @@
         </p:nvSpPr>
         <p:spPr>
           <a:xfrm>
-            <a:off x="210224" y="2804162"/>
-            <a:ext cx="4309117" cy="3531522"/>
+            <a:off x="330136" y="2804162"/>
+            <a:ext cx="4092481" cy="3531522"/>
           </a:xfrm>
           <a:prstGeom prst="roundRect">
             <a:avLst>
@@ -34817,7 +34666,7 @@
               <a:buNone/>
             </a:pPr>
             <a:r>
-              <a:rPr lang="en-US" sz="1200" b="0" i="0" u="none" strike="noStrike" cap="none">
+              <a:rPr lang="en-US" sz="1200" b="0" i="0" u="none" strike="noStrike" cap="none" dirty="0">
                 <a:solidFill>
                   <a:srgbClr val="FF0000"/>
                 </a:solidFill>
@@ -34828,7 +34677,7 @@
               </a:rPr>
               <a:t>2) Load source documents and “chunk” into smaller sections</a:t>
             </a:r>
-            <a:endParaRPr sz="1400" b="0" i="0" u="none" strike="noStrike" cap="none">
+            <a:endParaRPr sz="1400" b="0" i="0" u="none" strike="noStrike" cap="none" dirty="0">
               <a:solidFill>
                 <a:srgbClr val="000000"/>
               </a:solidFill>
@@ -34848,8 +34697,8 @@
         </p:nvSpPr>
         <p:spPr>
           <a:xfrm>
-            <a:off x="1172519" y="412607"/>
-            <a:ext cx="1573444" cy="1202790"/>
+            <a:off x="1172519" y="419173"/>
+            <a:ext cx="1997113" cy="968196"/>
           </a:xfrm>
           <a:prstGeom prst="roundRect">
             <a:avLst>
@@ -34957,7 +34806,7 @@
         </p:blipFill>
         <p:spPr>
           <a:xfrm>
-            <a:off x="1708262" y="908371"/>
+            <a:off x="1901355" y="705001"/>
             <a:ext cx="529902" cy="669604"/>
           </a:xfrm>
           <a:prstGeom prst="rect">
@@ -34977,8 +34826,8 @@
         </p:nvSpPr>
         <p:spPr>
           <a:xfrm>
-            <a:off x="486212" y="3284445"/>
-            <a:ext cx="1558678" cy="1154771"/>
+            <a:off x="439929" y="3422636"/>
+            <a:ext cx="1652315" cy="1239290"/>
           </a:xfrm>
           <a:prstGeom prst="roundRect">
             <a:avLst>
@@ -35020,7 +34869,7 @@
               <a:buNone/>
             </a:pPr>
             <a:r>
-              <a:rPr lang="en-US" sz="1200" b="1" i="0" u="sng" strike="noStrike" cap="none">
+              <a:rPr lang="en-US" sz="1200" b="1" i="0" u="sng" strike="noStrike" cap="none" dirty="0">
                 <a:solidFill>
                   <a:schemeClr val="dk1"/>
                 </a:solidFill>
@@ -35031,7 +34880,7 @@
               </a:rPr>
               <a:t>Document Loader</a:t>
             </a:r>
-            <a:endParaRPr sz="1200" b="1" i="0" u="none" strike="noStrike" cap="none">
+            <a:endParaRPr sz="1200" b="1" i="0" u="none" strike="noStrike" cap="none" dirty="0">
               <a:solidFill>
                 <a:schemeClr val="dk1"/>
               </a:solidFill>
@@ -35059,7 +34908,7 @@
               <a:buFont typeface="Arial"/>
               <a:buNone/>
             </a:pPr>
-            <a:endParaRPr sz="1200" b="0" i="0" u="sng" strike="noStrike" cap="none">
+            <a:endParaRPr sz="1200" b="0" i="0" u="sng" strike="noStrike" cap="none" dirty="0">
               <a:solidFill>
                 <a:schemeClr val="dk1"/>
               </a:solidFill>
@@ -35088,7 +34937,7 @@
               <a:buNone/>
             </a:pPr>
             <a:r>
-              <a:rPr lang="en-US" sz="1200" b="0" i="0" u="none" strike="noStrike" cap="none">
+              <a:rPr lang="en-US" sz="1200" b="0" i="0" u="none" strike="noStrike" cap="none" dirty="0" err="1">
                 <a:solidFill>
                   <a:schemeClr val="dk1"/>
                 </a:solidFill>
@@ -35099,7 +34948,7 @@
               </a:rPr>
               <a:t>PyPDFLoader</a:t>
             </a:r>
-            <a:endParaRPr sz="1200" b="0" i="0" u="none" strike="noStrike" cap="none">
+            <a:endParaRPr sz="1200" b="0" i="0" u="none" strike="noStrike" cap="none" dirty="0">
               <a:solidFill>
                 <a:schemeClr val="dk1"/>
               </a:solidFill>
@@ -35119,8 +34968,8 @@
         </p:nvSpPr>
         <p:spPr>
           <a:xfrm>
-            <a:off x="5613578" y="4975005"/>
-            <a:ext cx="2450004" cy="1283976"/>
+            <a:off x="5613578" y="5058023"/>
+            <a:ext cx="2450004" cy="1099257"/>
           </a:xfrm>
           <a:prstGeom prst="roundRect">
             <a:avLst>
@@ -35216,13 +35065,16 @@
       <p:cxnSp>
         <p:nvCxnSpPr>
           <p:cNvPr id="251" name="Google Shape;251;p2"/>
-          <p:cNvCxnSpPr/>
+          <p:cNvCxnSpPr>
+            <a:cxnSpLocks/>
+            <a:stCxn id="272" idx="3"/>
+          </p:cNvCxnSpPr>
           <p:nvPr/>
         </p:nvCxnSpPr>
         <p:spPr>
           <a:xfrm>
-            <a:off x="7878027" y="5958514"/>
-            <a:ext cx="1168659" cy="0"/>
+            <a:off x="7929397" y="5908712"/>
+            <a:ext cx="1117278" cy="7038"/>
           </a:xfrm>
           <a:prstGeom prst="straightConnector1">
             <a:avLst/>
@@ -35247,8 +35099,8 @@
         </p:nvSpPr>
         <p:spPr>
           <a:xfrm>
-            <a:off x="9046675" y="5058025"/>
-            <a:ext cx="2264700" cy="1068900"/>
+            <a:off x="9046675" y="5058024"/>
+            <a:ext cx="2264700" cy="1099255"/>
           </a:xfrm>
           <a:prstGeom prst="roundRect">
             <a:avLst>
@@ -35368,13 +35220,15 @@
       <p:cxnSp>
         <p:nvCxnSpPr>
           <p:cNvPr id="253" name="Google Shape;253;p2"/>
-          <p:cNvCxnSpPr/>
+          <p:cNvCxnSpPr>
+            <a:cxnSpLocks/>
+          </p:cNvCxnSpPr>
           <p:nvPr/>
         </p:nvCxnSpPr>
         <p:spPr>
           <a:xfrm>
-            <a:off x="7553591" y="938240"/>
-            <a:ext cx="0" cy="2697919"/>
+            <a:off x="7553591" y="1039803"/>
+            <a:ext cx="0" cy="1919563"/>
           </a:xfrm>
           <a:prstGeom prst="straightConnector1">
             <a:avLst/>
@@ -35394,13 +35248,15 @@
       <p:cxnSp>
         <p:nvCxnSpPr>
           <p:cNvPr id="254" name="Google Shape;254;p2"/>
-          <p:cNvCxnSpPr/>
+          <p:cNvCxnSpPr>
+            <a:cxnSpLocks/>
+          </p:cNvCxnSpPr>
           <p:nvPr/>
         </p:nvCxnSpPr>
         <p:spPr>
-          <a:xfrm rot="10800000">
-            <a:off x="10227253" y="4161578"/>
-            <a:ext cx="0" cy="813428"/>
+          <a:xfrm flipH="1" flipV="1">
+            <a:off x="10217821" y="4047481"/>
+            <a:ext cx="9432" cy="1010546"/>
           </a:xfrm>
           <a:prstGeom prst="straightConnector1">
             <a:avLst/>
@@ -35419,85 +35275,13 @@
       </p:cxnSp>
       <p:sp>
         <p:nvSpPr>
-          <p:cNvPr id="255" name="Google Shape;255;p2"/>
-          <p:cNvSpPr txBox="1"/>
-          <p:nvPr/>
-        </p:nvSpPr>
-        <p:spPr>
-          <a:xfrm>
-            <a:off x="10441581" y="557518"/>
-            <a:ext cx="869918" cy="276999"/>
-          </a:xfrm>
-          <a:prstGeom prst="rect">
-            <a:avLst/>
-          </a:prstGeom>
-          <a:noFill/>
-          <a:ln w="9525" cap="flat" cmpd="sng">
-            <a:solidFill>
-              <a:schemeClr val="dk1"/>
-            </a:solidFill>
-            <a:prstDash val="solid"/>
-            <a:round/>
-            <a:headEnd type="none" w="sm" len="sm"/>
-            <a:tailEnd type="none" w="sm" len="sm"/>
-          </a:ln>
-        </p:spPr>
-        <p:txBody>
-          <a:bodyPr spcFirstLastPara="1" wrap="square" lIns="91425" tIns="45700" rIns="91425" bIns="45700" anchor="t" anchorCtr="0">
-            <a:spAutoFit/>
-          </a:bodyPr>
-          <a:lstStyle/>
-          <a:p>
-            <a:pPr marL="0" marR="0" lvl="0" indent="0" algn="ctr" rtl="0">
-              <a:lnSpc>
-                <a:spcPct val="100000"/>
-              </a:lnSpc>
-              <a:spcBef>
-                <a:spcPts val="0"/>
-              </a:spcBef>
-              <a:spcAft>
-                <a:spcPts val="0"/>
-              </a:spcAft>
-              <a:buClr>
-                <a:srgbClr val="000000"/>
-              </a:buClr>
-              <a:buSzPts val="1200"/>
-              <a:buFont typeface="Arial"/>
-              <a:buNone/>
-            </a:pPr>
-            <a:r>
-              <a:rPr lang="en-US" sz="1200" b="0" i="0" u="none" strike="noStrike" cap="none">
-                <a:solidFill>
-                  <a:schemeClr val="dk1"/>
-                </a:solidFill>
-                <a:latin typeface="Calibri"/>
-                <a:ea typeface="Calibri"/>
-                <a:cs typeface="Calibri"/>
-                <a:sym typeface="Calibri"/>
-              </a:rPr>
-              <a:t>Answer</a:t>
-            </a:r>
-            <a:endParaRPr sz="1400" b="0" i="0" u="none" strike="noStrike" cap="none">
-              <a:solidFill>
-                <a:srgbClr val="000000"/>
-              </a:solidFill>
-              <a:latin typeface="Arial"/>
-              <a:ea typeface="Arial"/>
-              <a:cs typeface="Arial"/>
-              <a:sym typeface="Arial"/>
-            </a:endParaRPr>
-          </a:p>
-        </p:txBody>
-      </p:sp>
-      <p:sp>
-        <p:nvSpPr>
           <p:cNvPr id="256" name="Google Shape;256;p2"/>
           <p:cNvSpPr txBox="1"/>
           <p:nvPr/>
         </p:nvSpPr>
         <p:spPr>
           <a:xfrm>
-            <a:off x="10344213" y="4234231"/>
+            <a:off x="10227253" y="4236948"/>
             <a:ext cx="1700078" cy="276999"/>
           </a:xfrm>
           <a:prstGeom prst="rect">
@@ -35599,8 +35383,8 @@
         </p:nvSpPr>
         <p:spPr>
           <a:xfrm>
-            <a:off x="9853244" y="2930330"/>
-            <a:ext cx="1898827" cy="1165248"/>
+            <a:off x="9853244" y="2959366"/>
+            <a:ext cx="1898827" cy="1088115"/>
           </a:xfrm>
           <a:prstGeom prst="roundRect">
             <a:avLst>
@@ -35696,13 +35480,16 @@
       <p:cxnSp>
         <p:nvCxnSpPr>
           <p:cNvPr id="258" name="Google Shape;258;p2"/>
-          <p:cNvCxnSpPr/>
+          <p:cNvCxnSpPr>
+            <a:cxnSpLocks/>
+            <a:endCxn id="61" idx="2"/>
+          </p:cNvCxnSpPr>
           <p:nvPr/>
         </p:nvCxnSpPr>
         <p:spPr>
-          <a:xfrm rot="10800000">
-            <a:off x="10614154" y="919866"/>
-            <a:ext cx="0" cy="1984210"/>
+          <a:xfrm flipH="1" flipV="1">
+            <a:off x="10579556" y="1031451"/>
+            <a:ext cx="25166" cy="1883514"/>
           </a:xfrm>
           <a:prstGeom prst="straightConnector1">
             <a:avLst/>
@@ -35711,34 +35498,6 @@
           <a:ln w="9525" cap="flat" cmpd="sng">
             <a:solidFill>
               <a:srgbClr val="0070C0"/>
-            </a:solidFill>
-            <a:prstDash val="solid"/>
-            <a:miter lim="800000"/>
-            <a:headEnd type="none" w="sm" len="sm"/>
-            <a:tailEnd type="triangle" w="med" len="med"/>
-          </a:ln>
-        </p:spPr>
-      </p:cxnSp>
-      <p:cxnSp>
-        <p:nvCxnSpPr>
-          <p:cNvPr id="259" name="Google Shape;259;p2"/>
-          <p:cNvCxnSpPr>
-            <a:stCxn id="246" idx="1"/>
-          </p:cNvCxnSpPr>
-          <p:nvPr/>
-        </p:nvCxnSpPr>
-        <p:spPr>
-          <a:xfrm flipH="1">
-            <a:off x="642719" y="1014002"/>
-            <a:ext cx="529800" cy="1722300"/>
-          </a:xfrm>
-          <a:prstGeom prst="bentConnector2">
-            <a:avLst/>
-          </a:prstGeom>
-          <a:noFill/>
-          <a:ln w="9525" cap="flat" cmpd="sng">
-            <a:solidFill>
-              <a:srgbClr val="7030A0"/>
             </a:solidFill>
             <a:prstDash val="solid"/>
             <a:miter lim="800000"/>
@@ -35813,88 +35572,18 @@
           </a:p>
         </p:txBody>
       </p:sp>
-      <p:sp>
-        <p:nvSpPr>
-          <p:cNvPr id="261" name="Google Shape;261;p2"/>
-          <p:cNvSpPr txBox="1"/>
-          <p:nvPr/>
-        </p:nvSpPr>
-        <p:spPr>
-          <a:xfrm>
-            <a:off x="7301425" y="642867"/>
-            <a:ext cx="869918" cy="276999"/>
-          </a:xfrm>
-          <a:prstGeom prst="rect">
-            <a:avLst/>
-          </a:prstGeom>
-          <a:noFill/>
-          <a:ln w="9525" cap="flat" cmpd="sng">
-            <a:solidFill>
-              <a:schemeClr val="dk1"/>
-            </a:solidFill>
-            <a:prstDash val="solid"/>
-            <a:round/>
-            <a:headEnd type="none" w="sm" len="sm"/>
-            <a:tailEnd type="none" w="sm" len="sm"/>
-          </a:ln>
-        </p:spPr>
-        <p:txBody>
-          <a:bodyPr spcFirstLastPara="1" wrap="square" lIns="91425" tIns="45700" rIns="91425" bIns="45700" anchor="t" anchorCtr="0">
-            <a:spAutoFit/>
-          </a:bodyPr>
-          <a:lstStyle/>
-          <a:p>
-            <a:pPr marL="0" marR="0" lvl="0" indent="0" algn="ctr" rtl="0">
-              <a:lnSpc>
-                <a:spcPct val="100000"/>
-              </a:lnSpc>
-              <a:spcBef>
-                <a:spcPts val="0"/>
-              </a:spcBef>
-              <a:spcAft>
-                <a:spcPts val="0"/>
-              </a:spcAft>
-              <a:buClr>
-                <a:srgbClr val="000000"/>
-              </a:buClr>
-              <a:buSzPts val="1200"/>
-              <a:buFont typeface="Arial"/>
-              <a:buNone/>
-            </a:pPr>
-            <a:r>
-              <a:rPr lang="en-US" sz="1200" b="0" i="0" u="none" strike="noStrike" cap="none">
-                <a:solidFill>
-                  <a:schemeClr val="dk1"/>
-                </a:solidFill>
-                <a:latin typeface="Calibri"/>
-                <a:ea typeface="Calibri"/>
-                <a:cs typeface="Calibri"/>
-                <a:sym typeface="Calibri"/>
-              </a:rPr>
-              <a:t>User query</a:t>
-            </a:r>
-            <a:endParaRPr sz="1400" b="0" i="0" u="none" strike="noStrike" cap="none">
-              <a:solidFill>
-                <a:srgbClr val="000000"/>
-              </a:solidFill>
-              <a:latin typeface="Arial"/>
-              <a:ea typeface="Arial"/>
-              <a:cs typeface="Arial"/>
-              <a:sym typeface="Arial"/>
-            </a:endParaRPr>
-          </a:p>
-        </p:txBody>
-      </p:sp>
       <p:cxnSp>
         <p:nvCxnSpPr>
           <p:cNvPr id="262" name="Google Shape;262;p2"/>
-          <p:cNvCxnSpPr/>
+          <p:cNvCxnSpPr>
+            <a:cxnSpLocks/>
+          </p:cNvCxnSpPr>
           <p:nvPr/>
         </p:nvCxnSpPr>
         <p:spPr>
           <a:xfrm>
-            <a:off x="9501259" y="3968444"/>
-            <a:ext cx="0" cy="1006561"/>
+            <a:off x="9552629" y="4038618"/>
+            <a:ext cx="0" cy="1019405"/>
           </a:xfrm>
           <a:prstGeom prst="straightConnector1">
             <a:avLst/>
@@ -35920,7 +35609,7 @@
         <p:spPr>
           <a:xfrm>
             <a:off x="7301425" y="2959367"/>
-            <a:ext cx="2434017" cy="1092003"/>
+            <a:ext cx="2442027" cy="1092003"/>
           </a:xfrm>
           <a:prstGeom prst="roundRect">
             <a:avLst>
@@ -35962,7 +35651,7 @@
               <a:buNone/>
             </a:pPr>
             <a:r>
-              <a:rPr lang="en-US" sz="1200" b="1" i="0" u="sng" strike="noStrike" cap="none">
+              <a:rPr lang="en-US" sz="1200" b="1" i="0" u="sng" strike="noStrike" cap="none" dirty="0">
                 <a:solidFill>
                   <a:schemeClr val="dk1"/>
                 </a:solidFill>
@@ -35973,7 +35662,7 @@
               </a:rPr>
               <a:t>Vector Embeddings</a:t>
             </a:r>
-            <a:endParaRPr sz="1200" b="1" i="0" u="none" strike="noStrike" cap="none">
+            <a:endParaRPr sz="1200" b="1" i="0" u="none" strike="noStrike" cap="none" dirty="0">
               <a:solidFill>
                 <a:schemeClr val="dk1"/>
               </a:solidFill>
@@ -36001,7 +35690,7 @@
               <a:buFont typeface="Arial"/>
               <a:buNone/>
             </a:pPr>
-            <a:endParaRPr sz="1200" b="0" i="0" u="sng" strike="noStrike" cap="none">
+            <a:endParaRPr sz="1200" b="0" i="0" u="sng" strike="noStrike" cap="none" dirty="0">
               <a:solidFill>
                 <a:schemeClr val="dk1"/>
               </a:solidFill>
@@ -36021,7 +35710,7 @@
         </p:nvSpPr>
         <p:spPr>
           <a:xfrm>
-            <a:off x="5068487" y="599012"/>
+            <a:off x="5035017" y="444582"/>
             <a:ext cx="1501558" cy="898769"/>
           </a:xfrm>
           <a:prstGeom prst="roundRect">
@@ -36233,13 +35922,17 @@
       <p:cxnSp>
         <p:nvCxnSpPr>
           <p:cNvPr id="265" name="Google Shape;265;p2"/>
-          <p:cNvCxnSpPr/>
+          <p:cNvCxnSpPr>
+            <a:cxnSpLocks/>
+            <a:stCxn id="62" idx="1"/>
+            <a:endCxn id="264" idx="3"/>
+          </p:cNvCxnSpPr>
           <p:nvPr/>
         </p:nvCxnSpPr>
         <p:spPr>
-          <a:xfrm rot="10800000">
-            <a:off x="6570045" y="781366"/>
-            <a:ext cx="731381" cy="0"/>
+          <a:xfrm flipH="1">
+            <a:off x="6536575" y="893967"/>
+            <a:ext cx="818542" cy="0"/>
           </a:xfrm>
           <a:prstGeom prst="straightConnector1">
             <a:avLst/>
@@ -36259,13 +35952,17 @@
       <p:cxnSp>
         <p:nvCxnSpPr>
           <p:cNvPr id="266" name="Google Shape;266;p2"/>
-          <p:cNvCxnSpPr/>
+          <p:cNvCxnSpPr>
+            <a:cxnSpLocks/>
+            <a:stCxn id="264" idx="1"/>
+            <a:endCxn id="267" idx="3"/>
+          </p:cNvCxnSpPr>
           <p:nvPr/>
         </p:nvCxnSpPr>
         <p:spPr>
-          <a:xfrm rot="10800000">
-            <a:off x="4519347" y="919866"/>
-            <a:ext cx="424285" cy="0"/>
+          <a:xfrm flipH="1">
+            <a:off x="4704363" y="893967"/>
+            <a:ext cx="330654" cy="2879"/>
           </a:xfrm>
           <a:prstGeom prst="straightConnector1">
             <a:avLst/>
@@ -36290,8 +35987,8 @@
         </p:nvSpPr>
         <p:spPr>
           <a:xfrm>
-            <a:off x="3392703" y="609297"/>
-            <a:ext cx="1031704" cy="898769"/>
+            <a:off x="3572165" y="555246"/>
+            <a:ext cx="1132198" cy="683200"/>
           </a:xfrm>
           <a:prstGeom prst="roundRect">
             <a:avLst>
@@ -36359,13 +36056,17 @@
       <p:cxnSp>
         <p:nvCxnSpPr>
           <p:cNvPr id="268" name="Google Shape;268;p2"/>
-          <p:cNvCxnSpPr/>
+          <p:cNvCxnSpPr>
+            <a:cxnSpLocks/>
+            <a:stCxn id="267" idx="1"/>
+            <a:endCxn id="246" idx="3"/>
+          </p:cNvCxnSpPr>
           <p:nvPr/>
         </p:nvCxnSpPr>
         <p:spPr>
-          <a:xfrm rot="10800000">
-            <a:off x="2873770" y="895874"/>
-            <a:ext cx="424285" cy="0"/>
+          <a:xfrm flipH="1">
+            <a:off x="3169632" y="896846"/>
+            <a:ext cx="402533" cy="6425"/>
           </a:xfrm>
           <a:prstGeom prst="straightConnector1">
             <a:avLst/>
@@ -36390,8 +36091,8 @@
         </p:nvSpPr>
         <p:spPr>
           <a:xfrm>
-            <a:off x="874896" y="4867001"/>
-            <a:ext cx="2544168" cy="1290280"/>
+            <a:off x="880625" y="5058023"/>
+            <a:ext cx="2468260" cy="1099255"/>
           </a:xfrm>
           <a:prstGeom prst="roundRect">
             <a:avLst>
@@ -36464,8 +36165,8 @@
         </p:nvSpPr>
         <p:spPr>
           <a:xfrm>
-            <a:off x="2125133" y="5711488"/>
-            <a:ext cx="869339" cy="346242"/>
+            <a:off x="2284175" y="5784946"/>
+            <a:ext cx="869339" cy="242658"/>
           </a:xfrm>
           <a:prstGeom prst="roundRect">
             <a:avLst>
@@ -36534,6 +36235,7 @@
         <p:nvCxnSpPr>
           <p:cNvPr id="271" name="Google Shape;271;p2"/>
           <p:cNvCxnSpPr>
+            <a:cxnSpLocks/>
             <a:stCxn id="270" idx="3"/>
             <a:endCxn id="272" idx="1"/>
           </p:cNvCxnSpPr>
@@ -36541,8 +36243,8 @@
         </p:nvCxnSpPr>
         <p:spPr>
           <a:xfrm>
-            <a:off x="2994472" y="5884609"/>
-            <a:ext cx="2684700" cy="52200"/>
+            <a:off x="3153514" y="5906275"/>
+            <a:ext cx="2577003" cy="2437"/>
           </a:xfrm>
           <a:prstGeom prst="straightConnector1">
             <a:avLst/>
@@ -36567,7 +36269,7 @@
         </p:nvSpPr>
         <p:spPr>
           <a:xfrm>
-            <a:off x="7561607" y="1238786"/>
+            <a:off x="7561607" y="1279681"/>
             <a:ext cx="1333326" cy="461665"/>
           </a:xfrm>
           <a:prstGeom prst="rect">
@@ -36602,7 +36304,7 @@
               <a:buNone/>
             </a:pPr>
             <a:r>
-              <a:rPr lang="en-US" sz="1200" b="0" i="0" u="none" strike="noStrike" cap="none">
+              <a:rPr lang="en-US" sz="1200" b="0" i="0" u="none" strike="noStrike" cap="none" dirty="0">
                 <a:solidFill>
                   <a:srgbClr val="00B050"/>
                 </a:solidFill>
@@ -36613,7 +36315,7 @@
               </a:rPr>
               <a:t>4a) Convert user’s query to vector</a:t>
             </a:r>
-            <a:endParaRPr sz="1400" b="0" i="0" u="none" strike="noStrike" cap="none">
+            <a:endParaRPr sz="1400" b="0" i="0" u="none" strike="noStrike" cap="none" dirty="0">
               <a:solidFill>
                 <a:srgbClr val="000000"/>
               </a:solidFill>
@@ -36633,8 +36335,8 @@
         </p:nvSpPr>
         <p:spPr>
           <a:xfrm>
-            <a:off x="10643292" y="1178260"/>
-            <a:ext cx="1400994" cy="646331"/>
+            <a:off x="10564461" y="1281144"/>
+            <a:ext cx="1646053" cy="461624"/>
           </a:xfrm>
           <a:prstGeom prst="rect">
             <a:avLst/>
@@ -36754,7 +36456,7 @@
         </p:blipFill>
         <p:spPr>
           <a:xfrm>
-            <a:off x="5940792" y="5363709"/>
+            <a:off x="5972187" y="5386900"/>
             <a:ext cx="1612799" cy="406443"/>
           </a:xfrm>
           <a:prstGeom prst="rect">
@@ -36781,7 +36483,7 @@
         </p:blipFill>
         <p:spPr>
           <a:xfrm>
-            <a:off x="7632933" y="3285388"/>
+            <a:off x="7646688" y="3312790"/>
             <a:ext cx="1612799" cy="406443"/>
           </a:xfrm>
           <a:prstGeom prst="rect">
@@ -36808,8 +36510,8 @@
         </p:blipFill>
         <p:spPr>
           <a:xfrm>
-            <a:off x="9163689" y="5350555"/>
-            <a:ext cx="2027268" cy="669251"/>
+            <a:off x="9165391" y="5370177"/>
+            <a:ext cx="2027268" cy="569796"/>
           </a:xfrm>
           <a:prstGeom prst="rect">
             <a:avLst/>
@@ -36835,7 +36537,7 @@
         </p:blipFill>
         <p:spPr>
           <a:xfrm>
-            <a:off x="10438325" y="3267788"/>
+            <a:off x="10448086" y="3268152"/>
             <a:ext cx="752632" cy="421474"/>
           </a:xfrm>
           <a:prstGeom prst="rect">
@@ -36855,8 +36557,8 @@
         </p:nvSpPr>
         <p:spPr>
           <a:xfrm>
-            <a:off x="2436275" y="3445710"/>
-            <a:ext cx="1810459" cy="943860"/>
+            <a:off x="2428606" y="3409841"/>
+            <a:ext cx="1810459" cy="1257554"/>
           </a:xfrm>
           <a:prstGeom prst="roundRect">
             <a:avLst>
@@ -36920,13 +36622,16 @@
       <p:cxnSp>
         <p:nvCxnSpPr>
           <p:cNvPr id="280" name="Google Shape;280;p2"/>
-          <p:cNvCxnSpPr/>
+          <p:cNvCxnSpPr>
+            <a:cxnSpLocks/>
+            <a:endCxn id="289" idx="1"/>
+          </p:cNvCxnSpPr>
           <p:nvPr/>
         </p:nvCxnSpPr>
         <p:spPr>
           <a:xfrm>
-            <a:off x="1987438" y="4220780"/>
-            <a:ext cx="661481" cy="0"/>
+            <a:off x="2008193" y="4363810"/>
+            <a:ext cx="583280" cy="3659"/>
           </a:xfrm>
           <a:prstGeom prst="straightConnector1">
             <a:avLst/>
@@ -36948,13 +36653,14 @@
           <p:cNvPr id="281" name="Google Shape;281;p2"/>
           <p:cNvCxnSpPr>
             <a:cxnSpLocks/>
+            <a:endCxn id="252" idx="2"/>
           </p:cNvCxnSpPr>
           <p:nvPr/>
         </p:nvCxnSpPr>
         <p:spPr>
           <a:xfrm flipV="1">
-            <a:off x="10146787" y="6129440"/>
-            <a:ext cx="1" cy="374371"/>
+            <a:off x="10179025" y="6157279"/>
+            <a:ext cx="0" cy="328877"/>
           </a:xfrm>
           <a:prstGeom prst="straightConnector1">
             <a:avLst/>
@@ -36976,18 +36682,17 @@
           <p:cNvPr id="282" name="Google Shape;282;p2"/>
           <p:cNvCxnSpPr>
             <a:cxnSpLocks/>
+            <a:endCxn id="287" idx="2"/>
           </p:cNvCxnSpPr>
           <p:nvPr/>
         </p:nvCxnSpPr>
         <p:spPr>
           <a:xfrm rot="10800000">
-            <a:off x="1314487" y="6088497"/>
-            <a:ext cx="8832300" cy="415314"/>
+            <a:off x="1456501" y="6019775"/>
+            <a:ext cx="8722524" cy="466380"/>
           </a:xfrm>
-          <a:prstGeom prst="bentConnector3">
-            <a:avLst>
-              <a:gd name="adj1" fmla="val 100020"/>
-            </a:avLst>
+          <a:prstGeom prst="bentConnector2">
+            <a:avLst/>
           </a:prstGeom>
           <a:noFill/>
           <a:ln w="9525" cap="flat" cmpd="sng">
@@ -37009,8 +36714,8 @@
         </p:nvSpPr>
         <p:spPr>
           <a:xfrm>
-            <a:off x="975473" y="65289"/>
-            <a:ext cx="5704329" cy="1653446"/>
+            <a:off x="975473" y="86021"/>
+            <a:ext cx="5704329" cy="1426551"/>
           </a:xfrm>
           <a:prstGeom prst="roundRect">
             <a:avLst>
@@ -37073,46 +36778,20 @@
       </p:sp>
       <p:cxnSp>
         <p:nvCxnSpPr>
-          <p:cNvPr id="284" name="Google Shape;284;p2"/>
+          <p:cNvPr id="285" name="Google Shape;285;p2"/>
           <p:cNvCxnSpPr>
-            <a:stCxn id="279" idx="2"/>
+            <a:cxnSpLocks/>
           </p:cNvCxnSpPr>
           <p:nvPr/>
         </p:nvCxnSpPr>
         <p:spPr>
-          <a:xfrm>
-            <a:off x="3341505" y="4389570"/>
-            <a:ext cx="3300" cy="187200"/>
-          </a:xfrm>
-          <a:prstGeom prst="straightConnector1">
-            <a:avLst/>
-          </a:prstGeom>
-          <a:noFill/>
-          <a:ln w="9525" cap="flat" cmpd="sng">
-            <a:solidFill>
-              <a:srgbClr val="FF0000"/>
-            </a:solidFill>
-            <a:prstDash val="solid"/>
-            <a:miter lim="800000"/>
-            <a:headEnd type="none" w="sm" len="sm"/>
-            <a:tailEnd type="none" w="sm" len="sm"/>
-          </a:ln>
-        </p:spPr>
-      </p:cxnSp>
-      <p:cxnSp>
-        <p:nvCxnSpPr>
-          <p:cNvPr id="285" name="Google Shape;285;p2"/>
-          <p:cNvCxnSpPr/>
-          <p:nvPr/>
-        </p:nvCxnSpPr>
-        <p:spPr>
-          <a:xfrm flipH="1">
-            <a:off x="486116" y="4576788"/>
-            <a:ext cx="2858700" cy="1311900"/>
+          <a:xfrm rot="10800000" flipV="1">
+            <a:off x="631204" y="4585677"/>
+            <a:ext cx="2652799" cy="329486"/>
           </a:xfrm>
           <a:prstGeom prst="bentConnector3">
             <a:avLst>
-              <a:gd name="adj1" fmla="val 99236"/>
+              <a:gd name="adj1" fmla="val 39"/>
             </a:avLst>
           </a:prstGeom>
           <a:noFill/>
@@ -37131,14 +36810,15 @@
         <p:nvCxnSpPr>
           <p:cNvPr id="286" name="Google Shape;286;p2"/>
           <p:cNvCxnSpPr>
+            <a:cxnSpLocks/>
             <a:endCxn id="287" idx="1"/>
           </p:cNvCxnSpPr>
           <p:nvPr/>
         </p:nvCxnSpPr>
         <p:spPr>
-          <a:xfrm rot="10800000" flipH="1">
-            <a:off x="488873" y="5881488"/>
-            <a:ext cx="486600" cy="7200"/>
+          <a:xfrm>
+            <a:off x="631203" y="5898446"/>
+            <a:ext cx="434035" cy="0"/>
           </a:xfrm>
           <a:prstGeom prst="straightConnector1">
             <a:avLst/>
@@ -37163,8 +36843,8 @@
         </p:nvSpPr>
         <p:spPr>
           <a:xfrm>
-            <a:off x="576859" y="4051371"/>
-            <a:ext cx="1381133" cy="338818"/>
+            <a:off x="548405" y="4152045"/>
+            <a:ext cx="1448646" cy="424743"/>
           </a:xfrm>
           <a:prstGeom prst="roundRect">
             <a:avLst>
@@ -37206,7 +36886,7 @@
               <a:buNone/>
             </a:pPr>
             <a:r>
-              <a:rPr lang="en-US" sz="1000" b="0" i="0" u="none" strike="noStrike" cap="none">
+              <a:rPr lang="en-US" sz="1000" b="0" i="0" u="none" strike="noStrike" cap="none" dirty="0">
                 <a:solidFill>
                   <a:schemeClr val="dk1"/>
                 </a:solidFill>
@@ -37217,7 +36897,7 @@
               </a:rPr>
               <a:t>Docs chunked by page</a:t>
             </a:r>
-            <a:endParaRPr sz="1400" b="0" i="0" u="none" strike="noStrike" cap="none">
+            <a:endParaRPr sz="1400" b="0" i="0" u="none" strike="noStrike" cap="none" dirty="0">
               <a:solidFill>
                 <a:srgbClr val="000000"/>
               </a:solidFill>
@@ -37237,8 +36917,8 @@
         </p:nvSpPr>
         <p:spPr>
           <a:xfrm>
-            <a:off x="2652936" y="3960204"/>
-            <a:ext cx="1479534" cy="407130"/>
+            <a:off x="2591473" y="4150361"/>
+            <a:ext cx="1479534" cy="434216"/>
           </a:xfrm>
           <a:prstGeom prst="roundRect">
             <a:avLst>
@@ -37280,7 +36960,7 @@
               <a:buNone/>
             </a:pPr>
             <a:r>
-              <a:rPr lang="en-US" sz="1000" b="0" i="0" u="none" strike="noStrike" cap="none">
+              <a:rPr lang="en-US" sz="1000" b="0" i="0" u="none" strike="noStrike" cap="none" dirty="0">
                 <a:solidFill>
                   <a:schemeClr val="dk1"/>
                 </a:solidFill>
@@ -37291,7 +36971,7 @@
               </a:rPr>
               <a:t>Docs chunked by page with metadata</a:t>
             </a:r>
-            <a:endParaRPr sz="1400" b="0" i="0" u="none" strike="noStrike" cap="none">
+            <a:endParaRPr sz="1400" b="0" i="0" u="none" strike="noStrike" cap="none" dirty="0">
               <a:solidFill>
                 <a:srgbClr val="000000"/>
               </a:solidFill>
@@ -37311,8 +36991,8 @@
         </p:nvSpPr>
         <p:spPr>
           <a:xfrm>
-            <a:off x="5679147" y="5756617"/>
-            <a:ext cx="2198880" cy="360477"/>
+            <a:off x="5730517" y="5777117"/>
+            <a:ext cx="2198880" cy="263189"/>
           </a:xfrm>
           <a:prstGeom prst="roundRect">
             <a:avLst>
@@ -37354,7 +37034,7 @@
               <a:buNone/>
             </a:pPr>
             <a:r>
-              <a:rPr lang="en-US" sz="1000" b="0" i="0" u="none" strike="noStrike" cap="none">
+              <a:rPr lang="en-US" sz="1000" b="0" i="0" u="none" strike="noStrike" cap="none" dirty="0">
                 <a:solidFill>
                   <a:schemeClr val="dk1"/>
                 </a:solidFill>
@@ -37365,211 +37045,7 @@
               </a:rPr>
               <a:t>Vector representations of new chunks</a:t>
             </a:r>
-            <a:endParaRPr sz="1400" b="0" i="0" u="none" strike="noStrike" cap="none">
-              <a:solidFill>
-                <a:srgbClr val="000000"/>
-              </a:solidFill>
-              <a:latin typeface="Arial"/>
-              <a:ea typeface="Arial"/>
-              <a:cs typeface="Arial"/>
-              <a:sym typeface="Arial"/>
-            </a:endParaRPr>
-          </a:p>
-        </p:txBody>
-      </p:sp>
-      <p:sp>
-        <p:nvSpPr>
-          <p:cNvPr id="290" name="Google Shape;290;p2"/>
-          <p:cNvSpPr txBox="1"/>
-          <p:nvPr/>
-        </p:nvSpPr>
-        <p:spPr>
-          <a:xfrm>
-            <a:off x="7430355" y="3718217"/>
-            <a:ext cx="2155421" cy="246221"/>
-          </a:xfrm>
-          <a:prstGeom prst="rect">
-            <a:avLst/>
-          </a:prstGeom>
-          <a:noFill/>
-          <a:ln w="9525" cap="flat" cmpd="sng">
-            <a:solidFill>
-              <a:schemeClr val="dk1"/>
-            </a:solidFill>
-            <a:prstDash val="solid"/>
-            <a:round/>
-            <a:headEnd type="none" w="sm" len="sm"/>
-            <a:tailEnd type="none" w="sm" len="sm"/>
-          </a:ln>
-        </p:spPr>
-        <p:txBody>
-          <a:bodyPr spcFirstLastPara="1" wrap="square" lIns="91425" tIns="45700" rIns="91425" bIns="45700" anchor="t" anchorCtr="0">
-            <a:spAutoFit/>
-          </a:bodyPr>
-          <a:lstStyle/>
-          <a:p>
-            <a:pPr marL="0" marR="0" lvl="0" indent="0" algn="ctr" rtl="0">
-              <a:lnSpc>
-                <a:spcPct val="100000"/>
-              </a:lnSpc>
-              <a:spcBef>
-                <a:spcPts val="0"/>
-              </a:spcBef>
-              <a:spcAft>
-                <a:spcPts val="0"/>
-              </a:spcAft>
-              <a:buClr>
-                <a:srgbClr val="000000"/>
-              </a:buClr>
-              <a:buSzPts val="1000"/>
-              <a:buFont typeface="Arial"/>
-              <a:buNone/>
-            </a:pPr>
-            <a:r>
-              <a:rPr lang="en-US" sz="1000" b="0" i="0" u="none" strike="noStrike" cap="none">
-                <a:solidFill>
-                  <a:schemeClr val="dk1"/>
-                </a:solidFill>
-                <a:latin typeface="Calibri"/>
-                <a:ea typeface="Calibri"/>
-                <a:cs typeface="Calibri"/>
-                <a:sym typeface="Calibri"/>
-              </a:rPr>
-              <a:t>Vector </a:t>
-            </a:r>
-            <a:r>
-              <a:rPr lang="en-US" sz="1000">
-                <a:solidFill>
-                  <a:schemeClr val="dk1"/>
-                </a:solidFill>
-                <a:latin typeface="Calibri"/>
-                <a:ea typeface="Calibri"/>
-                <a:cs typeface="Calibri"/>
-                <a:sym typeface="Calibri"/>
-              </a:rPr>
-              <a:t>r</a:t>
-            </a:r>
-            <a:r>
-              <a:rPr lang="en-US" sz="1000" b="0" i="0" u="none" strike="noStrike" cap="none">
-                <a:solidFill>
-                  <a:schemeClr val="dk1"/>
-                </a:solidFill>
-                <a:latin typeface="Calibri"/>
-                <a:ea typeface="Calibri"/>
-                <a:cs typeface="Calibri"/>
-                <a:sym typeface="Calibri"/>
-              </a:rPr>
-              <a:t>epresentation of user query</a:t>
-            </a:r>
-            <a:endParaRPr sz="1400" b="0" i="0" u="none" strike="noStrike" cap="none">
-              <a:solidFill>
-                <a:srgbClr val="000000"/>
-              </a:solidFill>
-              <a:latin typeface="Arial"/>
-              <a:ea typeface="Arial"/>
-              <a:cs typeface="Arial"/>
-              <a:sym typeface="Arial"/>
-            </a:endParaRPr>
-          </a:p>
-        </p:txBody>
-      </p:sp>
-      <p:sp>
-        <p:nvSpPr>
-          <p:cNvPr id="291" name="Google Shape;291;p2"/>
-          <p:cNvSpPr txBox="1"/>
-          <p:nvPr/>
-        </p:nvSpPr>
-        <p:spPr>
-          <a:xfrm>
-            <a:off x="9985633" y="3756230"/>
-            <a:ext cx="1671047" cy="246221"/>
-          </a:xfrm>
-          <a:prstGeom prst="rect">
-            <a:avLst/>
-          </a:prstGeom>
-          <a:noFill/>
-          <a:ln w="9525" cap="flat" cmpd="sng">
-            <a:solidFill>
-              <a:schemeClr val="dk1"/>
-            </a:solidFill>
-            <a:prstDash val="solid"/>
-            <a:round/>
-            <a:headEnd type="none" w="sm" len="sm"/>
-            <a:tailEnd type="none" w="sm" len="sm"/>
-          </a:ln>
-        </p:spPr>
-        <p:txBody>
-          <a:bodyPr spcFirstLastPara="1" wrap="square" lIns="91425" tIns="45700" rIns="91425" bIns="45700" anchor="t" anchorCtr="0">
-            <a:spAutoFit/>
-          </a:bodyPr>
-          <a:lstStyle/>
-          <a:p>
-            <a:pPr marL="0" marR="0" lvl="0" indent="0" algn="ctr" rtl="0">
-              <a:lnSpc>
-                <a:spcPct val="100000"/>
-              </a:lnSpc>
-              <a:spcBef>
-                <a:spcPts val="0"/>
-              </a:spcBef>
-              <a:spcAft>
-                <a:spcPts val="0"/>
-              </a:spcAft>
-              <a:buClr>
-                <a:srgbClr val="000000"/>
-              </a:buClr>
-              <a:buSzPts val="1000"/>
-              <a:buFont typeface="Arial"/>
-              <a:buNone/>
-            </a:pPr>
-            <a:r>
-              <a:rPr lang="en-US" sz="1000" b="0" i="0" u="none" strike="noStrike" cap="none">
-                <a:solidFill>
-                  <a:schemeClr val="dk1"/>
-                </a:solidFill>
-                <a:latin typeface="Calibri"/>
-                <a:ea typeface="Calibri"/>
-                <a:cs typeface="Calibri"/>
-                <a:sym typeface="Calibri"/>
-              </a:rPr>
-              <a:t>User query and top </a:t>
-            </a:r>
-            <a:r>
-              <a:rPr lang="en-US" sz="1000" i="1">
-                <a:solidFill>
-                  <a:schemeClr val="dk1"/>
-                </a:solidFill>
-                <a:latin typeface="Calibri"/>
-                <a:ea typeface="Calibri"/>
-                <a:cs typeface="Calibri"/>
-                <a:sym typeface="Calibri"/>
-              </a:rPr>
-              <a:t>n</a:t>
-            </a:r>
-            <a:r>
-              <a:rPr lang="en-US" sz="1000" b="0" i="0" u="none" strike="noStrike" cap="none">
-                <a:solidFill>
-                  <a:schemeClr val="dk1"/>
-                </a:solidFill>
-                <a:latin typeface="Calibri"/>
-                <a:ea typeface="Calibri"/>
-                <a:cs typeface="Calibri"/>
-                <a:sym typeface="Calibri"/>
-              </a:rPr>
-              <a:t> </a:t>
-            </a:r>
-            <a:r>
-              <a:rPr lang="en-US" sz="1000">
-                <a:solidFill>
-                  <a:schemeClr val="dk1"/>
-                </a:solidFill>
-                <a:latin typeface="Calibri"/>
-                <a:ea typeface="Calibri"/>
-                <a:cs typeface="Calibri"/>
-                <a:sym typeface="Calibri"/>
-              </a:rPr>
-              <a:t>results</a:t>
-            </a:r>
-            <a:endParaRPr sz="1400" b="0" i="0" u="none" strike="noStrike" cap="none">
+            <a:endParaRPr sz="1400" b="0" i="0" u="none" strike="noStrike" cap="none" dirty="0">
               <a:solidFill>
                 <a:srgbClr val="000000"/>
               </a:solidFill>
@@ -37589,8 +37065,8 @@
         </p:nvSpPr>
         <p:spPr>
           <a:xfrm>
-            <a:off x="975473" y="5714721"/>
-            <a:ext cx="782526" cy="333533"/>
+            <a:off x="1065238" y="5777117"/>
+            <a:ext cx="782526" cy="242658"/>
           </a:xfrm>
           <a:prstGeom prst="roundRect">
             <a:avLst>
@@ -37659,6 +37135,7 @@
         <p:nvCxnSpPr>
           <p:cNvPr id="292" name="Google Shape;292;p2"/>
           <p:cNvCxnSpPr>
+            <a:cxnSpLocks/>
             <a:stCxn id="287" idx="3"/>
             <a:endCxn id="270" idx="1"/>
           </p:cNvCxnSpPr>
@@ -37666,8 +37143,8 @@
         </p:nvCxnSpPr>
         <p:spPr>
           <a:xfrm>
-            <a:off x="1757999" y="5881488"/>
-            <a:ext cx="367200" cy="3000"/>
+            <a:off x="1847764" y="5898446"/>
+            <a:ext cx="436411" cy="7829"/>
           </a:xfrm>
           <a:prstGeom prst="straightConnector1">
             <a:avLst/>
@@ -37718,27 +37195,406 @@
                   <a:srgbClr val="FF0000"/>
                 </a:solidFill>
               </a:rPr>
-              <a:t>Chunks relating to a document </a:t>
-            </a:r>
-            <a:r>
-              <a:rPr lang="en-US" sz="1000">
-                <a:solidFill>
-                  <a:srgbClr val="FF0000"/>
-                </a:solidFill>
-              </a:rPr>
-              <a:t>already existing </a:t>
-            </a:r>
-            <a:r>
-              <a:rPr lang="en-US" sz="1000" dirty="0">
-                <a:solidFill>
-                  <a:srgbClr val="FF0000"/>
-                </a:solidFill>
-              </a:rPr>
-              <a:t>in the knowledge base are excluded</a:t>
+              <a:t>Chunks relating to a document already existing in the knowledge base are excluded</a:t>
             </a:r>
           </a:p>
         </p:txBody>
       </p:sp>
+      <p:sp>
+        <p:nvSpPr>
+          <p:cNvPr id="58" name="Google Shape;289;p2">
+            <a:extLst>
+              <a:ext uri="{FF2B5EF4-FFF2-40B4-BE49-F238E27FC236}">
+                <a16:creationId xmlns:a16="http://schemas.microsoft.com/office/drawing/2014/main" id="{4C7C9107-FFE2-0A43-B7BE-05F4CB028CE3}"/>
+              </a:ext>
+            </a:extLst>
+          </p:cNvPr>
+          <p:cNvSpPr/>
+          <p:nvPr/>
+        </p:nvSpPr>
+        <p:spPr>
+          <a:xfrm>
+            <a:off x="7483985" y="3742692"/>
+            <a:ext cx="2076906" cy="260547"/>
+          </a:xfrm>
+          <a:prstGeom prst="roundRect">
+            <a:avLst>
+              <a:gd name="adj" fmla="val 16667"/>
+            </a:avLst>
+          </a:prstGeom>
+          <a:noFill/>
+          <a:ln w="12700" cap="flat" cmpd="sng">
+            <a:solidFill>
+              <a:srgbClr val="31538F"/>
+            </a:solidFill>
+            <a:prstDash val="solid"/>
+            <a:miter lim="800000"/>
+            <a:headEnd type="none" w="sm" len="sm"/>
+            <a:tailEnd type="none" w="sm" len="sm"/>
+          </a:ln>
+        </p:spPr>
+        <p:txBody>
+          <a:bodyPr spcFirstLastPara="1" wrap="square" lIns="91425" tIns="45700" rIns="91425" bIns="45700" anchor="t" anchorCtr="0">
+            <a:noAutofit/>
+          </a:bodyPr>
+          <a:lstStyle/>
+          <a:p>
+            <a:pPr lvl="0" algn="ctr">
+              <a:buSzPts val="1000"/>
+            </a:pPr>
+            <a:r>
+              <a:rPr lang="en-US" sz="1000" dirty="0">
+                <a:solidFill>
+                  <a:schemeClr val="dk1"/>
+                </a:solidFill>
+                <a:latin typeface="Calibri"/>
+                <a:ea typeface="Calibri"/>
+                <a:cs typeface="Calibri"/>
+                <a:sym typeface="Calibri"/>
+              </a:rPr>
+              <a:t>Vector representation of user query</a:t>
+            </a:r>
+            <a:endParaRPr lang="en-US" dirty="0"/>
+          </a:p>
+        </p:txBody>
+      </p:sp>
+      <p:sp>
+        <p:nvSpPr>
+          <p:cNvPr id="59" name="Google Shape;289;p2">
+            <a:extLst>
+              <a:ext uri="{FF2B5EF4-FFF2-40B4-BE49-F238E27FC236}">
+                <a16:creationId xmlns:a16="http://schemas.microsoft.com/office/drawing/2014/main" id="{2A5ECDB7-C27C-094E-A653-8092ACD7B726}"/>
+              </a:ext>
+            </a:extLst>
+          </p:cNvPr>
+          <p:cNvSpPr/>
+          <p:nvPr/>
+        </p:nvSpPr>
+        <p:spPr>
+          <a:xfrm>
+            <a:off x="9962193" y="3737769"/>
+            <a:ext cx="1680928" cy="260547"/>
+          </a:xfrm>
+          <a:prstGeom prst="roundRect">
+            <a:avLst>
+              <a:gd name="adj" fmla="val 16667"/>
+            </a:avLst>
+          </a:prstGeom>
+          <a:noFill/>
+          <a:ln w="12700" cap="flat" cmpd="sng">
+            <a:solidFill>
+              <a:srgbClr val="31538F"/>
+            </a:solidFill>
+            <a:prstDash val="solid"/>
+            <a:miter lim="800000"/>
+            <a:headEnd type="none" w="sm" len="sm"/>
+            <a:tailEnd type="none" w="sm" len="sm"/>
+          </a:ln>
+        </p:spPr>
+        <p:txBody>
+          <a:bodyPr spcFirstLastPara="1" wrap="square" lIns="91425" tIns="45700" rIns="91425" bIns="45700" anchor="t" anchorCtr="0">
+            <a:noAutofit/>
+          </a:bodyPr>
+          <a:lstStyle/>
+          <a:p>
+            <a:pPr lvl="0" algn="ctr">
+              <a:buSzPts val="1000"/>
+            </a:pPr>
+            <a:r>
+              <a:rPr lang="en-US" sz="1000" dirty="0">
+                <a:solidFill>
+                  <a:schemeClr val="dk1"/>
+                </a:solidFill>
+                <a:latin typeface="Calibri"/>
+                <a:ea typeface="Calibri"/>
+                <a:cs typeface="Calibri"/>
+                <a:sym typeface="Calibri"/>
+              </a:rPr>
+              <a:t>User query and top </a:t>
+            </a:r>
+            <a:r>
+              <a:rPr lang="en-US" sz="1000" i="1" dirty="0">
+                <a:solidFill>
+                  <a:schemeClr val="dk1"/>
+                </a:solidFill>
+                <a:latin typeface="Calibri"/>
+                <a:ea typeface="Calibri"/>
+                <a:cs typeface="Calibri"/>
+                <a:sym typeface="Calibri"/>
+              </a:rPr>
+              <a:t>n</a:t>
+            </a:r>
+            <a:r>
+              <a:rPr lang="en-US" sz="1000" dirty="0">
+                <a:solidFill>
+                  <a:schemeClr val="dk1"/>
+                </a:solidFill>
+                <a:latin typeface="Calibri"/>
+                <a:ea typeface="Calibri"/>
+                <a:cs typeface="Calibri"/>
+                <a:sym typeface="Calibri"/>
+              </a:rPr>
+              <a:t> results</a:t>
+            </a:r>
+            <a:endParaRPr lang="en-US" dirty="0"/>
+          </a:p>
+        </p:txBody>
+      </p:sp>
+      <p:sp>
+        <p:nvSpPr>
+          <p:cNvPr id="61" name="Google Shape;289;p2">
+            <a:extLst>
+              <a:ext uri="{FF2B5EF4-FFF2-40B4-BE49-F238E27FC236}">
+                <a16:creationId xmlns:a16="http://schemas.microsoft.com/office/drawing/2014/main" id="{044F85E2-66DC-F24C-A2E5-28FA2F8B48CC}"/>
+              </a:ext>
+            </a:extLst>
+          </p:cNvPr>
+          <p:cNvSpPr/>
+          <p:nvPr/>
+        </p:nvSpPr>
+        <p:spPr>
+          <a:xfrm>
+            <a:off x="10217821" y="756483"/>
+            <a:ext cx="723469" cy="274968"/>
+          </a:xfrm>
+          <a:prstGeom prst="roundRect">
+            <a:avLst>
+              <a:gd name="adj" fmla="val 16667"/>
+            </a:avLst>
+          </a:prstGeom>
+          <a:noFill/>
+          <a:ln w="12700" cap="flat" cmpd="sng">
+            <a:solidFill>
+              <a:srgbClr val="31538F"/>
+            </a:solidFill>
+            <a:prstDash val="solid"/>
+            <a:miter lim="800000"/>
+            <a:headEnd type="none" w="sm" len="sm"/>
+            <a:tailEnd type="none" w="sm" len="sm"/>
+          </a:ln>
+        </p:spPr>
+        <p:txBody>
+          <a:bodyPr spcFirstLastPara="1" wrap="square" lIns="91425" tIns="45700" rIns="91425" bIns="45700" anchor="t" anchorCtr="0">
+            <a:noAutofit/>
+          </a:bodyPr>
+          <a:lstStyle/>
+          <a:p>
+            <a:pPr lvl="0" algn="ctr">
+              <a:buSzPts val="1200"/>
+            </a:pPr>
+            <a:r>
+              <a:rPr lang="en-US" sz="1200" dirty="0">
+                <a:solidFill>
+                  <a:schemeClr val="dk1"/>
+                </a:solidFill>
+                <a:latin typeface="Calibri"/>
+                <a:ea typeface="Calibri"/>
+                <a:cs typeface="Calibri"/>
+                <a:sym typeface="Calibri"/>
+              </a:rPr>
+              <a:t>Answer</a:t>
+            </a:r>
+            <a:endParaRPr lang="en-US" sz="1200" dirty="0"/>
+          </a:p>
+        </p:txBody>
+      </p:sp>
+      <p:sp>
+        <p:nvSpPr>
+          <p:cNvPr id="62" name="Google Shape;289;p2">
+            <a:extLst>
+              <a:ext uri="{FF2B5EF4-FFF2-40B4-BE49-F238E27FC236}">
+                <a16:creationId xmlns:a16="http://schemas.microsoft.com/office/drawing/2014/main" id="{E8004792-C5DD-DE4C-A091-AF1C75841484}"/>
+              </a:ext>
+            </a:extLst>
+          </p:cNvPr>
+          <p:cNvSpPr/>
+          <p:nvPr/>
+        </p:nvSpPr>
+        <p:spPr>
+          <a:xfrm>
+            <a:off x="7355117" y="755067"/>
+            <a:ext cx="900751" cy="277799"/>
+          </a:xfrm>
+          <a:prstGeom prst="roundRect">
+            <a:avLst>
+              <a:gd name="adj" fmla="val 16667"/>
+            </a:avLst>
+          </a:prstGeom>
+          <a:noFill/>
+          <a:ln w="12700" cap="flat" cmpd="sng">
+            <a:solidFill>
+              <a:srgbClr val="31538F"/>
+            </a:solidFill>
+            <a:prstDash val="solid"/>
+            <a:miter lim="800000"/>
+            <a:headEnd type="none" w="sm" len="sm"/>
+            <a:tailEnd type="none" w="sm" len="sm"/>
+          </a:ln>
+        </p:spPr>
+        <p:txBody>
+          <a:bodyPr spcFirstLastPara="1" wrap="square" lIns="91425" tIns="45700" rIns="91425" bIns="45700" anchor="t" anchorCtr="0">
+            <a:noAutofit/>
+          </a:bodyPr>
+          <a:lstStyle/>
+          <a:p>
+            <a:pPr algn="ctr">
+              <a:buSzPts val="1200"/>
+            </a:pPr>
+            <a:r>
+              <a:rPr lang="en-US" sz="1200" dirty="0">
+                <a:solidFill>
+                  <a:schemeClr val="dk1"/>
+                </a:solidFill>
+                <a:latin typeface="Calibri"/>
+                <a:ea typeface="Calibri"/>
+                <a:cs typeface="Calibri"/>
+                <a:sym typeface="Calibri"/>
+              </a:rPr>
+              <a:t>User query</a:t>
+            </a:r>
+            <a:endParaRPr lang="en-US" dirty="0"/>
+          </a:p>
+          <a:p>
+            <a:pPr lvl="0" algn="ctr">
+              <a:buSzPts val="1200"/>
+            </a:pPr>
+            <a:endParaRPr lang="en-US" sz="1200" dirty="0"/>
+          </a:p>
+        </p:txBody>
+      </p:sp>
+      <p:cxnSp>
+        <p:nvCxnSpPr>
+          <p:cNvPr id="199" name="Straight Connector 198">
+            <a:extLst>
+              <a:ext uri="{FF2B5EF4-FFF2-40B4-BE49-F238E27FC236}">
+                <a16:creationId xmlns:a16="http://schemas.microsoft.com/office/drawing/2014/main" id="{99742A1D-1BE7-DC49-99BF-58A1301A4FE8}"/>
+              </a:ext>
+            </a:extLst>
+          </p:cNvPr>
+          <p:cNvCxnSpPr>
+            <a:cxnSpLocks/>
+          </p:cNvCxnSpPr>
+          <p:nvPr/>
+        </p:nvCxnSpPr>
+        <p:spPr>
+          <a:xfrm>
+            <a:off x="631203" y="4915161"/>
+            <a:ext cx="1" cy="983285"/>
+          </a:xfrm>
+          <a:prstGeom prst="line">
+            <a:avLst/>
+          </a:prstGeom>
+          <a:ln>
+            <a:solidFill>
+              <a:srgbClr val="FF0000"/>
+            </a:solidFill>
+          </a:ln>
+        </p:spPr>
+        <p:style>
+          <a:lnRef idx="1">
+            <a:schemeClr val="accent1"/>
+          </a:lnRef>
+          <a:fillRef idx="0">
+            <a:schemeClr val="accent1"/>
+          </a:fillRef>
+          <a:effectRef idx="0">
+            <a:schemeClr val="accent1"/>
+          </a:effectRef>
+          <a:fontRef idx="minor">
+            <a:schemeClr val="tx1"/>
+          </a:fontRef>
+        </p:style>
+      </p:cxnSp>
+      <p:cxnSp>
+        <p:nvCxnSpPr>
+          <p:cNvPr id="132" name="Elbow Connector 131">
+            <a:extLst>
+              <a:ext uri="{FF2B5EF4-FFF2-40B4-BE49-F238E27FC236}">
+                <a16:creationId xmlns:a16="http://schemas.microsoft.com/office/drawing/2014/main" id="{B9C4FF63-4E55-4A45-B800-C4183EA6C5CA}"/>
+              </a:ext>
+            </a:extLst>
+          </p:cNvPr>
+          <p:cNvCxnSpPr>
+            <a:cxnSpLocks/>
+          </p:cNvCxnSpPr>
+          <p:nvPr/>
+        </p:nvCxnSpPr>
+        <p:spPr>
+          <a:xfrm rot="5400000">
+            <a:off x="-1050249" y="2140428"/>
+            <a:ext cx="3459927" cy="985610"/>
+          </a:xfrm>
+          <a:prstGeom prst="bentConnector3">
+            <a:avLst>
+              <a:gd name="adj1" fmla="val -481"/>
+            </a:avLst>
+          </a:prstGeom>
+          <a:ln>
+            <a:solidFill>
+              <a:srgbClr val="7030A0"/>
+            </a:solidFill>
+          </a:ln>
+        </p:spPr>
+        <p:style>
+          <a:lnRef idx="1">
+            <a:schemeClr val="accent1"/>
+          </a:lnRef>
+          <a:fillRef idx="0">
+            <a:schemeClr val="accent1"/>
+          </a:fillRef>
+          <a:effectRef idx="0">
+            <a:schemeClr val="accent1"/>
+          </a:effectRef>
+          <a:fontRef idx="minor">
+            <a:schemeClr val="tx1"/>
+          </a:fontRef>
+        </p:style>
+      </p:cxnSp>
+      <p:cxnSp>
+        <p:nvCxnSpPr>
+          <p:cNvPr id="210" name="Straight Arrow Connector 209">
+            <a:extLst>
+              <a:ext uri="{FF2B5EF4-FFF2-40B4-BE49-F238E27FC236}">
+                <a16:creationId xmlns:a16="http://schemas.microsoft.com/office/drawing/2014/main" id="{11D14028-09D5-6E4A-B472-D901A0978B9D}"/>
+              </a:ext>
+            </a:extLst>
+          </p:cNvPr>
+          <p:cNvCxnSpPr>
+            <a:cxnSpLocks/>
+            <a:endCxn id="288" idx="1"/>
+          </p:cNvCxnSpPr>
+          <p:nvPr/>
+        </p:nvCxnSpPr>
+        <p:spPr>
+          <a:xfrm>
+            <a:off x="186909" y="4364417"/>
+            <a:ext cx="361496" cy="0"/>
+          </a:xfrm>
+          <a:prstGeom prst="straightConnector1">
+            <a:avLst/>
+          </a:prstGeom>
+          <a:ln>
+            <a:solidFill>
+              <a:srgbClr val="7030A0"/>
+            </a:solidFill>
+            <a:tailEnd type="triangle"/>
+          </a:ln>
+        </p:spPr>
+        <p:style>
+          <a:lnRef idx="1">
+            <a:schemeClr val="accent1"/>
+          </a:lnRef>
+          <a:fillRef idx="0">
+            <a:schemeClr val="accent1"/>
+          </a:fillRef>
+          <a:effectRef idx="0">
+            <a:schemeClr val="accent1"/>
+          </a:effectRef>
+          <a:fontRef idx="minor">
+            <a:schemeClr val="tx1"/>
+          </a:fontRef>
+        </p:style>
+      </p:cxnSp>
     </p:spTree>
   </p:cSld>
   <p:clrMapOvr>
